--- a/Lectures/cse220-04-input-output.pptx
+++ b/Lectures/cse220-04-input-output.pptx
@@ -12,7 +12,7 @@
   </p:handoutMasterIdLst>
   <p:sldIdLst>
     <p:sldId id="365" r:id="rId2"/>
-    <p:sldId id="389" r:id="rId3"/>
+    <p:sldId id="392" r:id="rId3"/>
     <p:sldId id="385" r:id="rId4"/>
     <p:sldId id="387" r:id="rId5"/>
     <p:sldId id="366" r:id="rId6"/>
@@ -237,7 +237,7 @@
           <a:p>
             <a:fld id="{BD881434-6122-FF40-9E3D-9815E9633609}" type="datetimeFigureOut">
               <a:rPr lang="en-US" smtClean="0"/>
-              <a:t>9/14/16</a:t>
+              <a:t>9/16/20</a:t>
             </a:fld>
             <a:endParaRPr lang="en-US"/>
           </a:p>
@@ -402,7 +402,7 @@
           <a:p>
             <a:fld id="{7E251A12-E2C7-490F-9B80-BF4FB84EE236}" type="datetimeFigureOut">
               <a:rPr lang="en-US" smtClean="0"/>
-              <a:t>9/14/16</a:t>
+              <a:t>9/16/20</a:t>
             </a:fld>
             <a:endParaRPr lang="en-US"/>
           </a:p>
@@ -468,38 +468,37 @@
           <a:p>
             <a:pPr lvl="0"/>
             <a:r>
-              <a:rPr lang="en-US" smtClean="0"/>
+              <a:rPr lang="en-US"/>
               <a:t>Click to edit Master text styles</a:t>
             </a:r>
           </a:p>
           <a:p>
             <a:pPr lvl="1"/>
             <a:r>
-              <a:rPr lang="en-US" smtClean="0"/>
+              <a:rPr lang="en-US"/>
               <a:t>Second level</a:t>
             </a:r>
           </a:p>
           <a:p>
             <a:pPr lvl="2"/>
             <a:r>
-              <a:rPr lang="en-US" smtClean="0"/>
+              <a:rPr lang="en-US"/>
               <a:t>Third level</a:t>
             </a:r>
           </a:p>
           <a:p>
             <a:pPr lvl="3"/>
             <a:r>
-              <a:rPr lang="en-US" smtClean="0"/>
+              <a:rPr lang="en-US"/>
               <a:t>Fourth level</a:t>
             </a:r>
           </a:p>
           <a:p>
             <a:pPr lvl="4"/>
             <a:r>
-              <a:rPr lang="en-US" smtClean="0"/>
+              <a:rPr lang="en-US"/>
               <a:t>Fifth level</a:t>
             </a:r>
-            <a:endParaRPr lang="en-US"/>
           </a:p>
         </p:txBody>
       </p:sp>
@@ -1239,7 +1238,7 @@
           </a:lstStyle>
           <a:p>
             <a:r>
-              <a:rPr lang="en-US" smtClean="0"/>
+              <a:rPr lang="en-US"/>
               <a:t>Click to edit Master title style</a:t>
             </a:r>
             <a:endParaRPr lang="en-US" dirty="0"/>
@@ -1312,7 +1311,7 @@
           </a:lstStyle>
           <a:p>
             <a:r>
-              <a:rPr lang="en-US" smtClean="0"/>
+              <a:rPr lang="en-US"/>
               <a:t>Click to edit Master subtitle style</a:t>
             </a:r>
             <a:endParaRPr lang="en-US" dirty="0"/>
@@ -1385,7 +1384,7 @@
           <a:p>
             <a:fld id="{87FD5B78-719E-EB4F-B46C-3436DB7CC52E}" type="datetime1">
               <a:rPr lang="en-US" smtClean="0"/>
-              <a:t>9/14/16</a:t>
+              <a:t>9/16/20</a:t>
             </a:fld>
             <a:endParaRPr lang="en-US"/>
           </a:p>
@@ -1507,7 +1506,7 @@
           <a:lstStyle/>
           <a:p>
             <a:r>
-              <a:rPr lang="en-US" smtClean="0"/>
+              <a:rPr lang="en-US"/>
               <a:t>Click to edit Master title style</a:t>
             </a:r>
             <a:endParaRPr lang="en-US" dirty="0"/>
@@ -1531,35 +1530,35 @@
           <a:p>
             <a:pPr lvl="0"/>
             <a:r>
-              <a:rPr lang="en-US" smtClean="0"/>
+              <a:rPr lang="en-US"/>
               <a:t>Click to edit Master text styles</a:t>
             </a:r>
           </a:p>
           <a:p>
             <a:pPr lvl="1"/>
             <a:r>
-              <a:rPr lang="en-US" smtClean="0"/>
+              <a:rPr lang="en-US"/>
               <a:t>Second level</a:t>
             </a:r>
           </a:p>
           <a:p>
             <a:pPr lvl="2"/>
             <a:r>
-              <a:rPr lang="en-US" smtClean="0"/>
+              <a:rPr lang="en-US"/>
               <a:t>Third level</a:t>
             </a:r>
           </a:p>
           <a:p>
             <a:pPr lvl="3"/>
             <a:r>
-              <a:rPr lang="en-US" smtClean="0"/>
+              <a:rPr lang="en-US"/>
               <a:t>Fourth level</a:t>
             </a:r>
           </a:p>
           <a:p>
             <a:pPr lvl="4"/>
             <a:r>
-              <a:rPr lang="en-US" smtClean="0"/>
+              <a:rPr lang="en-US"/>
               <a:t>Fifth level</a:t>
             </a:r>
             <a:endParaRPr lang="en-US" dirty="0"/>
@@ -1583,7 +1582,7 @@
           <a:p>
             <a:fld id="{E1CA9D34-C490-C841-8C66-559E13CB83F1}" type="datetime1">
               <a:rPr lang="en-US" smtClean="0"/>
-              <a:t>9/14/16</a:t>
+              <a:t>9/16/20</a:t>
             </a:fld>
             <a:endParaRPr lang="en-US"/>
           </a:p>
@@ -1683,7 +1682,7 @@
           <a:lstStyle/>
           <a:p>
             <a:r>
-              <a:rPr lang="en-US" smtClean="0"/>
+              <a:rPr lang="en-US"/>
               <a:t>Click to edit Master title style</a:t>
             </a:r>
             <a:endParaRPr lang="en-US" dirty="0"/>
@@ -1712,35 +1711,35 @@
           <a:p>
             <a:pPr lvl="0"/>
             <a:r>
-              <a:rPr lang="en-US" smtClean="0"/>
+              <a:rPr lang="en-US"/>
               <a:t>Click to edit Master text styles</a:t>
             </a:r>
           </a:p>
           <a:p>
             <a:pPr lvl="1"/>
             <a:r>
-              <a:rPr lang="en-US" smtClean="0"/>
+              <a:rPr lang="en-US"/>
               <a:t>Second level</a:t>
             </a:r>
           </a:p>
           <a:p>
             <a:pPr lvl="2"/>
             <a:r>
-              <a:rPr lang="en-US" smtClean="0"/>
+              <a:rPr lang="en-US"/>
               <a:t>Third level</a:t>
             </a:r>
           </a:p>
           <a:p>
             <a:pPr lvl="3"/>
             <a:r>
-              <a:rPr lang="en-US" smtClean="0"/>
+              <a:rPr lang="en-US"/>
               <a:t>Fourth level</a:t>
             </a:r>
           </a:p>
           <a:p>
             <a:pPr lvl="4"/>
             <a:r>
-              <a:rPr lang="en-US" smtClean="0"/>
+              <a:rPr lang="en-US"/>
               <a:t>Fifth level</a:t>
             </a:r>
             <a:endParaRPr lang="en-US" dirty="0"/>
@@ -1764,7 +1763,7 @@
           <a:p>
             <a:fld id="{8D2EA430-BDC9-1946-9AFC-7878DC88CF31}" type="datetime1">
               <a:rPr lang="en-US" smtClean="0"/>
-              <a:t>9/14/16</a:t>
+              <a:t>9/16/20</a:t>
             </a:fld>
             <a:endParaRPr lang="en-US"/>
           </a:p>
@@ -1864,7 +1863,7 @@
           <a:lstStyle/>
           <a:p>
             <a:r>
-              <a:rPr lang="en-US" smtClean="0"/>
+              <a:rPr lang="en-US"/>
               <a:t>Click to edit Master title style</a:t>
             </a:r>
             <a:endParaRPr lang="en-US" dirty="0"/>
@@ -1888,35 +1887,35 @@
           <a:p>
             <a:pPr lvl="0"/>
             <a:r>
-              <a:rPr lang="en-US" smtClean="0"/>
+              <a:rPr lang="en-US"/>
               <a:t>Click to edit Master text styles</a:t>
             </a:r>
           </a:p>
           <a:p>
             <a:pPr lvl="1"/>
             <a:r>
-              <a:rPr lang="en-US" smtClean="0"/>
+              <a:rPr lang="en-US"/>
               <a:t>Second level</a:t>
             </a:r>
           </a:p>
           <a:p>
             <a:pPr lvl="2"/>
             <a:r>
-              <a:rPr lang="en-US" smtClean="0"/>
+              <a:rPr lang="en-US"/>
               <a:t>Third level</a:t>
             </a:r>
           </a:p>
           <a:p>
             <a:pPr lvl="3"/>
             <a:r>
-              <a:rPr lang="en-US" smtClean="0"/>
+              <a:rPr lang="en-US"/>
               <a:t>Fourth level</a:t>
             </a:r>
           </a:p>
           <a:p>
             <a:pPr lvl="4"/>
             <a:r>
-              <a:rPr lang="en-US" smtClean="0"/>
+              <a:rPr lang="en-US"/>
               <a:t>Fifth level</a:t>
             </a:r>
             <a:endParaRPr lang="en-US" dirty="0"/>
@@ -1940,7 +1939,7 @@
           <a:p>
             <a:fld id="{65B1C904-F353-BE4E-BD06-0C08568C73B6}" type="datetime1">
               <a:rPr lang="en-US" smtClean="0"/>
-              <a:t>9/14/16</a:t>
+              <a:t>9/16/20</a:t>
             </a:fld>
             <a:endParaRPr lang="en-US"/>
           </a:p>
@@ -2049,7 +2048,7 @@
           </a:lstStyle>
           <a:p>
             <a:r>
-              <a:rPr lang="en-US" smtClean="0"/>
+              <a:rPr lang="en-US"/>
               <a:t>Click to edit Master title style</a:t>
             </a:r>
             <a:endParaRPr lang="en-US" dirty="0"/>
@@ -2172,7 +2171,7 @@
           <a:p>
             <a:pPr lvl="0"/>
             <a:r>
-              <a:rPr lang="en-US" smtClean="0"/>
+              <a:rPr lang="en-US"/>
               <a:t>Click to edit Master text styles</a:t>
             </a:r>
           </a:p>
@@ -2195,7 +2194,7 @@
           <a:p>
             <a:fld id="{722083CD-8755-904E-92D7-C1E73D78C106}" type="datetime1">
               <a:rPr lang="en-US" smtClean="0"/>
-              <a:t>9/14/16</a:t>
+              <a:t>9/16/20</a:t>
             </a:fld>
             <a:endParaRPr lang="en-US"/>
           </a:p>
@@ -2333,7 +2332,7 @@
           <a:lstStyle/>
           <a:p>
             <a:r>
-              <a:rPr lang="en-US" smtClean="0"/>
+              <a:rPr lang="en-US"/>
               <a:t>Click to edit Master title style</a:t>
             </a:r>
             <a:endParaRPr lang="en-US" dirty="0"/>
@@ -2390,35 +2389,35 @@
           <a:p>
             <a:pPr lvl="0"/>
             <a:r>
-              <a:rPr lang="en-US" smtClean="0"/>
+              <a:rPr lang="en-US"/>
               <a:t>Click to edit Master text styles</a:t>
             </a:r>
           </a:p>
           <a:p>
             <a:pPr lvl="1"/>
             <a:r>
-              <a:rPr lang="en-US" smtClean="0"/>
+              <a:rPr lang="en-US"/>
               <a:t>Second level</a:t>
             </a:r>
           </a:p>
           <a:p>
             <a:pPr lvl="2"/>
             <a:r>
-              <a:rPr lang="en-US" smtClean="0"/>
+              <a:rPr lang="en-US"/>
               <a:t>Third level</a:t>
             </a:r>
           </a:p>
           <a:p>
             <a:pPr lvl="3"/>
             <a:r>
-              <a:rPr lang="en-US" smtClean="0"/>
+              <a:rPr lang="en-US"/>
               <a:t>Fourth level</a:t>
             </a:r>
           </a:p>
           <a:p>
             <a:pPr lvl="4"/>
             <a:r>
-              <a:rPr lang="en-US" smtClean="0"/>
+              <a:rPr lang="en-US"/>
               <a:t>Fifth level</a:t>
             </a:r>
             <a:endParaRPr lang="en-US" dirty="0"/>
@@ -2475,35 +2474,35 @@
           <a:p>
             <a:pPr lvl="0"/>
             <a:r>
-              <a:rPr lang="en-US" smtClean="0"/>
+              <a:rPr lang="en-US"/>
               <a:t>Click to edit Master text styles</a:t>
             </a:r>
           </a:p>
           <a:p>
             <a:pPr lvl="1"/>
             <a:r>
-              <a:rPr lang="en-US" smtClean="0"/>
+              <a:rPr lang="en-US"/>
               <a:t>Second level</a:t>
             </a:r>
           </a:p>
           <a:p>
             <a:pPr lvl="2"/>
             <a:r>
-              <a:rPr lang="en-US" smtClean="0"/>
+              <a:rPr lang="en-US"/>
               <a:t>Third level</a:t>
             </a:r>
           </a:p>
           <a:p>
             <a:pPr lvl="3"/>
             <a:r>
-              <a:rPr lang="en-US" smtClean="0"/>
+              <a:rPr lang="en-US"/>
               <a:t>Fourth level</a:t>
             </a:r>
           </a:p>
           <a:p>
             <a:pPr lvl="4"/>
             <a:r>
-              <a:rPr lang="en-US" smtClean="0"/>
+              <a:rPr lang="en-US"/>
               <a:t>Fifth level</a:t>
             </a:r>
             <a:endParaRPr lang="en-US" dirty="0"/>
@@ -2527,7 +2526,7 @@
           <a:p>
             <a:fld id="{90C4E8ED-DCEF-D945-B61C-2ABED93C49B6}" type="datetime1">
               <a:rPr lang="en-US" smtClean="0"/>
-              <a:t>9/14/16</a:t>
+              <a:t>9/16/20</a:t>
             </a:fld>
             <a:endParaRPr lang="en-US"/>
           </a:p>
@@ -2622,7 +2621,7 @@
           <a:lstStyle/>
           <a:p>
             <a:r>
-              <a:rPr lang="en-US" smtClean="0"/>
+              <a:rPr lang="en-US"/>
               <a:t>Click to edit Master title style</a:t>
             </a:r>
             <a:endParaRPr lang="en-US" dirty="0"/>
@@ -2697,7 +2696,7 @@
           <a:p>
             <a:pPr lvl="0"/>
             <a:r>
-              <a:rPr lang="en-US" smtClean="0"/>
+              <a:rPr lang="en-US"/>
               <a:t>Click to edit Master text styles</a:t>
             </a:r>
           </a:p>
@@ -2753,35 +2752,35 @@
           <a:p>
             <a:pPr lvl="0"/>
             <a:r>
-              <a:rPr lang="en-US" smtClean="0"/>
+              <a:rPr lang="en-US"/>
               <a:t>Click to edit Master text styles</a:t>
             </a:r>
           </a:p>
           <a:p>
             <a:pPr lvl="1"/>
             <a:r>
-              <a:rPr lang="en-US" smtClean="0"/>
+              <a:rPr lang="en-US"/>
               <a:t>Second level</a:t>
             </a:r>
           </a:p>
           <a:p>
             <a:pPr lvl="2"/>
             <a:r>
-              <a:rPr lang="en-US" smtClean="0"/>
+              <a:rPr lang="en-US"/>
               <a:t>Third level</a:t>
             </a:r>
           </a:p>
           <a:p>
             <a:pPr lvl="3"/>
             <a:r>
-              <a:rPr lang="en-US" smtClean="0"/>
+              <a:rPr lang="en-US"/>
               <a:t>Fourth level</a:t>
             </a:r>
           </a:p>
           <a:p>
             <a:pPr lvl="4"/>
             <a:r>
-              <a:rPr lang="en-US" smtClean="0"/>
+              <a:rPr lang="en-US"/>
               <a:t>Fifth level</a:t>
             </a:r>
             <a:endParaRPr lang="en-US" dirty="0"/>
@@ -2840,7 +2839,7 @@
               <a:buNone/>
             </a:pPr>
             <a:r>
-              <a:rPr lang="en-US" smtClean="0"/>
+              <a:rPr lang="en-US"/>
               <a:t>Click to edit Master text styles</a:t>
             </a:r>
           </a:p>
@@ -2896,35 +2895,35 @@
           <a:p>
             <a:pPr lvl="0"/>
             <a:r>
-              <a:rPr lang="en-US" smtClean="0"/>
+              <a:rPr lang="en-US"/>
               <a:t>Click to edit Master text styles</a:t>
             </a:r>
           </a:p>
           <a:p>
             <a:pPr lvl="1"/>
             <a:r>
-              <a:rPr lang="en-US" smtClean="0"/>
+              <a:rPr lang="en-US"/>
               <a:t>Second level</a:t>
             </a:r>
           </a:p>
           <a:p>
             <a:pPr lvl="2"/>
             <a:r>
-              <a:rPr lang="en-US" smtClean="0"/>
+              <a:rPr lang="en-US"/>
               <a:t>Third level</a:t>
             </a:r>
           </a:p>
           <a:p>
             <a:pPr lvl="3"/>
             <a:r>
-              <a:rPr lang="en-US" smtClean="0"/>
+              <a:rPr lang="en-US"/>
               <a:t>Fourth level</a:t>
             </a:r>
           </a:p>
           <a:p>
             <a:pPr lvl="4"/>
             <a:r>
-              <a:rPr lang="en-US" smtClean="0"/>
+              <a:rPr lang="en-US"/>
               <a:t>Fifth level</a:t>
             </a:r>
             <a:endParaRPr lang="en-US" dirty="0"/>
@@ -2948,7 +2947,7 @@
           <a:p>
             <a:fld id="{66A0E1F4-30BF-5548-83A5-4B15D024A2CC}" type="datetime1">
               <a:rPr lang="en-US" smtClean="0"/>
-              <a:t>9/14/16</a:t>
+              <a:t>9/16/20</a:t>
             </a:fld>
             <a:endParaRPr lang="en-US"/>
           </a:p>
@@ -3043,7 +3042,7 @@
           <a:lstStyle/>
           <a:p>
             <a:r>
-              <a:rPr lang="en-US" smtClean="0"/>
+              <a:rPr lang="en-US"/>
               <a:t>Click to edit Master title style</a:t>
             </a:r>
             <a:endParaRPr lang="en-US" dirty="0"/>
@@ -3067,7 +3066,7 @@
           <a:p>
             <a:fld id="{D2387EEB-CE3C-364D-A686-0532BB2F6B4D}" type="datetime1">
               <a:rPr lang="en-US" smtClean="0"/>
-              <a:t>9/14/16</a:t>
+              <a:t>9/16/20</a:t>
             </a:fld>
             <a:endParaRPr lang="en-US"/>
           </a:p>
@@ -3163,7 +3162,7 @@
           <a:p>
             <a:fld id="{0B2CE960-50D9-EE45-8012-18DA0DC07FAB}" type="datetime1">
               <a:rPr lang="en-US" smtClean="0"/>
-              <a:t>9/14/16</a:t>
+              <a:t>9/16/20</a:t>
             </a:fld>
             <a:endParaRPr lang="en-US"/>
           </a:p>
@@ -3274,7 +3273,7 @@
           </a:lstStyle>
           <a:p>
             <a:r>
-              <a:rPr lang="en-US" smtClean="0"/>
+              <a:rPr lang="en-US"/>
               <a:t>Click to edit Master title style</a:t>
             </a:r>
             <a:endParaRPr lang="en-US" dirty="0"/>
@@ -3331,35 +3330,35 @@
           <a:p>
             <a:pPr lvl="0"/>
             <a:r>
-              <a:rPr lang="en-US" smtClean="0"/>
+              <a:rPr lang="en-US"/>
               <a:t>Click to edit Master text styles</a:t>
             </a:r>
           </a:p>
           <a:p>
             <a:pPr lvl="1"/>
             <a:r>
-              <a:rPr lang="en-US" smtClean="0"/>
+              <a:rPr lang="en-US"/>
               <a:t>Second level</a:t>
             </a:r>
           </a:p>
           <a:p>
             <a:pPr lvl="2"/>
             <a:r>
-              <a:rPr lang="en-US" smtClean="0"/>
+              <a:rPr lang="en-US"/>
               <a:t>Third level</a:t>
             </a:r>
           </a:p>
           <a:p>
             <a:pPr lvl="3"/>
             <a:r>
-              <a:rPr lang="en-US" smtClean="0"/>
+              <a:rPr lang="en-US"/>
               <a:t>Fourth level</a:t>
             </a:r>
           </a:p>
           <a:p>
             <a:pPr lvl="4"/>
             <a:r>
-              <a:rPr lang="en-US" smtClean="0"/>
+              <a:rPr lang="en-US"/>
               <a:t>Fifth level</a:t>
             </a:r>
             <a:endParaRPr lang="en-US" dirty="0"/>
@@ -3433,7 +3432,7 @@
           <a:p>
             <a:pPr lvl="0"/>
             <a:r>
-              <a:rPr lang="en-US" smtClean="0"/>
+              <a:rPr lang="en-US"/>
               <a:t>Click to edit Master text styles</a:t>
             </a:r>
           </a:p>
@@ -3456,7 +3455,7 @@
           <a:p>
             <a:fld id="{961CA629-3534-7A46-A0FF-94D6F694B5A9}" type="datetime1">
               <a:rPr lang="en-US" smtClean="0"/>
-              <a:t>9/14/16</a:t>
+              <a:t>9/16/20</a:t>
             </a:fld>
             <a:endParaRPr lang="en-US"/>
           </a:p>
@@ -3609,7 +3608,7 @@
           </a:lstStyle>
           <a:p>
             <a:r>
-              <a:rPr lang="en-US" smtClean="0"/>
+              <a:rPr lang="en-US"/>
               <a:t>Click to edit Master title style</a:t>
             </a:r>
             <a:endParaRPr lang="en-US" dirty="0"/>
@@ -3684,7 +3683,7 @@
           </a:lstStyle>
           <a:p>
             <a:r>
-              <a:rPr lang="en-US" smtClean="0"/>
+              <a:rPr lang="en-US"/>
               <a:t>Drag picture to placeholder or click icon to add</a:t>
             </a:r>
             <a:endParaRPr lang="en-US" dirty="0"/>
@@ -3764,7 +3763,7 @@
           <a:p>
             <a:pPr lvl="0"/>
             <a:r>
-              <a:rPr lang="en-US" smtClean="0"/>
+              <a:rPr lang="en-US"/>
               <a:t>Click to edit Master text styles</a:t>
             </a:r>
           </a:p>
@@ -3787,7 +3786,7 @@
           <a:p>
             <a:fld id="{B69DE736-0CD0-A94C-8BA9-AB0135E11BEE}" type="datetime1">
               <a:rPr lang="en-US" smtClean="0"/>
-              <a:t>9/14/16</a:t>
+              <a:t>9/16/20</a:t>
             </a:fld>
             <a:endParaRPr lang="en-US"/>
           </a:p>
@@ -3937,7 +3936,7 @@
           <a:lstStyle/>
           <a:p>
             <a:r>
-              <a:rPr lang="en-US" smtClean="0"/>
+              <a:rPr lang="en-US"/>
               <a:t>Click to edit Master title style</a:t>
             </a:r>
             <a:endParaRPr lang="en-US" dirty="0"/>
@@ -3971,35 +3970,35 @@
           <a:p>
             <a:pPr lvl="0"/>
             <a:r>
-              <a:rPr lang="en-US" smtClean="0"/>
+              <a:rPr lang="en-US"/>
               <a:t>Click to edit Master text styles</a:t>
             </a:r>
           </a:p>
           <a:p>
             <a:pPr lvl="1"/>
             <a:r>
-              <a:rPr lang="en-US" smtClean="0"/>
+              <a:rPr lang="en-US"/>
               <a:t>Second level</a:t>
             </a:r>
           </a:p>
           <a:p>
             <a:pPr lvl="2"/>
             <a:r>
-              <a:rPr lang="en-US" smtClean="0"/>
+              <a:rPr lang="en-US"/>
               <a:t>Third level</a:t>
             </a:r>
           </a:p>
           <a:p>
             <a:pPr lvl="3"/>
             <a:r>
-              <a:rPr lang="en-US" smtClean="0"/>
+              <a:rPr lang="en-US"/>
               <a:t>Fourth level</a:t>
             </a:r>
           </a:p>
           <a:p>
             <a:pPr lvl="4"/>
             <a:r>
-              <a:rPr lang="en-US" smtClean="0"/>
+              <a:rPr lang="en-US"/>
               <a:t>Fifth level</a:t>
             </a:r>
             <a:endParaRPr lang="en-US" dirty="0"/>
@@ -4042,7 +4041,7 @@
           <a:p>
             <a:fld id="{B0CA1698-EE48-6B49-91ED-C3034AD5B709}" type="datetime1">
               <a:rPr lang="en-US" smtClean="0"/>
-              <a:t>9/14/16</a:t>
+              <a:t>9/16/20</a:t>
             </a:fld>
             <a:endParaRPr lang="en-US"/>
           </a:p>
@@ -4553,15 +4552,11 @@
           <a:lstStyle/>
           <a:p>
             <a:r>
-              <a:rPr lang="en-US" dirty="0" smtClean="0"/>
+              <a:rPr lang="en-US" dirty="0"/>
               <a:t>CSE 220 – C Programming</a:t>
             </a:r>
-            <a:r>
-              <a:rPr lang="en-US" smtClean="0"/>
-              <a:t/>
-            </a:r>
             <a:br>
-              <a:rPr lang="en-US" smtClean="0"/>
+              <a:rPr lang="en-US"/>
             </a:br>
             <a:endParaRPr lang="en-US" dirty="0"/>
           </a:p>
@@ -4583,18 +4578,13 @@
           <a:lstStyle/>
           <a:p>
             <a:r>
-              <a:rPr lang="en-US" dirty="0" smtClean="0">
+              <a:rPr lang="en-US" dirty="0">
                 <a:solidFill>
                   <a:schemeClr val="tx1"/>
                 </a:solidFill>
               </a:rPr>
               <a:t>Formatted Input and Output</a:t>
             </a:r>
-            <a:endParaRPr lang="en-US" dirty="0">
-              <a:solidFill>
-                <a:schemeClr val="tx1"/>
-              </a:solidFill>
-            </a:endParaRPr>
           </a:p>
         </p:txBody>
       </p:sp>
@@ -4608,13 +4598,6 @@
   <p:clrMapOvr>
     <a:masterClrMapping/>
   </p:clrMapOvr>
-  <p:timing>
-    <p:tnLst>
-      <p:par>
-        <p:cTn id="1" dur="indefinite" restart="never" nodeType="tmRoot"/>
-      </p:par>
-    </p:tnLst>
-  </p:timing>
 </p:sld>
 </file>
 
@@ -4651,10 +4634,9 @@
           <a:lstStyle/>
           <a:p>
             <a:r>
-              <a:rPr lang="en-US" dirty="0" smtClean="0"/>
+              <a:rPr lang="en-US" dirty="0"/>
               <a:t>Conversion Specification</a:t>
             </a:r>
-            <a:endParaRPr lang="en-US" dirty="0"/>
           </a:p>
         </p:txBody>
       </p:sp>
@@ -4681,7 +4663,7 @@
           <a:lstStyle/>
           <a:p>
             <a:r>
-              <a:rPr lang="en-US" sz="2400" dirty="0" err="1" smtClean="0">
+              <a:rPr lang="en-US" sz="2400" dirty="0" err="1">
                 <a:solidFill>
                   <a:srgbClr val="000099"/>
                 </a:solidFill>
@@ -4690,43 +4672,6 @@
                 <a:cs typeface="Consolas" charset="0"/>
               </a:rPr>
               <a:t>int</a:t>
-            </a:r>
-            <a:r>
-              <a:rPr lang="en-US" sz="2400" dirty="0" smtClean="0">
-                <a:solidFill>
-                  <a:srgbClr val="000099"/>
-                </a:solidFill>
-                <a:latin typeface="Consolas" charset="0"/>
-                <a:ea typeface="Consolas" charset="0"/>
-                <a:cs typeface="Consolas" charset="0"/>
-              </a:rPr>
-              <a:t> x = 20;</a:t>
-            </a:r>
-          </a:p>
-          <a:p>
-            <a:r>
-              <a:rPr lang="en-US" sz="2400" dirty="0" smtClean="0">
-                <a:solidFill>
-                  <a:srgbClr val="000099"/>
-                </a:solidFill>
-                <a:latin typeface="Consolas" charset="0"/>
-                <a:ea typeface="Consolas" charset="0"/>
-                <a:cs typeface="Consolas" charset="0"/>
-              </a:rPr>
-              <a:t>float y = 74.0231f;</a:t>
-            </a:r>
-          </a:p>
-          <a:p>
-            <a:r>
-              <a:rPr lang="en-US" sz="2400" dirty="0" smtClean="0">
-                <a:solidFill>
-                  <a:srgbClr val="000099"/>
-                </a:solidFill>
-                <a:latin typeface="Consolas" charset="0"/>
-                <a:ea typeface="Consolas" charset="0"/>
-                <a:cs typeface="Consolas" charset="0"/>
-              </a:rPr>
-              <a:t>char z = 'd</a:t>
             </a:r>
             <a:r>
               <a:rPr lang="en-US" sz="2400" dirty="0">
@@ -4737,43 +4682,10 @@
                 <a:ea typeface="Consolas" charset="0"/>
                 <a:cs typeface="Consolas" charset="0"/>
               </a:rPr>
-              <a:t>'</a:t>
-            </a:r>
-            <a:r>
-              <a:rPr lang="en-US" sz="2400" dirty="0" smtClean="0">
-                <a:solidFill>
-                  <a:srgbClr val="000099"/>
-                </a:solidFill>
-                <a:latin typeface="Consolas" charset="0"/>
-                <a:ea typeface="Consolas" charset="0"/>
-                <a:cs typeface="Consolas" charset="0"/>
-              </a:rPr>
-              <a:t>;</a:t>
-            </a:r>
-          </a:p>
-          <a:p>
-            <a:r>
-              <a:rPr lang="en-US" sz="2400" dirty="0" err="1" smtClean="0">
-                <a:solidFill>
-                  <a:srgbClr val="000099"/>
-                </a:solidFill>
-                <a:latin typeface="Consolas" charset="0"/>
-                <a:ea typeface="Consolas" charset="0"/>
-                <a:cs typeface="Consolas" charset="0"/>
-              </a:rPr>
-              <a:t>printf</a:t>
-            </a:r>
-            <a:r>
-              <a:rPr lang="en-US" sz="2400" dirty="0" smtClean="0">
-                <a:solidFill>
-                  <a:srgbClr val="000099"/>
-                </a:solidFill>
-                <a:latin typeface="Consolas" charset="0"/>
-                <a:ea typeface="Consolas" charset="0"/>
-                <a:cs typeface="Consolas" charset="0"/>
-              </a:rPr>
-              <a:t>("%d %f %c\n</a:t>
-            </a:r>
+              <a:t> x = 20;</a:t>
+            </a:r>
+          </a:p>
+          <a:p>
             <a:r>
               <a:rPr lang="en-US" sz="2400" dirty="0">
                 <a:solidFill>
@@ -4783,51 +4695,10 @@
                 <a:ea typeface="Consolas" charset="0"/>
                 <a:cs typeface="Consolas" charset="0"/>
               </a:rPr>
-              <a:t>"</a:t>
-            </a:r>
-            <a:r>
-              <a:rPr lang="en-US" sz="2400" dirty="0" smtClean="0">
-                <a:solidFill>
-                  <a:srgbClr val="000099"/>
-                </a:solidFill>
-                <a:latin typeface="Consolas" charset="0"/>
-                <a:ea typeface="Consolas" charset="0"/>
-                <a:cs typeface="Consolas" charset="0"/>
-              </a:rPr>
-              <a:t>, x, y, z);</a:t>
-            </a:r>
-            <a:endParaRPr lang="en-US" sz="2400" dirty="0">
-              <a:solidFill>
-                <a:srgbClr val="000099"/>
-              </a:solidFill>
-              <a:latin typeface="Consolas" charset="0"/>
-              <a:ea typeface="Consolas" charset="0"/>
-              <a:cs typeface="Consolas" charset="0"/>
-            </a:endParaRPr>
-          </a:p>
-          <a:p>
-            <a:r>
-              <a:rPr lang="en-US" sz="2400" dirty="0" err="1" smtClean="0">
-                <a:solidFill>
-                  <a:srgbClr val="000099"/>
-                </a:solidFill>
-                <a:latin typeface="Consolas" charset="0"/>
-                <a:ea typeface="Consolas" charset="0"/>
-                <a:cs typeface="Consolas" charset="0"/>
-              </a:rPr>
-              <a:t>printf</a:t>
-            </a:r>
-            <a:r>
-              <a:rPr lang="en-US" sz="2400" dirty="0" smtClean="0">
-                <a:solidFill>
-                  <a:srgbClr val="000099"/>
-                </a:solidFill>
-                <a:latin typeface="Consolas" charset="0"/>
-                <a:ea typeface="Consolas" charset="0"/>
-                <a:cs typeface="Consolas" charset="0"/>
-              </a:rPr>
-              <a:t>("%e\n</a:t>
-            </a:r>
+              <a:t>float y = 74.0231f;</a:t>
+            </a:r>
+          </a:p>
+          <a:p>
             <a:r>
               <a:rPr lang="en-US" sz="2400" dirty="0">
                 <a:solidFill>
@@ -4837,18 +4708,7 @@
                 <a:ea typeface="Consolas" charset="0"/>
                 <a:cs typeface="Consolas" charset="0"/>
               </a:rPr>
-              <a:t>"</a:t>
-            </a:r>
-            <a:r>
-              <a:rPr lang="en-US" sz="2400" dirty="0" smtClean="0">
-                <a:solidFill>
-                  <a:srgbClr val="000099"/>
-                </a:solidFill>
-                <a:latin typeface="Consolas" charset="0"/>
-                <a:ea typeface="Consolas" charset="0"/>
-                <a:cs typeface="Consolas" charset="0"/>
-              </a:rPr>
-              <a:t>, y);</a:t>
+              <a:t>char z = 'd';</a:t>
             </a:r>
           </a:p>
           <a:p>
@@ -4864,17 +4724,6 @@
               <a:t>printf</a:t>
             </a:r>
             <a:r>
-              <a:rPr lang="en-US" sz="2400" dirty="0" smtClean="0">
-                <a:solidFill>
-                  <a:srgbClr val="000099"/>
-                </a:solidFill>
-                <a:latin typeface="Consolas" charset="0"/>
-                <a:ea typeface="Consolas" charset="0"/>
-                <a:cs typeface="Consolas" charset="0"/>
-              </a:rPr>
-              <a:t>("%E\n</a:t>
-            </a:r>
-            <a:r>
               <a:rPr lang="en-US" sz="2400" dirty="0">
                 <a:solidFill>
                   <a:srgbClr val="000099"/>
@@ -4883,10 +4732,12 @@
                 <a:ea typeface="Consolas" charset="0"/>
                 <a:cs typeface="Consolas" charset="0"/>
               </a:rPr>
-              <a:t>"</a:t>
-            </a:r>
-            <a:r>
-              <a:rPr lang="en-US" sz="2400" dirty="0" smtClean="0">
+              <a:t>("%d %f %c\n", x, y, z);</a:t>
+            </a:r>
+          </a:p>
+          <a:p>
+            <a:r>
+              <a:rPr lang="en-US" sz="2400" dirty="0" err="1">
                 <a:solidFill>
                   <a:srgbClr val="000099"/>
                 </a:solidFill>
@@ -4894,7 +4745,7 @@
                 <a:ea typeface="Consolas" charset="0"/>
                 <a:cs typeface="Consolas" charset="0"/>
               </a:rPr>
-              <a:t>, </a:t>
+              <a:t>printf</a:t>
             </a:r>
             <a:r>
               <a:rPr lang="en-US" sz="2400" dirty="0">
@@ -4905,12 +4756,12 @@
                 <a:ea typeface="Consolas" charset="0"/>
                 <a:cs typeface="Consolas" charset="0"/>
               </a:rPr>
-              <a:t>y);</a:t>
-            </a:r>
-          </a:p>
-          <a:p>
-            <a:r>
-              <a:rPr lang="en-US" sz="2400" dirty="0" err="1" smtClean="0">
+              <a:t>("%e\n", y);</a:t>
+            </a:r>
+          </a:p>
+          <a:p>
+            <a:r>
+              <a:rPr lang="en-US" sz="2400" dirty="0" err="1">
                 <a:solidFill>
                   <a:srgbClr val="000099"/>
                 </a:solidFill>
@@ -4919,17 +4770,6 @@
                 <a:cs typeface="Consolas" charset="0"/>
               </a:rPr>
               <a:t>printf</a:t>
-            </a:r>
-            <a:r>
-              <a:rPr lang="en-US" sz="2400" dirty="0" smtClean="0">
-                <a:solidFill>
-                  <a:srgbClr val="000099"/>
-                </a:solidFill>
-                <a:latin typeface="Consolas" charset="0"/>
-                <a:ea typeface="Consolas" charset="0"/>
-                <a:cs typeface="Consolas" charset="0"/>
-              </a:rPr>
-              <a:t>("%</a:t>
             </a:r>
             <a:r>
               <a:rPr lang="en-US" sz="2400" dirty="0">
@@ -4940,10 +4780,12 @@
                 <a:ea typeface="Consolas" charset="0"/>
                 <a:cs typeface="Consolas" charset="0"/>
               </a:rPr>
-              <a:t>d %</a:t>
-            </a:r>
-            <a:r>
-              <a:rPr lang="en-US" sz="2400" dirty="0" smtClean="0">
+              <a:t>("%E\n", y);</a:t>
+            </a:r>
+          </a:p>
+          <a:p>
+            <a:r>
+              <a:rPr lang="en-US" sz="2400" dirty="0" err="1">
                 <a:solidFill>
                   <a:srgbClr val="000099"/>
                 </a:solidFill>
@@ -4951,7 +4793,7 @@
                 <a:ea typeface="Consolas" charset="0"/>
                 <a:cs typeface="Consolas" charset="0"/>
               </a:rPr>
-              <a:t>c\n", </a:t>
+              <a:t>printf</a:t>
             </a:r>
             <a:r>
               <a:rPr lang="en-US" sz="2400" dirty="0">
@@ -4962,7 +4804,7 @@
                 <a:ea typeface="Consolas" charset="0"/>
                 <a:cs typeface="Consolas" charset="0"/>
               </a:rPr>
-              <a:t>x);</a:t>
+              <a:t>("%d %c\n", x);</a:t>
             </a:r>
           </a:p>
           <a:p>
@@ -4978,17 +4820,6 @@
               <a:t>printf</a:t>
             </a:r>
             <a:r>
-              <a:rPr lang="en-US" sz="2400" dirty="0" smtClean="0">
-                <a:solidFill>
-                  <a:srgbClr val="000099"/>
-                </a:solidFill>
-                <a:latin typeface="Consolas" charset="0"/>
-                <a:ea typeface="Consolas" charset="0"/>
-                <a:cs typeface="Consolas" charset="0"/>
-              </a:rPr>
-              <a:t>("%d\n", </a:t>
-            </a:r>
-            <a:r>
               <a:rPr lang="en-US" sz="2400" dirty="0">
                 <a:solidFill>
                   <a:srgbClr val="000099"/>
@@ -4997,27 +4828,8 @@
                 <a:ea typeface="Consolas" charset="0"/>
                 <a:cs typeface="Consolas" charset="0"/>
               </a:rPr>
-              <a:t>x, z</a:t>
-            </a:r>
-            <a:r>
-              <a:rPr lang="en-US" sz="2400" dirty="0" smtClean="0">
-                <a:solidFill>
-                  <a:srgbClr val="000099"/>
-                </a:solidFill>
-                <a:latin typeface="Consolas" charset="0"/>
-                <a:ea typeface="Consolas" charset="0"/>
-                <a:cs typeface="Consolas" charset="0"/>
-              </a:rPr>
-              <a:t>);</a:t>
-            </a:r>
-            <a:endParaRPr lang="en-US" sz="2400" dirty="0">
-              <a:solidFill>
-                <a:srgbClr val="000099"/>
-              </a:solidFill>
-              <a:latin typeface="Consolas" charset="0"/>
-              <a:ea typeface="Consolas" charset="0"/>
-              <a:cs typeface="Consolas" charset="0"/>
-            </a:endParaRPr>
+              <a:t>("%d\n", x, z);</a:t>
+            </a:r>
           </a:p>
         </p:txBody>
       </p:sp>
@@ -5044,7 +4856,7 @@
           <a:lstStyle/>
           <a:p>
             <a:r>
-              <a:rPr lang="en-US" sz="2400" dirty="0" smtClean="0">
+              <a:rPr lang="en-US" sz="2400" dirty="0">
                 <a:solidFill>
                   <a:srgbClr val="00B050"/>
                 </a:solidFill>
@@ -5057,7 +4869,7 @@
           </a:p>
           <a:p>
             <a:r>
-              <a:rPr lang="en-US" sz="2400" dirty="0" smtClean="0">
+              <a:rPr lang="en-US" sz="2400" dirty="0">
                 <a:solidFill>
                   <a:srgbClr val="00B050"/>
                 </a:solidFill>
@@ -5070,7 +4882,7 @@
           </a:p>
           <a:p>
             <a:r>
-              <a:rPr lang="en-US" sz="2400" dirty="0" smtClean="0">
+              <a:rPr lang="en-US" sz="2400" dirty="0">
                 <a:solidFill>
                   <a:srgbClr val="00B050"/>
                 </a:solidFill>
@@ -5080,7 +4892,20 @@
               </a:rPr>
               <a:t>7.402310E+01</a:t>
             </a:r>
-            <a:endParaRPr lang="en-US" sz="2400" dirty="0">
+          </a:p>
+          <a:p>
+            <a:r>
+              <a:rPr lang="en-US" sz="2400" dirty="0">
+                <a:solidFill>
+                  <a:srgbClr val="00B050"/>
+                </a:solidFill>
+                <a:latin typeface="Consolas" charset="0"/>
+                <a:ea typeface="Consolas" charset="0"/>
+                <a:cs typeface="Consolas" charset="0"/>
+              </a:rPr>
+              <a:t>20 ? 	</a:t>
+            </a:r>
+            <a:endParaRPr lang="en-US" sz="2400" i="1" dirty="0">
               <a:solidFill>
                 <a:srgbClr val="00B050"/>
               </a:solidFill>
@@ -5091,28 +4916,7 @@
           </a:p>
           <a:p>
             <a:r>
-              <a:rPr lang="en-US" sz="2400" dirty="0" smtClean="0">
-                <a:solidFill>
-                  <a:srgbClr val="00B050"/>
-                </a:solidFill>
-                <a:latin typeface="Consolas" charset="0"/>
-                <a:ea typeface="Consolas" charset="0"/>
-                <a:cs typeface="Consolas" charset="0"/>
-              </a:rPr>
-              <a:t>20 ? 	</a:t>
-            </a:r>
-            <a:endParaRPr lang="en-US" sz="2400" i="1" dirty="0" smtClean="0">
-              <a:solidFill>
-                <a:srgbClr val="00B050"/>
-              </a:solidFill>
-              <a:latin typeface="Consolas" charset="0"/>
-              <a:ea typeface="Consolas" charset="0"/>
-              <a:cs typeface="Consolas" charset="0"/>
-            </a:endParaRPr>
-          </a:p>
-          <a:p>
-            <a:r>
-              <a:rPr lang="en-US" sz="2400" dirty="0" smtClean="0">
+              <a:rPr lang="en-US" sz="2400" dirty="0">
                 <a:solidFill>
                   <a:srgbClr val="00B050"/>
                 </a:solidFill>
@@ -5181,7 +4985,7 @@
           <a:lstStyle/>
           <a:p>
             <a:r>
-              <a:rPr lang="en-US" sz="2400" dirty="0" smtClean="0">
+              <a:rPr lang="en-US" sz="2400" dirty="0">
                 <a:solidFill>
                   <a:schemeClr val="tx1"/>
                 </a:solidFill>
@@ -5189,7 +4993,7 @@
               <a:t>2</a:t>
             </a:r>
             <a:r>
-              <a:rPr lang="en-US" sz="2400" baseline="30000" dirty="0" smtClean="0">
+              <a:rPr lang="en-US" sz="2400" baseline="30000" dirty="0">
                 <a:solidFill>
                   <a:schemeClr val="tx1"/>
                 </a:solidFill>
@@ -5197,18 +5001,13 @@
               <a:t>nd</a:t>
             </a:r>
             <a:r>
-              <a:rPr lang="en-US" sz="2400" dirty="0" smtClean="0">
+              <a:rPr lang="en-US" sz="2400" dirty="0">
                 <a:solidFill>
                   <a:schemeClr val="tx1"/>
                 </a:solidFill>
               </a:rPr>
               <a:t> value is unpredictable</a:t>
             </a:r>
-            <a:endParaRPr lang="en-US" sz="2400" dirty="0">
-              <a:solidFill>
-                <a:schemeClr val="tx1"/>
-              </a:solidFill>
-            </a:endParaRPr>
           </a:p>
         </p:txBody>
       </p:sp>
@@ -5265,23 +5064,7 @@
                   <a:schemeClr val="tx1"/>
                 </a:solidFill>
               </a:rPr>
-              <a:t>z is not printed since no </a:t>
-            </a:r>
-            <a:r>
-              <a:rPr lang="en-US" sz="2400" i="1" dirty="0" smtClean="0">
-                <a:solidFill>
-                  <a:schemeClr val="tx1"/>
-                </a:solidFill>
-              </a:rPr>
-              <a:t>placeholder </a:t>
-            </a:r>
-            <a:r>
-              <a:rPr lang="en-US" sz="2400" i="1" dirty="0">
-                <a:solidFill>
-                  <a:schemeClr val="tx1"/>
-                </a:solidFill>
-              </a:rPr>
-              <a:t>for it</a:t>
+              <a:t>z is not printed since no placeholder for it</a:t>
             </a:r>
             <a:endParaRPr lang="en-US" sz="2400" dirty="0">
               <a:solidFill>
@@ -5325,13 +5108,6 @@
   <p:clrMapOvr>
     <a:masterClrMapping/>
   </p:clrMapOvr>
-  <p:timing>
-    <p:tnLst>
-      <p:par>
-        <p:cTn id="1" dur="indefinite" restart="never" nodeType="tmRoot"/>
-      </p:par>
-    </p:tnLst>
-  </p:timing>
 </p:sld>
 </file>
 
@@ -5368,10 +5144,9 @@
           <a:lstStyle/>
           <a:p>
             <a:r>
-              <a:rPr lang="en-US" dirty="0" smtClean="0"/>
+              <a:rPr lang="en-US" dirty="0"/>
               <a:t>Conversion Specification</a:t>
             </a:r>
-            <a:endParaRPr lang="en-US" dirty="0"/>
           </a:p>
         </p:txBody>
       </p:sp>
@@ -5400,16 +5175,16 @@
             <a:pPr>
               <a:buNone/>
             </a:pPr>
-            <a:endParaRPr lang="en-US" dirty="0" smtClean="0"/>
+            <a:endParaRPr lang="en-US" dirty="0"/>
           </a:p>
           <a:p>
             <a:pPr>
               <a:buNone/>
             </a:pPr>
-            <a:endParaRPr lang="en-US" dirty="0" smtClean="0"/>
-          </a:p>
-          <a:p>
-            <a:endParaRPr lang="en-US" dirty="0" smtClean="0"/>
+            <a:endParaRPr lang="en-US" dirty="0"/>
+          </a:p>
+          <a:p>
+            <a:endParaRPr lang="en-US" dirty="0"/>
           </a:p>
         </p:txBody>
       </p:sp>
@@ -5419,9 +5194,7 @@
           <p:cNvGraphicFramePr>
             <a:graphicFrameLocks noGrp="1"/>
           </p:cNvGraphicFramePr>
-          <p:nvPr>
-            <p:extLst/>
-          </p:nvPr>
+          <p:nvPr/>
         </p:nvGraphicFramePr>
         <p:xfrm>
           <a:off x="2590800" y="1743389"/>
@@ -5434,11 +5207,41 @@
                 <a:tableStyleId>{5C22544A-7EE6-4342-B048-85BDC9FD1C3A}</a:tableStyleId>
               </a:tblPr>
               <a:tblGrid>
-                <a:gridCol w="446567"/>
-                <a:gridCol w="937389"/>
-                <a:gridCol w="551169"/>
-                <a:gridCol w="573296"/>
-                <a:gridCol w="691978"/>
+                <a:gridCol w="446567">
+                  <a:extLst>
+                    <a:ext uri="{9D8B030D-6E8A-4147-A177-3AD203B41FA5}">
+                      <a16:colId xmlns:a16="http://schemas.microsoft.com/office/drawing/2014/main" val="20000"/>
+                    </a:ext>
+                  </a:extLst>
+                </a:gridCol>
+                <a:gridCol w="937389">
+                  <a:extLst>
+                    <a:ext uri="{9D8B030D-6E8A-4147-A177-3AD203B41FA5}">
+                      <a16:colId xmlns:a16="http://schemas.microsoft.com/office/drawing/2014/main" val="20001"/>
+                    </a:ext>
+                  </a:extLst>
+                </a:gridCol>
+                <a:gridCol w="551169">
+                  <a:extLst>
+                    <a:ext uri="{9D8B030D-6E8A-4147-A177-3AD203B41FA5}">
+                      <a16:colId xmlns:a16="http://schemas.microsoft.com/office/drawing/2014/main" val="20002"/>
+                    </a:ext>
+                  </a:extLst>
+                </a:gridCol>
+                <a:gridCol w="573296">
+                  <a:extLst>
+                    <a:ext uri="{9D8B030D-6E8A-4147-A177-3AD203B41FA5}">
+                      <a16:colId xmlns:a16="http://schemas.microsoft.com/office/drawing/2014/main" val="20003"/>
+                    </a:ext>
+                  </a:extLst>
+                </a:gridCol>
+                <a:gridCol w="691978">
+                  <a:extLst>
+                    <a:ext uri="{9D8B030D-6E8A-4147-A177-3AD203B41FA5}">
+                      <a16:colId xmlns:a16="http://schemas.microsoft.com/office/drawing/2014/main" val="20004"/>
+                    </a:ext>
+                  </a:extLst>
+                </a:gridCol>
               </a:tblGrid>
               <a:tr h="0">
                 <a:tc>
@@ -5448,18 +5251,13 @@
                     <a:p>
                       <a:pPr algn="ctr"/>
                       <a:r>
-                        <a:rPr lang="en-US" dirty="0" smtClean="0">
+                        <a:rPr lang="en-US" dirty="0">
                           <a:solidFill>
                             <a:srgbClr val="0B2B91"/>
                           </a:solidFill>
                         </a:rPr>
                         <a:t>%</a:t>
                       </a:r>
-                      <a:endParaRPr lang="en-US" dirty="0">
-                        <a:solidFill>
-                          <a:srgbClr val="0B2B91"/>
-                        </a:solidFill>
-                      </a:endParaRPr>
                     </a:p>
                   </a:txBody>
                   <a:tcPr>
@@ -5475,18 +5273,13 @@
                     <a:p>
                       <a:pPr algn="ctr"/>
                       <a:r>
-                        <a:rPr lang="en-US" dirty="0" smtClean="0">
+                        <a:rPr lang="en-US" dirty="0">
                           <a:solidFill>
                             <a:srgbClr val="0B2B91"/>
                           </a:solidFill>
                         </a:rPr>
                         <a:t>- + 0</a:t>
                       </a:r>
-                      <a:endParaRPr lang="en-US" dirty="0">
-                        <a:solidFill>
-                          <a:srgbClr val="0B2B91"/>
-                        </a:solidFill>
-                      </a:endParaRPr>
                     </a:p>
                   </a:txBody>
                   <a:tcPr>
@@ -5502,18 +5295,13 @@
                     <a:p>
                       <a:pPr algn="ctr"/>
                       <a:r>
-                        <a:rPr lang="en-US" dirty="0" smtClean="0">
+                        <a:rPr lang="en-US" dirty="0">
                           <a:solidFill>
                             <a:srgbClr val="0B2B91"/>
                           </a:solidFill>
                         </a:rPr>
                         <a:t>m</a:t>
                       </a:r>
-                      <a:endParaRPr lang="en-US" dirty="0">
-                        <a:solidFill>
-                          <a:srgbClr val="0B2B91"/>
-                        </a:solidFill>
-                      </a:endParaRPr>
                     </a:p>
                   </a:txBody>
                   <a:tcPr>
@@ -5529,18 +5317,13 @@
                     <a:p>
                       <a:pPr algn="ctr"/>
                       <a:r>
-                        <a:rPr lang="en-US" dirty="0" smtClean="0">
+                        <a:rPr lang="en-US" dirty="0">
                           <a:solidFill>
                             <a:srgbClr val="0B2B91"/>
                           </a:solidFill>
                         </a:rPr>
                         <a:t>.p</a:t>
                       </a:r>
-                      <a:endParaRPr lang="en-US" dirty="0">
-                        <a:solidFill>
-                          <a:srgbClr val="0B2B91"/>
-                        </a:solidFill>
-                      </a:endParaRPr>
                     </a:p>
                   </a:txBody>
                   <a:tcPr>
@@ -5556,18 +5339,13 @@
                     <a:p>
                       <a:pPr algn="ctr"/>
                       <a:r>
-                        <a:rPr lang="en-US" dirty="0" smtClean="0">
+                        <a:rPr lang="en-US" dirty="0">
                           <a:solidFill>
                             <a:srgbClr val="0B2B91"/>
                           </a:solidFill>
                         </a:rPr>
                         <a:t>X</a:t>
                       </a:r>
-                      <a:endParaRPr lang="en-US" dirty="0">
-                        <a:solidFill>
-                          <a:srgbClr val="0B2B91"/>
-                        </a:solidFill>
-                      </a:endParaRPr>
                     </a:p>
                   </a:txBody>
                   <a:tcPr>
@@ -5576,6 +5354,11 @@
                     </a:solidFill>
                   </a:tcPr>
                 </a:tc>
+                <a:extLst>
+                  <a:ext uri="{0D108BD9-81ED-4DB2-BD59-A6C34878D82A}">
+                    <a16:rowId xmlns:a16="http://schemas.microsoft.com/office/drawing/2014/main" val="10000"/>
+                  </a:ext>
+                </a:extLst>
               </a:tr>
             </a:tbl>
           </a:graphicData>
@@ -5610,10 +5393,9 @@
           <a:lstStyle/>
           <a:p>
             <a:r>
-              <a:rPr lang="en-US" dirty="0" smtClean="0"/>
+              <a:rPr lang="en-US" dirty="0"/>
               <a:t>Start of the specifier</a:t>
             </a:r>
-            <a:endParaRPr lang="en-US" dirty="0"/>
           </a:p>
         </p:txBody>
       </p:sp>
@@ -5646,7 +5428,7 @@
           <a:lstStyle/>
           <a:p>
             <a:r>
-              <a:rPr lang="en-US" dirty="0" smtClean="0">
+              <a:rPr lang="en-US" dirty="0">
                 <a:solidFill>
                   <a:srgbClr val="FF0000"/>
                 </a:solidFill>
@@ -5690,10 +5472,9 @@
           <a:lstStyle/>
           <a:p>
             <a:r>
-              <a:rPr lang="en-US" dirty="0" smtClean="0"/>
+              <a:rPr lang="en-US" dirty="0"/>
               <a:t>Minimum width of the field</a:t>
             </a:r>
-            <a:endParaRPr lang="en-US" dirty="0"/>
           </a:p>
         </p:txBody>
       </p:sp>
@@ -5726,7 +5507,7 @@
           <a:lstStyle/>
           <a:p>
             <a:r>
-              <a:rPr lang="en-US" dirty="0" smtClean="0"/>
+              <a:rPr lang="en-US" dirty="0"/>
               <a:t>Precision</a:t>
             </a:r>
             <a:endParaRPr lang="en-US" sz="2400" dirty="0"/>
@@ -5762,10 +5543,9 @@
           <a:lstStyle/>
           <a:p>
             <a:r>
-              <a:rPr lang="en-US" dirty="0" smtClean="0"/>
+              <a:rPr lang="en-US" dirty="0"/>
               <a:t>Conversion type</a:t>
             </a:r>
-            <a:endParaRPr lang="en-US" dirty="0"/>
           </a:p>
         </p:txBody>
       </p:sp>
@@ -5982,7 +5762,7 @@
           <a:lstStyle/>
           <a:p>
             <a:r>
-              <a:rPr lang="en-US" sz="2200" dirty="0" err="1" smtClean="0">
+              <a:rPr lang="en-US" sz="2200" dirty="0" err="1">
                 <a:solidFill>
                   <a:srgbClr val="000099"/>
                 </a:solidFill>
@@ -5991,86 +5771,6 @@
                 <a:cs typeface="Consolas" charset="0"/>
               </a:rPr>
               <a:t>int</a:t>
-            </a:r>
-            <a:r>
-              <a:rPr lang="en-US" sz="2200" dirty="0" smtClean="0">
-                <a:solidFill>
-                  <a:srgbClr val="000099"/>
-                </a:solidFill>
-                <a:latin typeface="Consolas" charset="0"/>
-                <a:ea typeface="Consolas" charset="0"/>
-                <a:cs typeface="Consolas" charset="0"/>
-              </a:rPr>
-              <a:t> x = 20, y = -20;</a:t>
-            </a:r>
-          </a:p>
-          <a:p>
-            <a:r>
-              <a:rPr lang="en-US" sz="2200" dirty="0" err="1" smtClean="0">
-                <a:solidFill>
-                  <a:srgbClr val="000099"/>
-                </a:solidFill>
-                <a:latin typeface="Consolas" charset="0"/>
-                <a:ea typeface="Consolas" charset="0"/>
-                <a:cs typeface="Consolas" charset="0"/>
-              </a:rPr>
-              <a:t>printf</a:t>
-            </a:r>
-            <a:r>
-              <a:rPr lang="en-US" sz="2200" dirty="0" smtClean="0">
-                <a:solidFill>
-                  <a:srgbClr val="000099"/>
-                </a:solidFill>
-                <a:latin typeface="Consolas" charset="0"/>
-                <a:ea typeface="Consolas" charset="0"/>
-                <a:cs typeface="Consolas" charset="0"/>
-              </a:rPr>
-              <a:t>(“%d %d\n”, x, y);</a:t>
-            </a:r>
-          </a:p>
-          <a:p>
-            <a:r>
-              <a:rPr lang="en-US" sz="2200" dirty="0" smtClean="0">
-                <a:solidFill>
-                  <a:srgbClr val="00B050"/>
-                </a:solidFill>
-                <a:latin typeface="Consolas" charset="0"/>
-                <a:ea typeface="Consolas" charset="0"/>
-                <a:cs typeface="Consolas" charset="0"/>
-              </a:rPr>
-              <a:t>20 -20</a:t>
-            </a:r>
-            <a:endParaRPr lang="en-US" sz="2200" dirty="0">
-              <a:solidFill>
-                <a:srgbClr val="00B050"/>
-              </a:solidFill>
-              <a:latin typeface="Consolas" charset="0"/>
-              <a:ea typeface="Consolas" charset="0"/>
-              <a:cs typeface="Consolas" charset="0"/>
-            </a:endParaRPr>
-          </a:p>
-          <a:p>
-            <a:r>
-              <a:rPr lang="en-US" sz="2200" dirty="0" err="1" smtClean="0">
-                <a:solidFill>
-                  <a:srgbClr val="000099"/>
-                </a:solidFill>
-                <a:latin typeface="Consolas" charset="0"/>
-                <a:ea typeface="Consolas" charset="0"/>
-                <a:cs typeface="Consolas" charset="0"/>
-              </a:rPr>
-              <a:t>printf</a:t>
-            </a:r>
-            <a:r>
-              <a:rPr lang="en-US" sz="2200" dirty="0" smtClean="0">
-                <a:solidFill>
-                  <a:srgbClr val="000099"/>
-                </a:solidFill>
-                <a:latin typeface="Consolas" charset="0"/>
-                <a:ea typeface="Consolas" charset="0"/>
-                <a:cs typeface="Consolas" charset="0"/>
-              </a:rPr>
-              <a:t>(“%+d %+d\n</a:t>
             </a:r>
             <a:r>
               <a:rPr lang="en-US" sz="2200" dirty="0">
@@ -6081,10 +5781,12 @@
                 <a:ea typeface="Consolas" charset="0"/>
                 <a:cs typeface="Consolas" charset="0"/>
               </a:rPr>
-              <a:t>”, </a:t>
-            </a:r>
-            <a:r>
-              <a:rPr lang="en-US" sz="2200" dirty="0" smtClean="0">
+              <a:t> x = 20, y = -20;</a:t>
+            </a:r>
+          </a:p>
+          <a:p>
+            <a:r>
+              <a:rPr lang="en-US" sz="2200" dirty="0" err="1">
                 <a:solidFill>
                   <a:srgbClr val="000099"/>
                 </a:solidFill>
@@ -6092,20 +5794,60 @@
                 <a:ea typeface="Consolas" charset="0"/>
                 <a:cs typeface="Consolas" charset="0"/>
               </a:rPr>
-              <a:t>x, y);</a:t>
-            </a:r>
-            <a:endParaRPr lang="en-US" sz="2200" dirty="0">
-              <a:solidFill>
-                <a:srgbClr val="000099"/>
-              </a:solidFill>
-              <a:latin typeface="Consolas" charset="0"/>
-              <a:ea typeface="Consolas" charset="0"/>
-              <a:cs typeface="Consolas" charset="0"/>
-            </a:endParaRPr>
-          </a:p>
-          <a:p>
-            <a:r>
-              <a:rPr lang="en-US" sz="2200" dirty="0" smtClean="0">
+              <a:t>printf</a:t>
+            </a:r>
+            <a:r>
+              <a:rPr lang="en-US" sz="2200" dirty="0">
+                <a:solidFill>
+                  <a:srgbClr val="000099"/>
+                </a:solidFill>
+                <a:latin typeface="Consolas" charset="0"/>
+                <a:ea typeface="Consolas" charset="0"/>
+                <a:cs typeface="Consolas" charset="0"/>
+              </a:rPr>
+              <a:t>(“%d %d\n”, x, y);</a:t>
+            </a:r>
+          </a:p>
+          <a:p>
+            <a:r>
+              <a:rPr lang="en-US" sz="2200" dirty="0">
+                <a:solidFill>
+                  <a:srgbClr val="00B050"/>
+                </a:solidFill>
+                <a:latin typeface="Consolas" charset="0"/>
+                <a:ea typeface="Consolas" charset="0"/>
+                <a:cs typeface="Consolas" charset="0"/>
+              </a:rPr>
+              <a:t>20 -20</a:t>
+            </a:r>
+          </a:p>
+          <a:p>
+            <a:r>
+              <a:rPr lang="en-US" sz="2200" dirty="0" err="1">
+                <a:solidFill>
+                  <a:srgbClr val="000099"/>
+                </a:solidFill>
+                <a:latin typeface="Consolas" charset="0"/>
+                <a:ea typeface="Consolas" charset="0"/>
+                <a:cs typeface="Consolas" charset="0"/>
+              </a:rPr>
+              <a:t>printf</a:t>
+            </a:r>
+            <a:r>
+              <a:rPr lang="en-US" sz="2200" dirty="0">
+                <a:solidFill>
+                  <a:srgbClr val="000099"/>
+                </a:solidFill>
+                <a:latin typeface="Consolas" charset="0"/>
+                <a:ea typeface="Consolas" charset="0"/>
+                <a:cs typeface="Consolas" charset="0"/>
+              </a:rPr>
+              <a:t>(“%+d %+d\n”, x, y);</a:t>
+            </a:r>
+          </a:p>
+          <a:p>
+            <a:r>
+              <a:rPr lang="en-US" sz="2200" dirty="0">
                 <a:solidFill>
                   <a:srgbClr val="00B050"/>
                 </a:solidFill>
@@ -6160,29 +5902,16 @@
             </a:pPr>
             <a:r>
               <a:rPr lang="en-US" sz="2600" dirty="0"/>
-              <a:t>+: always print sign </a:t>
-            </a:r>
-            <a:r>
-              <a:rPr lang="en-US" sz="2600" dirty="0" smtClean="0"/>
-              <a:t>(+/-) </a:t>
-            </a:r>
-            <a:endParaRPr lang="en-US" sz="2600" dirty="0"/>
+              <a:t>+: always print sign (+/-) </a:t>
+            </a:r>
           </a:p>
           <a:p>
             <a:pPr marL="285750" lvl="1" indent="0">
               <a:buNone/>
             </a:pPr>
             <a:r>
-              <a:rPr lang="en-US" sz="2600" dirty="0" smtClean="0"/>
-              <a:t>0</a:t>
-            </a:r>
-            <a:r>
               <a:rPr lang="en-US" sz="2600" dirty="0"/>
-              <a:t>: pad with leading zeros instead of </a:t>
-            </a:r>
-            <a:r>
-              <a:rPr lang="en-US" sz="2600" dirty="0" smtClean="0"/>
-              <a:t>spaces</a:t>
+              <a:t>0: pad with leading zeros instead of spaces</a:t>
             </a:r>
           </a:p>
           <a:p>
@@ -6190,18 +5919,9 @@
               <a:buNone/>
             </a:pPr>
             <a:r>
-              <a:rPr lang="en-US" sz="2600" dirty="0" smtClean="0"/>
-              <a:t>Can multiple flags </a:t>
-            </a:r>
-            <a:r>
               <a:rPr lang="en-US" sz="2600" dirty="0"/>
-              <a:t>in one </a:t>
-            </a:r>
-            <a:r>
-              <a:rPr lang="en-US" sz="2600" dirty="0" smtClean="0"/>
-              <a:t>specifier</a:t>
-            </a:r>
-            <a:endParaRPr lang="en-US" sz="2600" dirty="0"/>
+              <a:t>Can multiple flags in one specifier</a:t>
+            </a:r>
           </a:p>
         </p:txBody>
       </p:sp>
@@ -6239,13 +5959,6 @@
   <p:clrMapOvr>
     <a:masterClrMapping/>
   </p:clrMapOvr>
-  <p:timing>
-    <p:tnLst>
-      <p:par>
-        <p:cTn id="1" dur="indefinite" restart="never" nodeType="tmRoot"/>
-      </p:par>
-    </p:tnLst>
-  </p:timing>
 </p:sld>
 </file>
 
@@ -6282,10 +5995,9 @@
           <a:lstStyle/>
           <a:p>
             <a:r>
-              <a:rPr lang="en-US" dirty="0" smtClean="0"/>
+              <a:rPr lang="en-US" dirty="0"/>
               <a:t>Conversion Specification</a:t>
             </a:r>
-            <a:endParaRPr lang="en-US" dirty="0"/>
           </a:p>
         </p:txBody>
       </p:sp>
@@ -6314,90 +6026,66 @@
             <a:pPr>
               <a:buNone/>
             </a:pPr>
-            <a:endParaRPr lang="en-US" dirty="0" smtClean="0"/>
+            <a:endParaRPr lang="en-US" dirty="0"/>
           </a:p>
           <a:p>
             <a:pPr>
               <a:buNone/>
             </a:pPr>
-            <a:endParaRPr lang="en-US" dirty="0" smtClean="0"/>
+            <a:endParaRPr lang="en-US" dirty="0"/>
           </a:p>
           <a:p>
             <a:pPr>
               <a:buNone/>
             </a:pPr>
-            <a:endParaRPr lang="en-US" dirty="0" smtClean="0"/>
-          </a:p>
-          <a:p>
-            <a:r>
-              <a:rPr lang="en-US" sz="2800" dirty="0" smtClean="0"/>
-              <a:t>Minimum </a:t>
-            </a:r>
+            <a:endParaRPr lang="en-US" dirty="0"/>
+          </a:p>
+          <a:p>
             <a:r>
               <a:rPr lang="en-US" sz="2800" dirty="0"/>
-              <a:t>width: </a:t>
-            </a:r>
-            <a:endParaRPr lang="en-US" sz="2800" dirty="0" smtClean="0"/>
+              <a:t>Minimum width: </a:t>
+            </a:r>
           </a:p>
           <a:p>
             <a:pPr lvl="1"/>
             <a:r>
-              <a:rPr lang="en-US" sz="2400" dirty="0" smtClean="0"/>
+              <a:rPr lang="en-US" sz="2400" dirty="0"/>
               <a:t>The minimum characters to print</a:t>
             </a:r>
           </a:p>
           <a:p>
             <a:pPr lvl="1"/>
             <a:r>
-              <a:rPr lang="en-US" sz="2400" dirty="0" smtClean="0"/>
+              <a:rPr lang="en-US" sz="2400" dirty="0"/>
               <a:t>Pads with spaces if not enough characters</a:t>
             </a:r>
-            <a:endParaRPr lang="en-US" sz="2400" dirty="0"/>
           </a:p>
           <a:p>
             <a:r>
               <a:rPr lang="en-US" sz="2800" dirty="0"/>
               <a:t>Precision: </a:t>
             </a:r>
-            <a:endParaRPr lang="en-US" sz="2800" dirty="0" smtClean="0"/>
           </a:p>
           <a:p>
             <a:pPr lvl="1"/>
             <a:r>
-              <a:rPr lang="en-US" sz="2400" dirty="0" smtClean="0"/>
-              <a:t>depends </a:t>
-            </a:r>
-            <a:r>
               <a:rPr lang="en-US" sz="2400" dirty="0"/>
-              <a:t>on the conversion </a:t>
-            </a:r>
-            <a:r>
-              <a:rPr lang="en-US" sz="2400" dirty="0" smtClean="0"/>
-              <a:t>specifier</a:t>
+              <a:t>depends on the conversion specifier</a:t>
             </a:r>
           </a:p>
           <a:p>
             <a:pPr lvl="1"/>
             <a:r>
-              <a:rPr lang="en-US" sz="2400" dirty="0" smtClean="0"/>
-              <a:t>with </a:t>
-            </a:r>
-            <a:r>
               <a:rPr lang="en-US" sz="2400" dirty="0"/>
-              <a:t>e and f: number of decimal </a:t>
-            </a:r>
-            <a:r>
-              <a:rPr lang="en-US" sz="2400" dirty="0" smtClean="0"/>
-              <a:t>digits</a:t>
+              <a:t>with e and f: number of decimal digits</a:t>
             </a:r>
           </a:p>
           <a:p>
             <a:pPr lvl="1"/>
             <a:r>
-              <a:rPr lang="en-US" sz="2400" dirty="0" smtClean="0"/>
+              <a:rPr lang="en-US" sz="2400" dirty="0"/>
               <a:t>with d: minimum number of digits</a:t>
             </a:r>
-            <a:endParaRPr lang="en-US" sz="2400" dirty="0"/>
           </a:p>
         </p:txBody>
       </p:sp>
@@ -6407,9 +6095,7 @@
           <p:cNvGraphicFramePr>
             <a:graphicFrameLocks noGrp="1"/>
           </p:cNvGraphicFramePr>
-          <p:nvPr>
-            <p:extLst/>
-          </p:nvPr>
+          <p:nvPr/>
         </p:nvGraphicFramePr>
         <p:xfrm>
           <a:off x="2514600" y="1676400"/>
@@ -6422,11 +6108,41 @@
                 <a:tableStyleId>{5C22544A-7EE6-4342-B048-85BDC9FD1C3A}</a:tableStyleId>
               </a:tblPr>
               <a:tblGrid>
-                <a:gridCol w="446567"/>
-                <a:gridCol w="937389"/>
-                <a:gridCol w="551169"/>
-                <a:gridCol w="573296"/>
-                <a:gridCol w="691978"/>
+                <a:gridCol w="446567">
+                  <a:extLst>
+                    <a:ext uri="{9D8B030D-6E8A-4147-A177-3AD203B41FA5}">
+                      <a16:colId xmlns:a16="http://schemas.microsoft.com/office/drawing/2014/main" val="20000"/>
+                    </a:ext>
+                  </a:extLst>
+                </a:gridCol>
+                <a:gridCol w="937389">
+                  <a:extLst>
+                    <a:ext uri="{9D8B030D-6E8A-4147-A177-3AD203B41FA5}">
+                      <a16:colId xmlns:a16="http://schemas.microsoft.com/office/drawing/2014/main" val="20001"/>
+                    </a:ext>
+                  </a:extLst>
+                </a:gridCol>
+                <a:gridCol w="551169">
+                  <a:extLst>
+                    <a:ext uri="{9D8B030D-6E8A-4147-A177-3AD203B41FA5}">
+                      <a16:colId xmlns:a16="http://schemas.microsoft.com/office/drawing/2014/main" val="20002"/>
+                    </a:ext>
+                  </a:extLst>
+                </a:gridCol>
+                <a:gridCol w="573296">
+                  <a:extLst>
+                    <a:ext uri="{9D8B030D-6E8A-4147-A177-3AD203B41FA5}">
+                      <a16:colId xmlns:a16="http://schemas.microsoft.com/office/drawing/2014/main" val="20003"/>
+                    </a:ext>
+                  </a:extLst>
+                </a:gridCol>
+                <a:gridCol w="691978">
+                  <a:extLst>
+                    <a:ext uri="{9D8B030D-6E8A-4147-A177-3AD203B41FA5}">
+                      <a16:colId xmlns:a16="http://schemas.microsoft.com/office/drawing/2014/main" val="20004"/>
+                    </a:ext>
+                  </a:extLst>
+                </a:gridCol>
               </a:tblGrid>
               <a:tr h="0">
                 <a:tc>
@@ -6436,18 +6152,13 @@
                     <a:p>
                       <a:pPr algn="ctr"/>
                       <a:r>
-                        <a:rPr lang="en-US" dirty="0" smtClean="0">
+                        <a:rPr lang="en-US" dirty="0">
                           <a:solidFill>
                             <a:srgbClr val="0B2B91"/>
                           </a:solidFill>
                         </a:rPr>
                         <a:t>%</a:t>
                       </a:r>
-                      <a:endParaRPr lang="en-US" dirty="0">
-                        <a:solidFill>
-                          <a:srgbClr val="0B2B91"/>
-                        </a:solidFill>
-                      </a:endParaRPr>
                     </a:p>
                   </a:txBody>
                   <a:tcPr>
@@ -6463,18 +6174,13 @@
                     <a:p>
                       <a:pPr algn="ctr"/>
                       <a:r>
-                        <a:rPr lang="en-US" dirty="0" smtClean="0">
+                        <a:rPr lang="en-US" dirty="0">
                           <a:solidFill>
                             <a:srgbClr val="0B2B91"/>
                           </a:solidFill>
                         </a:rPr>
                         <a:t>- +  0</a:t>
                       </a:r>
-                      <a:endParaRPr lang="en-US" dirty="0">
-                        <a:solidFill>
-                          <a:srgbClr val="0B2B91"/>
-                        </a:solidFill>
-                      </a:endParaRPr>
                     </a:p>
                   </a:txBody>
                   <a:tcPr>
@@ -6490,18 +6196,13 @@
                     <a:p>
                       <a:pPr algn="ctr"/>
                       <a:r>
-                        <a:rPr lang="en-US" dirty="0" smtClean="0">
+                        <a:rPr lang="en-US" dirty="0">
                           <a:solidFill>
                             <a:srgbClr val="0B2B91"/>
                           </a:solidFill>
                         </a:rPr>
                         <a:t>m</a:t>
                       </a:r>
-                      <a:endParaRPr lang="en-US" dirty="0">
-                        <a:solidFill>
-                          <a:srgbClr val="0B2B91"/>
-                        </a:solidFill>
-                      </a:endParaRPr>
                     </a:p>
                   </a:txBody>
                   <a:tcPr>
@@ -6517,18 +6218,13 @@
                     <a:p>
                       <a:pPr algn="ctr"/>
                       <a:r>
-                        <a:rPr lang="en-US" dirty="0" smtClean="0">
+                        <a:rPr lang="en-US" dirty="0">
                           <a:solidFill>
                             <a:srgbClr val="0B2B91"/>
                           </a:solidFill>
                         </a:rPr>
                         <a:t>.p</a:t>
                       </a:r>
-                      <a:endParaRPr lang="en-US" dirty="0">
-                        <a:solidFill>
-                          <a:srgbClr val="0B2B91"/>
-                        </a:solidFill>
-                      </a:endParaRPr>
                     </a:p>
                   </a:txBody>
                   <a:tcPr>
@@ -6544,18 +6240,13 @@
                     <a:p>
                       <a:pPr algn="ctr"/>
                       <a:r>
-                        <a:rPr lang="en-US" dirty="0" smtClean="0">
+                        <a:rPr lang="en-US" dirty="0">
                           <a:solidFill>
                             <a:srgbClr val="0B2B91"/>
                           </a:solidFill>
                         </a:rPr>
                         <a:t>X</a:t>
                       </a:r>
-                      <a:endParaRPr lang="en-US" dirty="0">
-                        <a:solidFill>
-                          <a:srgbClr val="0B2B91"/>
-                        </a:solidFill>
-                      </a:endParaRPr>
                     </a:p>
                   </a:txBody>
                   <a:tcPr>
@@ -6564,6 +6255,11 @@
                     </a:solidFill>
                   </a:tcPr>
                 </a:tc>
+                <a:extLst>
+                  <a:ext uri="{0D108BD9-81ED-4DB2-BD59-A6C34878D82A}">
+                    <a16:rowId xmlns:a16="http://schemas.microsoft.com/office/drawing/2014/main" val="10000"/>
+                  </a:ext>
+                </a:extLst>
               </a:tr>
             </a:tbl>
           </a:graphicData>
@@ -6598,10 +6294,9 @@
           <a:lstStyle/>
           <a:p>
             <a:r>
-              <a:rPr lang="en-US" dirty="0" smtClean="0"/>
+              <a:rPr lang="en-US" dirty="0"/>
               <a:t>Start of the specifier</a:t>
             </a:r>
-            <a:endParaRPr lang="en-US" dirty="0"/>
           </a:p>
         </p:txBody>
       </p:sp>
@@ -6634,7 +6329,7 @@
           <a:lstStyle/>
           <a:p>
             <a:r>
-              <a:rPr lang="en-US" dirty="0" smtClean="0"/>
+              <a:rPr lang="en-US" dirty="0"/>
               <a:t>Flags</a:t>
             </a:r>
             <a:endParaRPr lang="en-US" sz="2400" dirty="0"/>
@@ -6670,18 +6365,13 @@
           <a:lstStyle/>
           <a:p>
             <a:r>
-              <a:rPr lang="en-US" dirty="0" smtClean="0">
+              <a:rPr lang="en-US" dirty="0">
                 <a:solidFill>
                   <a:srgbClr val="FF0000"/>
                 </a:solidFill>
               </a:rPr>
               <a:t>Minimum width of the field</a:t>
             </a:r>
-            <a:endParaRPr lang="en-US" dirty="0">
-              <a:solidFill>
-                <a:srgbClr val="FF0000"/>
-              </a:solidFill>
-            </a:endParaRPr>
           </a:p>
         </p:txBody>
       </p:sp>
@@ -6714,7 +6404,7 @@
           <a:lstStyle/>
           <a:p>
             <a:r>
-              <a:rPr lang="en-US" dirty="0" smtClean="0">
+              <a:rPr lang="en-US" dirty="0">
                 <a:solidFill>
                   <a:srgbClr val="FF0000"/>
                 </a:solidFill>
@@ -6758,10 +6448,9 @@
           <a:lstStyle/>
           <a:p>
             <a:r>
-              <a:rPr lang="en-US" dirty="0" smtClean="0"/>
+              <a:rPr lang="en-US" dirty="0"/>
               <a:t>Conversion type</a:t>
             </a:r>
-            <a:endParaRPr lang="en-US" dirty="0"/>
           </a:p>
         </p:txBody>
       </p:sp>
@@ -6990,13 +6679,6 @@
   <p:clrMapOvr>
     <a:masterClrMapping/>
   </p:clrMapOvr>
-  <p:timing>
-    <p:tnLst>
-      <p:par>
-        <p:cTn id="1" dur="indefinite" restart="never" nodeType="tmRoot"/>
-      </p:par>
-    </p:tnLst>
-  </p:timing>
 </p:sld>
 </file>
 
@@ -7033,10 +6715,9 @@
           <a:lstStyle/>
           <a:p>
             <a:r>
-              <a:rPr lang="en-US" dirty="0" smtClean="0"/>
+              <a:rPr lang="en-US" dirty="0"/>
               <a:t>Example</a:t>
             </a:r>
-            <a:endParaRPr lang="en-US" dirty="0"/>
           </a:p>
         </p:txBody>
       </p:sp>
@@ -7066,7 +6747,7 @@
               <a:buNone/>
             </a:pPr>
             <a:r>
-              <a:rPr lang="en-US" sz="2400" dirty="0" smtClean="0">
+              <a:rPr lang="en-US" sz="2400" dirty="0">
                 <a:latin typeface="Consolas" charset="0"/>
                 <a:ea typeface="Consolas" charset="0"/>
                 <a:cs typeface="Consolas" charset="0"/>
@@ -7079,7 +6760,7 @@
               <a:buNone/>
             </a:pPr>
             <a:r>
-              <a:rPr lang="en-US" sz="2400" dirty="0" err="1" smtClean="0">
+              <a:rPr lang="en-US" sz="2400" dirty="0" err="1">
                 <a:latin typeface="Consolas" charset="0"/>
                 <a:ea typeface="Consolas" charset="0"/>
                 <a:cs typeface="Consolas" charset="0"/>
@@ -7087,86 +6768,12 @@
               <a:t>printf</a:t>
             </a:r>
             <a:r>
-              <a:rPr lang="en-US" sz="2400" dirty="0" smtClean="0">
+              <a:rPr lang="en-US" sz="2400" dirty="0">
                 <a:latin typeface="Consolas" charset="0"/>
                 <a:ea typeface="Consolas" charset="0"/>
                 <a:cs typeface="Consolas" charset="0"/>
               </a:rPr>
               <a:t>(“%f\n”, x);</a:t>
-            </a:r>
-          </a:p>
-          <a:p>
-            <a:pPr>
-              <a:buNone/>
-            </a:pPr>
-            <a:r>
-              <a:rPr lang="en-US" sz="2400" dirty="0" smtClean="0">
-                <a:solidFill>
-                  <a:srgbClr val="00B050"/>
-                </a:solidFill>
-                <a:latin typeface="Consolas" charset="0"/>
-                <a:ea typeface="Consolas" charset="0"/>
-                <a:cs typeface="Consolas" charset="0"/>
-              </a:rPr>
-              <a:t>5.123456</a:t>
-            </a:r>
-          </a:p>
-          <a:p>
-            <a:pPr>
-              <a:buNone/>
-            </a:pPr>
-            <a:r>
-              <a:rPr lang="en-US" sz="2400" dirty="0" err="1" smtClean="0">
-                <a:latin typeface="Consolas" charset="0"/>
-                <a:ea typeface="Consolas" charset="0"/>
-                <a:cs typeface="Consolas" charset="0"/>
-              </a:rPr>
-              <a:t>printf</a:t>
-            </a:r>
-            <a:r>
-              <a:rPr lang="en-US" sz="2400" dirty="0" smtClean="0">
-                <a:latin typeface="Consolas" charset="0"/>
-                <a:ea typeface="Consolas" charset="0"/>
-                <a:cs typeface="Consolas" charset="0"/>
-              </a:rPr>
-              <a:t>(“%+.3f\n”, x);</a:t>
-            </a:r>
-          </a:p>
-          <a:p>
-            <a:pPr>
-              <a:buNone/>
-            </a:pPr>
-            <a:r>
-              <a:rPr lang="en-US" sz="2400" dirty="0" smtClean="0">
-                <a:solidFill>
-                  <a:srgbClr val="00B050"/>
-                </a:solidFill>
-                <a:latin typeface="Consolas" charset="0"/>
-                <a:ea typeface="Consolas" charset="0"/>
-                <a:cs typeface="Consolas" charset="0"/>
-              </a:rPr>
-              <a:t>+5.123</a:t>
-            </a:r>
-          </a:p>
-          <a:p>
-            <a:pPr>
-              <a:buNone/>
-            </a:pPr>
-            <a:r>
-              <a:rPr lang="en-US" sz="2400" dirty="0" err="1" smtClean="0">
-                <a:latin typeface="Consolas" charset="0"/>
-                <a:ea typeface="Consolas" charset="0"/>
-                <a:cs typeface="Consolas" charset="0"/>
-              </a:rPr>
-              <a:t>printf</a:t>
-            </a:r>
-            <a:r>
-              <a:rPr lang="en-US" sz="2400" dirty="0" smtClean="0">
-                <a:latin typeface="Consolas" charset="0"/>
-                <a:ea typeface="Consolas" charset="0"/>
-                <a:cs typeface="Consolas" charset="0"/>
-              </a:rPr>
-              <a:t>(“%+10.3f\n”, x);</a:t>
             </a:r>
           </a:p>
           <a:p>
@@ -7182,10 +6789,36 @@
                 <a:ea typeface="Consolas" charset="0"/>
                 <a:cs typeface="Consolas" charset="0"/>
               </a:rPr>
-              <a:t> </a:t>
-            </a:r>
-            <a:r>
-              <a:rPr lang="en-US" sz="2400" dirty="0" smtClean="0">
+              <a:t>5.123456</a:t>
+            </a:r>
+          </a:p>
+          <a:p>
+            <a:pPr>
+              <a:buNone/>
+            </a:pPr>
+            <a:r>
+              <a:rPr lang="en-US" sz="2400" dirty="0" err="1">
+                <a:latin typeface="Consolas" charset="0"/>
+                <a:ea typeface="Consolas" charset="0"/>
+                <a:cs typeface="Consolas" charset="0"/>
+              </a:rPr>
+              <a:t>printf</a:t>
+            </a:r>
+            <a:r>
+              <a:rPr lang="en-US" sz="2400" dirty="0">
+                <a:latin typeface="Consolas" charset="0"/>
+                <a:ea typeface="Consolas" charset="0"/>
+                <a:cs typeface="Consolas" charset="0"/>
+              </a:rPr>
+              <a:t>(“%+.3f\n”, x);</a:t>
+            </a:r>
+          </a:p>
+          <a:p>
+            <a:pPr>
+              <a:buNone/>
+            </a:pPr>
+            <a:r>
+              <a:rPr lang="en-US" sz="2400" dirty="0">
                 <a:solidFill>
                   <a:srgbClr val="00B050"/>
                 </a:solidFill>
@@ -7193,7 +6826,7 @@
                 <a:ea typeface="Consolas" charset="0"/>
                 <a:cs typeface="Consolas" charset="0"/>
               </a:rPr>
-              <a:t>   +5.123</a:t>
+              <a:t>+5.123</a:t>
             </a:r>
           </a:p>
           <a:p>
@@ -7201,7 +6834,7 @@
               <a:buNone/>
             </a:pPr>
             <a:r>
-              <a:rPr lang="en-US" sz="2400" dirty="0" err="1" smtClean="0">
+              <a:rPr lang="en-US" sz="2400" dirty="0" err="1">
                 <a:latin typeface="Consolas" charset="0"/>
                 <a:ea typeface="Consolas" charset="0"/>
                 <a:cs typeface="Consolas" charset="0"/>
@@ -7209,12 +6842,12 @@
               <a:t>printf</a:t>
             </a:r>
             <a:r>
-              <a:rPr lang="en-US" sz="2400" dirty="0" smtClean="0">
-                <a:latin typeface="Consolas" charset="0"/>
-                <a:ea typeface="Consolas" charset="0"/>
-                <a:cs typeface="Consolas" charset="0"/>
-              </a:rPr>
-              <a:t>(“%-10.3f is my lucky number!\n”, x);</a:t>
+              <a:rPr lang="en-US" sz="2400" dirty="0">
+                <a:latin typeface="Consolas" charset="0"/>
+                <a:ea typeface="Consolas" charset="0"/>
+                <a:cs typeface="Consolas" charset="0"/>
+              </a:rPr>
+              <a:t>(“%+10.3f\n”, x);</a:t>
             </a:r>
           </a:p>
           <a:p>
@@ -7222,7 +6855,44 @@
               <a:buNone/>
             </a:pPr>
             <a:r>
-              <a:rPr lang="en-US" sz="2400" dirty="0" smtClean="0">
+              <a:rPr lang="en-US" sz="2400" dirty="0">
+                <a:solidFill>
+                  <a:srgbClr val="00B050"/>
+                </a:solidFill>
+                <a:latin typeface="Consolas" charset="0"/>
+                <a:ea typeface="Consolas" charset="0"/>
+                <a:cs typeface="Consolas" charset="0"/>
+              </a:rPr>
+              <a:t>    +5.123</a:t>
+            </a:r>
+          </a:p>
+          <a:p>
+            <a:pPr>
+              <a:buNone/>
+            </a:pPr>
+            <a:r>
+              <a:rPr lang="en-US" sz="2400" dirty="0" err="1">
+                <a:latin typeface="Consolas" charset="0"/>
+                <a:ea typeface="Consolas" charset="0"/>
+                <a:cs typeface="Consolas" charset="0"/>
+              </a:rPr>
+              <a:t>printf</a:t>
+            </a:r>
+            <a:r>
+              <a:rPr lang="en-US" sz="2400" dirty="0">
+                <a:latin typeface="Consolas" charset="0"/>
+                <a:ea typeface="Consolas" charset="0"/>
+                <a:cs typeface="Consolas" charset="0"/>
+              </a:rPr>
+              <a:t>(“%-10.3f is my lucky number!\n”, x);</a:t>
+            </a:r>
+          </a:p>
+          <a:p>
+            <a:pPr>
+              <a:buNone/>
+            </a:pPr>
+            <a:r>
+              <a:rPr lang="en-US" sz="2400" dirty="0">
                 <a:solidFill>
                   <a:srgbClr val="00B050"/>
                 </a:solidFill>
@@ -7275,18 +6945,13 @@
           <a:lstStyle/>
           <a:p>
             <a:r>
-              <a:rPr lang="en-US" sz="2400" dirty="0" smtClean="0">
+              <a:rPr lang="en-US" sz="2400" dirty="0">
                 <a:solidFill>
                   <a:srgbClr val="FF0000"/>
                 </a:solidFill>
               </a:rPr>
               <a:t>4 leading spaces to make total count 10</a:t>
             </a:r>
-            <a:endParaRPr lang="en-US" sz="2400" dirty="0">
-              <a:solidFill>
-                <a:srgbClr val="FF0000"/>
-              </a:solidFill>
-            </a:endParaRPr>
           </a:p>
         </p:txBody>
       </p:sp>
@@ -7324,13 +6989,6 @@
   <p:clrMapOvr>
     <a:masterClrMapping/>
   </p:clrMapOvr>
-  <p:timing>
-    <p:tnLst>
-      <p:par>
-        <p:cTn id="1" dur="indefinite" restart="never" nodeType="tmRoot"/>
-      </p:par>
-    </p:tnLst>
-  </p:timing>
 </p:sld>
 </file>
 
@@ -7367,10 +7025,9 @@
           <a:lstStyle/>
           <a:p>
             <a:r>
-              <a:rPr lang="en-US" dirty="0" smtClean="0"/>
+              <a:rPr lang="en-US" dirty="0"/>
               <a:t>Escape Sequence</a:t>
             </a:r>
-            <a:endParaRPr lang="en-US" dirty="0"/>
           </a:p>
         </p:txBody>
       </p:sp>
@@ -7400,7 +7057,7 @@
               <a:buNone/>
             </a:pPr>
             <a:r>
-              <a:rPr lang="en-US" dirty="0" smtClean="0"/>
+              <a:rPr lang="en-US" dirty="0"/>
               <a:t>\a: alert (bell sound)</a:t>
             </a:r>
           </a:p>
@@ -7409,7 +7066,7 @@
               <a:buNone/>
             </a:pPr>
             <a:r>
-              <a:rPr lang="en-US" dirty="0" smtClean="0"/>
+              <a:rPr lang="en-US" dirty="0"/>
               <a:t>\n: new line</a:t>
             </a:r>
           </a:p>
@@ -7418,7 +7075,7 @@
               <a:buNone/>
             </a:pPr>
             <a:r>
-              <a:rPr lang="en-US" dirty="0" smtClean="0"/>
+              <a:rPr lang="en-US" dirty="0"/>
               <a:t>\t: horizontal tab</a:t>
             </a:r>
           </a:p>
@@ -7427,7 +7084,7 @@
               <a:buNone/>
             </a:pPr>
             <a:r>
-              <a:rPr lang="en-US" dirty="0" smtClean="0"/>
+              <a:rPr lang="en-US" dirty="0"/>
               <a:t>\b: backspace</a:t>
             </a:r>
           </a:p>
@@ -7436,7 +7093,7 @@
               <a:buNone/>
             </a:pPr>
             <a:r>
-              <a:rPr lang="en-US" dirty="0" smtClean="0"/>
+              <a:rPr lang="en-US" dirty="0"/>
               <a:t>\": quotation mark</a:t>
             </a:r>
           </a:p>
@@ -7445,15 +7102,15 @@
               <a:buNone/>
             </a:pPr>
             <a:r>
-              <a:rPr lang="en-US" dirty="0" smtClean="0"/>
+              <a:rPr lang="en-US" dirty="0"/>
               <a:t>		Want: </a:t>
             </a:r>
             <a:r>
-              <a:rPr lang="en-US" dirty="0" err="1" smtClean="0"/>
+              <a:rPr lang="en-US" dirty="0" err="1"/>
               <a:t>printf</a:t>
             </a:r>
             <a:r>
-              <a:rPr lang="en-US" dirty="0" smtClean="0"/>
+              <a:rPr lang="en-US" dirty="0"/>
               <a:t>("</a:t>
             </a:r>
             <a:r>
@@ -7462,22 +7119,51 @@
                   <a:srgbClr val="FF0000"/>
                 </a:solidFill>
               </a:rPr>
-              <a:t>"</a:t>
-            </a:r>
-            <a:r>
-              <a:rPr lang="en-US" dirty="0" smtClean="0">
+              <a:t>"Hello"</a:t>
+            </a:r>
+            <a:r>
+              <a:rPr lang="en-US" dirty="0"/>
+              <a:t>");</a:t>
+            </a:r>
+          </a:p>
+          <a:p>
+            <a:pPr>
+              <a:buNone/>
+            </a:pPr>
+            <a:r>
+              <a:rPr lang="en-US" dirty="0"/>
+              <a:t>		Interpreted: </a:t>
+            </a:r>
+            <a:r>
+              <a:rPr lang="en-US" dirty="0" err="1"/>
+              <a:t>printf</a:t>
+            </a:r>
+            <a:r>
+              <a:rPr lang="en-US" dirty="0"/>
+              <a:t>(</a:t>
+            </a:r>
+            <a:r>
+              <a:rPr lang="en-US" dirty="0">
                 <a:solidFill>
                   <a:srgbClr val="FF0000"/>
                 </a:solidFill>
               </a:rPr>
-              <a:t>Hello"</a:t>
+              <a:t>""</a:t>
             </a:r>
             <a:r>
               <a:rPr lang="en-US" dirty="0"/>
-              <a:t>"</a:t>
-            </a:r>
-            <a:r>
-              <a:rPr lang="en-US" dirty="0" smtClean="0"/>
+              <a:t>Hello</a:t>
+            </a:r>
+            <a:r>
+              <a:rPr lang="en-US" dirty="0">
+                <a:solidFill>
+                  <a:srgbClr val="FF0000"/>
+                </a:solidFill>
+              </a:rPr>
+              <a:t>""</a:t>
+            </a:r>
+            <a:r>
+              <a:rPr lang="en-US" dirty="0"/>
               <a:t>);</a:t>
             </a:r>
           </a:p>
@@ -7486,40 +7172,66 @@
               <a:buNone/>
             </a:pPr>
             <a:r>
-              <a:rPr lang="en-US" dirty="0" smtClean="0"/>
-              <a:t>		Interpreted: </a:t>
-            </a:r>
-            <a:r>
-              <a:rPr lang="en-US" dirty="0" err="1" smtClean="0"/>
+              <a:rPr lang="en-US" dirty="0"/>
+              <a:t>		Use: </a:t>
+            </a:r>
+            <a:r>
+              <a:rPr lang="en-US" dirty="0" err="1"/>
               <a:t>printf</a:t>
             </a:r>
             <a:r>
-              <a:rPr lang="en-US" dirty="0" smtClean="0"/>
-              <a:t>(</a:t>
-            </a:r>
-            <a:r>
-              <a:rPr lang="en-US" dirty="0" smtClean="0">
+              <a:rPr lang="en-US" dirty="0"/>
+              <a:t>("</a:t>
+            </a:r>
+            <a:r>
+              <a:rPr lang="en-US" dirty="0">
                 <a:solidFill>
                   <a:srgbClr val="FF0000"/>
                 </a:solidFill>
               </a:rPr>
-              <a:t>""</a:t>
-            </a:r>
-            <a:r>
-              <a:rPr lang="en-US" dirty="0" smtClean="0"/>
-              <a:t>Hello</a:t>
-            </a:r>
-            <a:r>
-              <a:rPr lang="en-US" dirty="0" smtClean="0">
+              <a:t>\"Hello\"</a:t>
+            </a:r>
+            <a:r>
+              <a:rPr lang="en-US" dirty="0"/>
+              <a:t>");</a:t>
+            </a:r>
+          </a:p>
+          <a:p>
+            <a:pPr>
+              <a:buNone/>
+            </a:pPr>
+            <a:r>
+              <a:rPr lang="en-US" dirty="0"/>
+              <a:t>\\: single \ character</a:t>
+            </a:r>
+          </a:p>
+          <a:p>
+            <a:pPr>
+              <a:buNone/>
+            </a:pPr>
+            <a:r>
+              <a:rPr lang="en-US" dirty="0"/>
+              <a:t>		</a:t>
+            </a:r>
+            <a:r>
+              <a:rPr lang="en-US" dirty="0" err="1"/>
+              <a:t>printf</a:t>
+            </a:r>
+            <a:r>
+              <a:rPr lang="en-US" dirty="0"/>
+              <a:t>("</a:t>
+            </a:r>
+            <a:r>
+              <a:rPr lang="en-US" dirty="0">
                 <a:solidFill>
                   <a:srgbClr val="FF0000"/>
                 </a:solidFill>
               </a:rPr>
-              <a:t>""</a:t>
-            </a:r>
-            <a:r>
-              <a:rPr lang="en-US" dirty="0" smtClean="0"/>
-              <a:t>);</a:t>
+              <a:t>\\Hello\\</a:t>
+            </a:r>
+            <a:r>
+              <a:rPr lang="en-US" dirty="0"/>
+              <a:t>");</a:t>
             </a:r>
           </a:p>
           <a:p>
@@ -7527,78 +7239,11 @@
               <a:buNone/>
             </a:pPr>
             <a:r>
-              <a:rPr lang="en-US" dirty="0" smtClean="0"/>
-              <a:t>		Use: </a:t>
-            </a:r>
-            <a:r>
-              <a:rPr lang="en-US" dirty="0" err="1" smtClean="0"/>
-              <a:t>printf</a:t>
-            </a:r>
-            <a:r>
-              <a:rPr lang="en-US" dirty="0" smtClean="0"/>
-              <a:t>("</a:t>
-            </a:r>
-            <a:r>
-              <a:rPr lang="en-US" dirty="0" smtClean="0">
-                <a:solidFill>
-                  <a:srgbClr val="FF0000"/>
-                </a:solidFill>
-              </a:rPr>
-              <a:t>\"Hello\"</a:t>
-            </a:r>
-            <a:r>
-              <a:rPr lang="en-US" dirty="0" smtClean="0"/>
-              <a:t>");</a:t>
-            </a:r>
-          </a:p>
-          <a:p>
-            <a:pPr>
-              <a:buNone/>
-            </a:pPr>
-            <a:r>
-              <a:rPr lang="en-US" dirty="0" smtClean="0"/>
-              <a:t>\\: single \ character</a:t>
-            </a:r>
-          </a:p>
-          <a:p>
-            <a:pPr>
-              <a:buNone/>
-            </a:pPr>
-            <a:r>
-              <a:rPr lang="en-US" dirty="0" smtClean="0"/>
-              <a:t>		</a:t>
-            </a:r>
-            <a:r>
-              <a:rPr lang="en-US" dirty="0" err="1" smtClean="0"/>
-              <a:t>printf</a:t>
-            </a:r>
-            <a:r>
-              <a:rPr lang="en-US" dirty="0" smtClean="0"/>
-              <a:t>("</a:t>
-            </a:r>
-            <a:r>
-              <a:rPr lang="en-US" dirty="0" smtClean="0">
-                <a:solidFill>
-                  <a:srgbClr val="FF0000"/>
-                </a:solidFill>
-              </a:rPr>
-              <a:t>\\Hello\\</a:t>
-            </a:r>
-            <a:r>
-              <a:rPr lang="en-US" dirty="0" smtClean="0"/>
-              <a:t>");</a:t>
-            </a:r>
-          </a:p>
-          <a:p>
-            <a:pPr>
-              <a:buNone/>
-            </a:pPr>
-            <a:r>
-              <a:rPr lang="en-US" dirty="0" smtClean="0"/>
+              <a:rPr lang="en-US" dirty="0"/>
               <a:t>		Will print: </a:t>
             </a:r>
             <a:r>
-              <a:rPr lang="en-US" dirty="0" smtClean="0">
+              <a:rPr lang="en-US" dirty="0">
                 <a:solidFill>
                   <a:srgbClr val="000099"/>
                 </a:solidFill>
@@ -7642,13 +7287,6 @@
   <p:clrMapOvr>
     <a:masterClrMapping/>
   </p:clrMapOvr>
-  <p:timing>
-    <p:tnLst>
-      <p:par>
-        <p:cTn id="1" dur="indefinite" restart="never" nodeType="tmRoot"/>
-      </p:par>
-    </p:tnLst>
-  </p:timing>
 </p:sld>
 </file>
 
@@ -7727,10 +7365,9 @@
           <a:lstStyle/>
           <a:p>
             <a:r>
-              <a:rPr lang="en-US" dirty="0" smtClean="0"/>
+              <a:rPr lang="en-US" dirty="0"/>
               <a:t>What do you think the following code outputs?</a:t>
             </a:r>
-            <a:endParaRPr lang="en-US" dirty="0"/>
           </a:p>
         </p:txBody>
       </p:sp>
@@ -7757,7 +7394,7 @@
           <a:lstStyle/>
           <a:p>
             <a:r>
-              <a:rPr lang="en-US" sz="3600" dirty="0" smtClean="0">
+              <a:rPr lang="en-US" sz="3600" dirty="0">
                 <a:solidFill>
                   <a:srgbClr val="0CFA02"/>
                 </a:solidFill>
@@ -7770,7 +7407,7 @@
           </a:p>
           <a:p>
             <a:r>
-              <a:rPr lang="en-US" sz="3600" dirty="0" smtClean="0">
+              <a:rPr lang="en-US" sz="3600" dirty="0">
                 <a:solidFill>
                   <a:srgbClr val="FEFB01"/>
                 </a:solidFill>
@@ -7783,7 +7420,7 @@
           </a:p>
           <a:p>
             <a:r>
-              <a:rPr lang="en-US" sz="3600" dirty="0" smtClean="0">
+              <a:rPr lang="en-US" sz="3600" dirty="0">
                 <a:solidFill>
                   <a:srgbClr val="F5A007"/>
                 </a:solidFill>
@@ -7796,7 +7433,7 @@
           </a:p>
           <a:p>
             <a:r>
-              <a:rPr lang="en-US" sz="3600" dirty="0" smtClean="0">
+              <a:rPr lang="en-US" sz="3600" dirty="0">
                 <a:solidFill>
                   <a:srgbClr val="F21AF1"/>
                 </a:solidFill>
@@ -7806,14 +7443,6 @@
               </a:rPr>
               <a:t>None of the above</a:t>
             </a:r>
-            <a:endParaRPr lang="en-US" sz="3600" dirty="0">
-              <a:solidFill>
-                <a:srgbClr val="F21AF1"/>
-              </a:solidFill>
-              <a:latin typeface="Consolas" charset="0"/>
-              <a:ea typeface="Consolas" charset="0"/>
-              <a:cs typeface="Consolas" charset="0"/>
-            </a:endParaRPr>
           </a:p>
         </p:txBody>
       </p:sp>
@@ -7840,7 +7469,7 @@
           <a:lstStyle/>
           <a:p>
             <a:r>
-              <a:rPr lang="en-US" sz="2800" dirty="0" err="1" smtClean="0">
+              <a:rPr lang="en-US" sz="2800" dirty="0" err="1">
                 <a:latin typeface="Consolas" charset="0"/>
                 <a:ea typeface="Consolas" charset="0"/>
                 <a:cs typeface="Consolas" charset="0"/>
@@ -7848,7 +7477,7 @@
               <a:t>int</a:t>
             </a:r>
             <a:r>
-              <a:rPr lang="en-US" sz="2800" dirty="0" smtClean="0">
+              <a:rPr lang="en-US" sz="2800" dirty="0">
                 <a:latin typeface="Consolas" charset="0"/>
                 <a:ea typeface="Consolas" charset="0"/>
                 <a:cs typeface="Consolas" charset="0"/>
@@ -7858,7 +7487,7 @@
           </a:p>
           <a:p>
             <a:r>
-              <a:rPr lang="en-US" sz="2800" dirty="0" smtClean="0">
+              <a:rPr lang="en-US" sz="2800" dirty="0">
                 <a:latin typeface="Consolas" charset="0"/>
                 <a:ea typeface="Consolas" charset="0"/>
                 <a:cs typeface="Consolas" charset="0"/>
@@ -7868,7 +7497,7 @@
           </a:p>
           <a:p>
             <a:r>
-              <a:rPr lang="en-US" sz="2800" dirty="0" err="1" smtClean="0">
+              <a:rPr lang="en-US" sz="2800" dirty="0" err="1">
                 <a:latin typeface="Consolas" charset="0"/>
                 <a:ea typeface="Consolas" charset="0"/>
                 <a:cs typeface="Consolas" charset="0"/>
@@ -7876,7 +7505,7 @@
               <a:t>printf</a:t>
             </a:r>
             <a:r>
-              <a:rPr lang="en-US" sz="2800" dirty="0" smtClean="0">
+              <a:rPr lang="en-US" sz="2800" dirty="0">
                 <a:latin typeface="Consolas" charset="0"/>
                 <a:ea typeface="Consolas" charset="0"/>
                 <a:cs typeface="Consolas" charset="0"/>
@@ -7891,21 +7520,8 @@
                 <a:ea typeface="Consolas" charset="0"/>
                 <a:cs typeface="Consolas" charset="0"/>
               </a:rPr>
-              <a:t>	</a:t>
-            </a:r>
-            <a:r>
-              <a:rPr lang="en-US" sz="2800" dirty="0" smtClean="0">
-                <a:latin typeface="Consolas" charset="0"/>
-                <a:ea typeface="Consolas" charset="0"/>
-                <a:cs typeface="Consolas" charset="0"/>
-              </a:rPr>
-              <a:t>a, b); </a:t>
-            </a:r>
-            <a:endParaRPr lang="en-US" sz="2800" dirty="0">
-              <a:latin typeface="Consolas" charset="0"/>
-              <a:ea typeface="Consolas" charset="0"/>
-              <a:cs typeface="Consolas" charset="0"/>
-            </a:endParaRPr>
+              <a:t>	a, b); </a:t>
+            </a:r>
           </a:p>
         </p:txBody>
       </p:sp>
@@ -7943,13 +7559,6 @@
   <p:clrMapOvr>
     <a:masterClrMapping/>
   </p:clrMapOvr>
-  <p:timing>
-    <p:tnLst>
-      <p:par>
-        <p:cTn id="1" dur="indefinite" restart="never" nodeType="tmRoot"/>
-      </p:par>
-    </p:tnLst>
-  </p:timing>
 </p:sld>
 </file>
 
@@ -7986,10 +7595,9 @@
           <a:lstStyle/>
           <a:p>
             <a:r>
-              <a:rPr lang="en-US" dirty="0" smtClean="0"/>
+              <a:rPr lang="en-US" dirty="0"/>
               <a:t>Error Checking</a:t>
             </a:r>
-            <a:endParaRPr lang="en-US" dirty="0"/>
           </a:p>
         </p:txBody>
       </p:sp>
@@ -8011,15 +7619,15 @@
           <a:lstStyle/>
           <a:p>
             <a:r>
-              <a:rPr lang="en-US" dirty="0" smtClean="0"/>
+              <a:rPr lang="en-US" dirty="0"/>
               <a:t>C compilers </a:t>
             </a:r>
             <a:r>
-              <a:rPr lang="en-US" u="sng" dirty="0" smtClean="0"/>
+              <a:rPr lang="en-US" u="sng" dirty="0"/>
               <a:t>are not required</a:t>
             </a:r>
             <a:r>
-              <a:rPr lang="en-US" dirty="0" smtClean="0"/>
+              <a:rPr lang="en-US" dirty="0"/>
               <a:t> to check that the number of conversion specifications matches the number of output items:</a:t>
             </a:r>
           </a:p>
@@ -8028,7 +7636,7 @@
               <a:buNone/>
             </a:pPr>
             <a:r>
-              <a:rPr lang="en-US" sz="3000" dirty="0" err="1" smtClean="0">
+              <a:rPr lang="en-US" sz="3000" dirty="0" err="1">
                 <a:solidFill>
                   <a:srgbClr val="000099"/>
                 </a:solidFill>
@@ -8039,7 +7647,7 @@
               <a:t>printf</a:t>
             </a:r>
             <a:r>
-              <a:rPr lang="en-US" sz="3000" dirty="0" smtClean="0">
+              <a:rPr lang="en-US" sz="3000" dirty="0">
                 <a:solidFill>
                   <a:srgbClr val="000099"/>
                 </a:solidFill>
@@ -8055,7 +7663,7 @@
               <a:buNone/>
             </a:pPr>
             <a:r>
-              <a:rPr lang="en-US" sz="3000" dirty="0" err="1" smtClean="0">
+              <a:rPr lang="en-US" sz="3000" dirty="0" err="1">
                 <a:solidFill>
                   <a:srgbClr val="000099"/>
                 </a:solidFill>
@@ -8066,7 +7674,7 @@
               <a:t>printf</a:t>
             </a:r>
             <a:r>
-              <a:rPr lang="en-US" sz="3000" dirty="0" smtClean="0">
+              <a:rPr lang="en-US" sz="3000" dirty="0">
                 <a:solidFill>
                   <a:srgbClr val="000099"/>
                 </a:solidFill>
@@ -8079,15 +7687,15 @@
           </a:p>
           <a:p>
             <a:r>
-              <a:rPr lang="en-US" dirty="0" smtClean="0"/>
+              <a:rPr lang="en-US" dirty="0"/>
               <a:t>C compilers </a:t>
             </a:r>
             <a:r>
-              <a:rPr lang="en-US" u="sng" dirty="0" smtClean="0"/>
+              <a:rPr lang="en-US" u="sng" dirty="0"/>
               <a:t>are not required</a:t>
             </a:r>
             <a:r>
-              <a:rPr lang="en-US" dirty="0" smtClean="0"/>
+              <a:rPr lang="en-US" dirty="0"/>
               <a:t> to check that the type of conversion specification is appropriate</a:t>
             </a:r>
           </a:p>
@@ -8104,57 +7712,8 @@
                 <a:ea typeface="Consolas" charset="0"/>
                 <a:cs typeface="Consolas" charset="0"/>
               </a:rPr>
-              <a:t>i</a:t>
-            </a:r>
-            <a:r>
-              <a:rPr lang="en-US" sz="2400" dirty="0" err="1" smtClean="0">
-                <a:solidFill>
-                  <a:srgbClr val="000099"/>
-                </a:solidFill>
-                <a:latin typeface="Consolas" charset="0"/>
-                <a:ea typeface="Consolas" charset="0"/>
-                <a:cs typeface="Consolas" charset="0"/>
-              </a:rPr>
-              <a:t>nt</a:t>
-            </a:r>
-            <a:r>
-              <a:rPr lang="en-US" sz="2400" dirty="0" smtClean="0">
-                <a:solidFill>
-                  <a:srgbClr val="000099"/>
-                </a:solidFill>
-                <a:latin typeface="Consolas" charset="0"/>
-                <a:ea typeface="Consolas" charset="0"/>
-                <a:cs typeface="Consolas" charset="0"/>
-              </a:rPr>
-              <a:t> </a:t>
-            </a:r>
-            <a:r>
-              <a:rPr lang="en-US" sz="2400" dirty="0" err="1" smtClean="0">
-                <a:solidFill>
-                  <a:srgbClr val="000099"/>
-                </a:solidFill>
-                <a:latin typeface="Consolas" charset="0"/>
-                <a:ea typeface="Consolas" charset="0"/>
-                <a:cs typeface="Consolas" charset="0"/>
-              </a:rPr>
-              <a:t>myInt</a:t>
-            </a:r>
-            <a:r>
-              <a:rPr lang="en-US" sz="2400" dirty="0" smtClean="0">
-                <a:solidFill>
-                  <a:srgbClr val="000099"/>
-                </a:solidFill>
-                <a:latin typeface="Consolas" charset="0"/>
-                <a:ea typeface="Consolas" charset="0"/>
-                <a:cs typeface="Consolas" charset="0"/>
-              </a:rPr>
-              <a:t>;</a:t>
-            </a:r>
-          </a:p>
-          <a:p>
-            <a:pPr lvl="3">
-              <a:buNone/>
-            </a:pPr>
+              <a:t>int</a:t>
+            </a:r>
             <a:r>
               <a:rPr lang="en-US" sz="2400" dirty="0">
                 <a:solidFill>
@@ -8164,10 +7723,10 @@
                 <a:ea typeface="Consolas" charset="0"/>
                 <a:cs typeface="Consolas" charset="0"/>
               </a:rPr>
-              <a:t>f</a:t>
-            </a:r>
-            <a:r>
-              <a:rPr lang="en-US" sz="2400" dirty="0" smtClean="0">
+              <a:t> </a:t>
+            </a:r>
+            <a:r>
+              <a:rPr lang="en-US" sz="2400" dirty="0" err="1">
                 <a:solidFill>
                   <a:srgbClr val="000099"/>
                 </a:solidFill>
@@ -8175,10 +7734,10 @@
                 <a:ea typeface="Consolas" charset="0"/>
                 <a:cs typeface="Consolas" charset="0"/>
               </a:rPr>
-              <a:t>loat </a:t>
-            </a:r>
-            <a:r>
-              <a:rPr lang="en-US" sz="2400" dirty="0" err="1" smtClean="0">
+              <a:t>myInt</a:t>
+            </a:r>
+            <a:r>
+              <a:rPr lang="en-US" sz="2400" dirty="0">
                 <a:solidFill>
                   <a:srgbClr val="000099"/>
                 </a:solidFill>
@@ -8186,10 +7745,15 @@
                 <a:ea typeface="Consolas" charset="0"/>
                 <a:cs typeface="Consolas" charset="0"/>
               </a:rPr>
-              <a:t>myFloat</a:t>
-            </a:r>
-            <a:r>
-              <a:rPr lang="en-US" sz="2400" dirty="0" smtClean="0">
+              <a:t>;</a:t>
+            </a:r>
+          </a:p>
+          <a:p>
+            <a:pPr lvl="3">
+              <a:buNone/>
+            </a:pPr>
+            <a:r>
+              <a:rPr lang="en-US" sz="2400" dirty="0">
                 <a:solidFill>
                   <a:srgbClr val="000099"/>
                 </a:solidFill>
@@ -8197,6 +7761,28 @@
                 <a:ea typeface="Consolas" charset="0"/>
                 <a:cs typeface="Consolas" charset="0"/>
               </a:rPr>
+              <a:t>float </a:t>
+            </a:r>
+            <a:r>
+              <a:rPr lang="en-US" sz="2400" dirty="0" err="1">
+                <a:solidFill>
+                  <a:srgbClr val="000099"/>
+                </a:solidFill>
+                <a:latin typeface="Consolas" charset="0"/>
+                <a:ea typeface="Consolas" charset="0"/>
+                <a:cs typeface="Consolas" charset="0"/>
+              </a:rPr>
+              <a:t>myFloat</a:t>
+            </a:r>
+            <a:r>
+              <a:rPr lang="en-US" sz="2400" dirty="0">
+                <a:solidFill>
+                  <a:srgbClr val="000099"/>
+                </a:solidFill>
+                <a:latin typeface="Consolas" charset="0"/>
+                <a:ea typeface="Consolas" charset="0"/>
+                <a:cs typeface="Consolas" charset="0"/>
+              </a:rPr>
               <a:t>;</a:t>
             </a:r>
           </a:p>
@@ -8205,7 +7791,7 @@
               <a:buNone/>
             </a:pPr>
             <a:r>
-              <a:rPr lang="en-US" sz="2400" dirty="0" err="1" smtClean="0">
+              <a:rPr lang="en-US" sz="2400" dirty="0" err="1">
                 <a:solidFill>
                   <a:srgbClr val="000099"/>
                 </a:solidFill>
@@ -8216,7 +7802,7 @@
               <a:t>printf</a:t>
             </a:r>
             <a:r>
-              <a:rPr lang="en-US" sz="2400" dirty="0" smtClean="0">
+              <a:rPr lang="en-US" sz="2400" dirty="0">
                 <a:solidFill>
                   <a:srgbClr val="000099"/>
                 </a:solidFill>
@@ -8227,7 +7813,7 @@
               <a:t>("%f %d", </a:t>
             </a:r>
             <a:r>
-              <a:rPr lang="en-US" sz="2400" dirty="0" err="1" smtClean="0">
+              <a:rPr lang="en-US" sz="2400" dirty="0" err="1">
                 <a:solidFill>
                   <a:srgbClr val="000099"/>
                 </a:solidFill>
@@ -8238,7 +7824,7 @@
               <a:t>myInt</a:t>
             </a:r>
             <a:r>
-              <a:rPr lang="en-US" sz="2400" dirty="0" smtClean="0">
+              <a:rPr lang="en-US" sz="2400" dirty="0">
                 <a:solidFill>
                   <a:srgbClr val="000099"/>
                 </a:solidFill>
@@ -8249,7 +7835,7 @@
               <a:t>, </a:t>
             </a:r>
             <a:r>
-              <a:rPr lang="en-US" sz="2400" dirty="0" err="1" smtClean="0">
+              <a:rPr lang="en-US" sz="2400" dirty="0" err="1">
                 <a:solidFill>
                   <a:srgbClr val="000099"/>
                 </a:solidFill>
@@ -8260,7 +7846,7 @@
               <a:t>myFloat</a:t>
             </a:r>
             <a:r>
-              <a:rPr lang="en-US" sz="2400" dirty="0" smtClean="0">
+              <a:rPr lang="en-US" sz="2400" dirty="0">
                 <a:solidFill>
                   <a:srgbClr val="000099"/>
                 </a:solidFill>
@@ -8275,7 +7861,7 @@
             <a:pPr>
               <a:buNone/>
             </a:pPr>
-            <a:endParaRPr lang="en-US" dirty="0" smtClean="0"/>
+            <a:endParaRPr lang="en-US" dirty="0"/>
           </a:p>
         </p:txBody>
       </p:sp>
@@ -8313,13 +7899,6 @@
   <p:clrMapOvr>
     <a:masterClrMapping/>
   </p:clrMapOvr>
-  <p:timing>
-    <p:tnLst>
-      <p:par>
-        <p:cTn id="1" dur="indefinite" restart="never" nodeType="tmRoot"/>
-      </p:par>
-    </p:tnLst>
-  </p:timing>
 </p:sld>
 </file>
 
@@ -8356,10 +7935,9 @@
           <a:lstStyle/>
           <a:p>
             <a:r>
-              <a:rPr lang="en-US" dirty="0" smtClean="0"/>
+              <a:rPr lang="en-US" dirty="0"/>
               <a:t>Summary</a:t>
             </a:r>
-            <a:endParaRPr lang="en-US" dirty="0"/>
           </a:p>
         </p:txBody>
       </p:sp>
@@ -8406,7 +7984,7 @@
             </a:r>
           </a:p>
           <a:p>
-            <a:endParaRPr lang="en-US" dirty="0" smtClean="0"/>
+            <a:endParaRPr lang="en-US" dirty="0"/>
           </a:p>
         </p:txBody>
       </p:sp>
@@ -8496,13 +8074,6 @@
   <p:clrMapOvr>
     <a:masterClrMapping/>
   </p:clrMapOvr>
-  <p:timing>
-    <p:tnLst>
-      <p:par>
-        <p:cTn id="1" dur="indefinite" restart="never" nodeType="tmRoot"/>
-      </p:par>
-    </p:tnLst>
-  </p:timing>
 </p:sld>
 </file>
 
@@ -8539,10 +8110,9 @@
           <a:lstStyle/>
           <a:p>
             <a:r>
-              <a:rPr lang="en-US" dirty="0" smtClean="0"/>
+              <a:rPr lang="en-US" dirty="0"/>
               <a:t>Reading input</a:t>
             </a:r>
-            <a:endParaRPr lang="en-US" dirty="0"/>
           </a:p>
         </p:txBody>
       </p:sp>
@@ -8564,28 +8134,28 @@
           <a:lstStyle/>
           <a:p>
             <a:r>
-              <a:rPr lang="en-US" dirty="0" err="1" smtClean="0"/>
+              <a:rPr lang="en-US" dirty="0" err="1"/>
               <a:t>scanf</a:t>
             </a:r>
             <a:r>
-              <a:rPr lang="en-US" dirty="0" smtClean="0"/>
+              <a:rPr lang="en-US" dirty="0"/>
               <a:t>: used to read input according to given format</a:t>
             </a:r>
           </a:p>
           <a:p>
             <a:r>
-              <a:rPr lang="en-US" dirty="0" smtClean="0"/>
+              <a:rPr lang="en-US" dirty="0"/>
               <a:t>Defined in </a:t>
             </a:r>
             <a:r>
-              <a:rPr lang="en-US" dirty="0" err="1" smtClean="0"/>
+              <a:rPr lang="en-US" dirty="0" err="1"/>
               <a:t>stdio.h</a:t>
             </a:r>
-            <a:endParaRPr lang="en-US" dirty="0" smtClean="0"/>
-          </a:p>
-          <a:p>
-            <a:r>
-              <a:rPr lang="en-US" dirty="0" smtClean="0"/>
+            <a:endParaRPr lang="en-US" dirty="0"/>
+          </a:p>
+          <a:p>
+            <a:r>
+              <a:rPr lang="en-US" dirty="0"/>
               <a:t>Usage:</a:t>
             </a:r>
           </a:p>
@@ -8594,11 +8164,11 @@
               <a:buNone/>
             </a:pPr>
             <a:r>
-              <a:rPr lang="en-US" sz="1600" dirty="0" smtClean="0"/>
+              <a:rPr lang="en-US" sz="1600" dirty="0"/>
               <a:t>	</a:t>
             </a:r>
             <a:r>
-              <a:rPr lang="en-US" sz="2000" dirty="0" err="1" smtClean="0">
+              <a:rPr lang="en-US" sz="2000" dirty="0" err="1">
                 <a:solidFill>
                   <a:srgbClr val="000099"/>
                 </a:solidFill>
@@ -8609,7 +8179,7 @@
               <a:t>scanf</a:t>
             </a:r>
             <a:r>
-              <a:rPr lang="en-US" sz="2000" dirty="0" smtClean="0">
+              <a:rPr lang="en-US" sz="2000" dirty="0">
                 <a:solidFill>
                   <a:srgbClr val="000099"/>
                 </a:solidFill>
@@ -8620,7 +8190,7 @@
               <a:t>(</a:t>
             </a:r>
             <a:r>
-              <a:rPr lang="en-US" sz="2000" dirty="0" err="1" smtClean="0">
+              <a:rPr lang="en-US" sz="2000" dirty="0" err="1">
                 <a:solidFill>
                   <a:srgbClr val="000099"/>
                 </a:solidFill>
@@ -8631,7 +8201,7 @@
               <a:t>format_string</a:t>
             </a:r>
             <a:r>
-              <a:rPr lang="en-US" sz="2000" dirty="0" smtClean="0">
+              <a:rPr lang="en-US" sz="2000" dirty="0">
                 <a:solidFill>
                   <a:srgbClr val="000099"/>
                 </a:solidFill>
@@ -8643,11 +8213,11 @@
             </a:r>
           </a:p>
           <a:p>
-            <a:endParaRPr lang="en-US" dirty="0" smtClean="0"/>
-          </a:p>
-          <a:p>
-            <a:r>
-              <a:rPr lang="en-US" dirty="0" smtClean="0"/>
+            <a:endParaRPr lang="en-US" dirty="0"/>
+          </a:p>
+          <a:p>
+            <a:r>
+              <a:rPr lang="en-US" dirty="0"/>
               <a:t>No limit on the number of variables</a:t>
             </a:r>
           </a:p>
@@ -8687,13 +8257,6 @@
   <p:clrMapOvr>
     <a:masterClrMapping/>
   </p:clrMapOvr>
-  <p:timing>
-    <p:tnLst>
-      <p:par>
-        <p:cTn id="1" dur="indefinite" restart="never" nodeType="tmRoot"/>
-      </p:par>
-    </p:tnLst>
-  </p:timing>
 </p:sld>
 </file>
 
@@ -8730,10 +8293,9 @@
           <a:lstStyle/>
           <a:p>
             <a:r>
-              <a:rPr lang="en-US" dirty="0" smtClean="0"/>
+              <a:rPr lang="en-US" dirty="0"/>
               <a:t>Format String</a:t>
             </a:r>
-            <a:endParaRPr lang="en-US" dirty="0"/>
           </a:p>
         </p:txBody>
       </p:sp>
@@ -8755,31 +8317,31 @@
           <a:lstStyle/>
           <a:p>
             <a:r>
-              <a:rPr lang="en-US" sz="2800" dirty="0" smtClean="0"/>
+              <a:rPr lang="en-US" sz="2800" dirty="0"/>
               <a:t>Contains: ordinary characters and conversion characters:</a:t>
             </a:r>
           </a:p>
           <a:p>
             <a:r>
-              <a:rPr lang="en-US" sz="2800" dirty="0" smtClean="0"/>
+              <a:rPr lang="en-US" sz="2800" dirty="0"/>
               <a:t>Conversion characters:  same as </a:t>
             </a:r>
             <a:r>
-              <a:rPr lang="en-US" sz="2800" dirty="0" err="1" smtClean="0"/>
+              <a:rPr lang="en-US" sz="2800" dirty="0" err="1"/>
               <a:t>printf</a:t>
             </a:r>
-            <a:endParaRPr lang="en-US" sz="2800" dirty="0" smtClean="0"/>
+            <a:endParaRPr lang="en-US" sz="2800" dirty="0"/>
           </a:p>
           <a:p>
             <a:pPr>
               <a:buNone/>
             </a:pPr>
             <a:r>
-              <a:rPr lang="en-US" sz="2800" dirty="0" smtClean="0"/>
+              <a:rPr lang="en-US" sz="2800" dirty="0"/>
               <a:t>		</a:t>
             </a:r>
             <a:r>
-              <a:rPr lang="en-US" sz="2800" dirty="0" err="1" smtClean="0">
+              <a:rPr lang="en-US" sz="2800" dirty="0" err="1">
                 <a:latin typeface="Consolas" charset="0"/>
                 <a:ea typeface="Consolas" charset="0"/>
                 <a:cs typeface="Consolas" charset="0"/>
@@ -8787,7 +8349,7 @@
               <a:t>scanf</a:t>
             </a:r>
             <a:r>
-              <a:rPr lang="en-US" sz="2800" dirty="0" smtClean="0">
+              <a:rPr lang="en-US" sz="2800" dirty="0">
                 <a:latin typeface="Consolas" charset="0"/>
                 <a:ea typeface="Consolas" charset="0"/>
                 <a:cs typeface="Consolas" charset="0"/>
@@ -8795,7 +8357,7 @@
               <a:t>("%</a:t>
             </a:r>
             <a:r>
-              <a:rPr lang="en-US" sz="2800" dirty="0" err="1" smtClean="0">
+              <a:rPr lang="en-US" sz="2800" dirty="0" err="1">
                 <a:latin typeface="Consolas" charset="0"/>
                 <a:ea typeface="Consolas" charset="0"/>
                 <a:cs typeface="Consolas" charset="0"/>
@@ -8808,18 +8370,10 @@
                 <a:ea typeface="Consolas" charset="0"/>
                 <a:cs typeface="Consolas" charset="0"/>
               </a:rPr>
-              <a:t>"</a:t>
-            </a:r>
-            <a:r>
-              <a:rPr lang="en-US" sz="2800" dirty="0" smtClean="0">
-                <a:latin typeface="Consolas" charset="0"/>
-                <a:ea typeface="Consolas" charset="0"/>
-                <a:cs typeface="Consolas" charset="0"/>
-              </a:rPr>
-              <a:t>, &amp;</a:t>
-            </a:r>
-            <a:r>
-              <a:rPr lang="en-US" sz="2800" dirty="0" err="1" smtClean="0">
+              <a:t>", &amp;</a:t>
+            </a:r>
+            <a:r>
+              <a:rPr lang="en-US" sz="2800" dirty="0" err="1">
                 <a:latin typeface="Consolas" charset="0"/>
                 <a:ea typeface="Consolas" charset="0"/>
                 <a:cs typeface="Consolas" charset="0"/>
@@ -8827,7 +8381,7 @@
               <a:t>i</a:t>
             </a:r>
             <a:r>
-              <a:rPr lang="en-US" sz="2800" dirty="0" smtClean="0">
+              <a:rPr lang="en-US" sz="2800" dirty="0">
                 <a:latin typeface="Consolas" charset="0"/>
                 <a:ea typeface="Consolas" charset="0"/>
                 <a:cs typeface="Consolas" charset="0"/>
@@ -8838,29 +8392,29 @@
           <a:p>
             <a:pPr lvl="1"/>
             <a:r>
-              <a:rPr lang="en-US" sz="2400" dirty="0" smtClean="0"/>
+              <a:rPr lang="en-US" sz="2400" dirty="0"/>
               <a:t>Convert first value to an integer</a:t>
             </a:r>
           </a:p>
           <a:p>
             <a:pPr lvl="1"/>
             <a:r>
-              <a:rPr lang="en-US" sz="2400" dirty="0" smtClean="0"/>
+              <a:rPr lang="en-US" sz="2400" dirty="0"/>
               <a:t>Convert second value to a float</a:t>
             </a:r>
           </a:p>
           <a:p>
             <a:pPr lvl="1"/>
             <a:r>
-              <a:rPr lang="en-US" sz="2400" dirty="0" smtClean="0"/>
+              <a:rPr lang="en-US" sz="2400" dirty="0"/>
               <a:t>%e, %f: are interchangeable for </a:t>
             </a:r>
             <a:r>
-              <a:rPr lang="en-US" sz="2400" dirty="0" err="1" smtClean="0"/>
+              <a:rPr lang="en-US" sz="2400" dirty="0" err="1"/>
               <a:t>scanf</a:t>
             </a:r>
             <a:r>
-              <a:rPr lang="en-US" sz="2400" dirty="0" smtClean="0"/>
+              <a:rPr lang="en-US" sz="2400" dirty="0"/>
               <a:t> </a:t>
             </a:r>
           </a:p>
@@ -8868,13 +8422,13 @@
             <a:pPr>
               <a:buNone/>
             </a:pPr>
-            <a:endParaRPr lang="en-US" dirty="0" smtClean="0"/>
+            <a:endParaRPr lang="en-US" dirty="0"/>
           </a:p>
           <a:p>
             <a:pPr>
               <a:buNone/>
             </a:pPr>
-            <a:endParaRPr lang="en-US" dirty="0" smtClean="0"/>
+            <a:endParaRPr lang="en-US" dirty="0"/>
           </a:p>
         </p:txBody>
       </p:sp>
@@ -8912,13 +8466,6 @@
   <p:clrMapOvr>
     <a:masterClrMapping/>
   </p:clrMapOvr>
-  <p:timing>
-    <p:tnLst>
-      <p:par>
-        <p:cTn id="1" dur="indefinite" restart="never" nodeType="tmRoot"/>
-      </p:par>
-    </p:tnLst>
-  </p:timing>
 </p:sld>
 </file>
 
@@ -8941,7 +8488,13 @@
       </p:grpSpPr>
       <p:sp>
         <p:nvSpPr>
-          <p:cNvPr id="2" name="Title 1"/>
+          <p:cNvPr id="2" name="Title 1">
+            <a:extLst>
+              <a:ext uri="{FF2B5EF4-FFF2-40B4-BE49-F238E27FC236}">
+                <a16:creationId xmlns:a16="http://schemas.microsoft.com/office/drawing/2014/main" id="{3F433BBB-374A-344D-A5FB-5C8AAF54DD07}"/>
+              </a:ext>
+            </a:extLst>
+          </p:cNvPr>
           <p:cNvSpPr>
             <a:spLocks noGrp="1"/>
           </p:cNvSpPr>
@@ -8951,67 +8504,90 @@
         </p:nvSpPr>
         <p:spPr/>
         <p:txBody>
-          <a:bodyPr>
-            <a:normAutofit fontScale="90000"/>
-          </a:bodyPr>
-          <a:lstStyle/>
-          <a:p>
-            <a:r>
-              <a:rPr lang="en-US" dirty="0" smtClean="0"/>
-              <a:t>MSU IEEE (</a:t>
-            </a:r>
+          <a:bodyPr/>
+          <a:lstStyle/>
+          <a:p>
+            <a:r>
+              <a:rPr lang="en-CN" dirty="0"/>
+              <a:t>Lab Zoom Meeting</a:t>
+            </a:r>
+          </a:p>
+        </p:txBody>
+      </p:sp>
+      <p:sp>
+        <p:nvSpPr>
+          <p:cNvPr id="3" name="Content Placeholder 2">
+            <a:extLst>
+              <a:ext uri="{FF2B5EF4-FFF2-40B4-BE49-F238E27FC236}">
+                <a16:creationId xmlns:a16="http://schemas.microsoft.com/office/drawing/2014/main" id="{DB62E8BF-EEF4-8B44-903E-1552E582BFA5}"/>
+              </a:ext>
+            </a:extLst>
+          </p:cNvPr>
+          <p:cNvSpPr>
+            <a:spLocks noGrp="1"/>
+          </p:cNvSpPr>
+          <p:nvPr>
+            <p:ph idx="1"/>
+          </p:nvPr>
+        </p:nvSpPr>
+        <p:spPr/>
+        <p:txBody>
+          <a:bodyPr/>
+          <a:lstStyle/>
+          <a:p>
+            <a:r>
+              <a:rPr lang="en-CN" dirty="0"/>
+              <a:t>3 breakout rooms</a:t>
+            </a:r>
+          </a:p>
+          <a:p>
+            <a:pPr lvl="1"/>
             <a:r>
               <a:rPr lang="en-US" dirty="0"/>
-              <a:t>Institute of Electrical and Electronics </a:t>
-            </a:r>
-            <a:r>
-              <a:rPr lang="en-US" dirty="0" smtClean="0"/>
-              <a:t>Engineers)</a:t>
+              <a:t>10-12 people for each room</a:t>
+            </a:r>
+          </a:p>
+          <a:p>
+            <a:pPr lvl="1"/>
+            <a:r>
+              <a:rPr lang="en-US" dirty="0"/>
+              <a:t>Free discussion in each room</a:t>
+            </a:r>
+          </a:p>
+          <a:p>
+            <a:r>
+              <a:rPr lang="en-US" dirty="0"/>
+              <a:t>TA will access each room every 15 mins </a:t>
+            </a:r>
+          </a:p>
+          <a:p>
+            <a:r>
+              <a:rPr lang="en-US" dirty="0"/>
+              <a:t>TA will post some common Q&amp;A on </a:t>
+            </a:r>
+            <a:r>
+              <a:rPr lang="en-CN" dirty="0"/>
+              <a:t>Piazza</a:t>
             </a:r>
             <a:endParaRPr lang="en-US" dirty="0"/>
           </a:p>
-        </p:txBody>
-      </p:sp>
-      <p:sp>
-        <p:nvSpPr>
-          <p:cNvPr id="3" name="Content Placeholder 2"/>
-          <p:cNvSpPr>
-            <a:spLocks noGrp="1"/>
-          </p:cNvSpPr>
-          <p:nvPr>
-            <p:ph idx="1"/>
-          </p:nvPr>
-        </p:nvSpPr>
-        <p:spPr/>
-        <p:txBody>
-          <a:bodyPr/>
-          <a:lstStyle/>
-          <a:p>
-            <a:r>
-              <a:rPr lang="en-US" dirty="0" smtClean="0"/>
-              <a:t>Invitation from Kyle MacLean</a:t>
-            </a:r>
-          </a:p>
-          <a:p>
-            <a:r>
-              <a:rPr lang="en-US" smtClean="0"/>
-              <a:t>First meeting: </a:t>
-            </a:r>
-            <a:r>
-              <a:rPr lang="en-US" dirty="0" smtClean="0"/>
-              <a:t>Thursday 9/15 at 6-7pm in </a:t>
-            </a:r>
-            <a:r>
-              <a:rPr lang="en-US" smtClean="0"/>
-              <a:t>EB 1145</a:t>
-            </a:r>
-            <a:endParaRPr lang="en-US" dirty="0"/>
-          </a:p>
-        </p:txBody>
-      </p:sp>
-      <p:sp>
-        <p:nvSpPr>
-          <p:cNvPr id="4" name="Slide Number Placeholder 3"/>
+          <a:p>
+            <a:r>
+              <a:rPr lang="en-US" dirty="0"/>
+              <a:t>The last 30 mins are reserved for credit checking</a:t>
+            </a:r>
+          </a:p>
+        </p:txBody>
+      </p:sp>
+      <p:sp>
+        <p:nvSpPr>
+          <p:cNvPr id="4" name="Slide Number Placeholder 3">
+            <a:extLst>
+              <a:ext uri="{FF2B5EF4-FFF2-40B4-BE49-F238E27FC236}">
+                <a16:creationId xmlns:a16="http://schemas.microsoft.com/office/drawing/2014/main" id="{2DC6915B-454F-F447-A084-363D5FA9F9E6}"/>
+              </a:ext>
+            </a:extLst>
+          </p:cNvPr>
           <p:cNvSpPr>
             <a:spLocks noGrp="1"/>
           </p:cNvSpPr>
@@ -9033,53 +8609,16 @@
           </a:p>
         </p:txBody>
       </p:sp>
-      <p:pic>
-        <p:nvPicPr>
-          <p:cNvPr id="8" name="Picture 7"/>
-          <p:cNvPicPr>
-            <a:picLocks noChangeAspect="1"/>
-          </p:cNvPicPr>
-          <p:nvPr/>
-        </p:nvPicPr>
-        <p:blipFill>
-          <a:blip r:embed="rId2">
-            <a:extLst>
-              <a:ext uri="{28A0092B-C50C-407E-A947-70E740481C1C}">
-                <a14:useLocalDpi xmlns:a14="http://schemas.microsoft.com/office/drawing/2010/main" val="0"/>
-              </a:ext>
-            </a:extLst>
-          </a:blip>
-          <a:stretch>
-            <a:fillRect/>
-          </a:stretch>
-        </p:blipFill>
-        <p:spPr>
-          <a:xfrm>
-            <a:off x="1600200" y="3256917"/>
-            <a:ext cx="5438434" cy="3060700"/>
-          </a:xfrm>
-          <a:prstGeom prst="rect">
-            <a:avLst/>
-          </a:prstGeom>
-        </p:spPr>
-      </p:pic>
     </p:spTree>
     <p:extLst>
       <p:ext uri="{BB962C8B-B14F-4D97-AF65-F5344CB8AC3E}">
-        <p14:creationId xmlns:p14="http://schemas.microsoft.com/office/powerpoint/2010/main" val="987721900"/>
+        <p14:creationId xmlns:p14="http://schemas.microsoft.com/office/powerpoint/2010/main" val="3449407365"/>
       </p:ext>
     </p:extLst>
   </p:cSld>
   <p:clrMapOvr>
     <a:masterClrMapping/>
   </p:clrMapOvr>
-  <p:timing>
-    <p:tnLst>
-      <p:par>
-        <p:cTn id="1" dur="indefinite" restart="never" nodeType="tmRoot"/>
-      </p:par>
-    </p:tnLst>
-  </p:timing>
 </p:sld>
 </file>
 
@@ -9116,10 +8655,9 @@
           <a:lstStyle/>
           <a:p>
             <a:r>
-              <a:rPr lang="en-US" dirty="0" smtClean="0"/>
+              <a:rPr lang="en-US" dirty="0"/>
               <a:t>Maximum-Length</a:t>
             </a:r>
-            <a:endParaRPr lang="en-US" dirty="0"/>
           </a:p>
         </p:txBody>
       </p:sp>
@@ -9141,27 +8679,27 @@
           <a:lstStyle/>
           <a:p>
             <a:r>
-              <a:rPr lang="en-US" sz="2800" dirty="0" smtClean="0"/>
+              <a:rPr lang="en-US" sz="2800" dirty="0"/>
               <a:t>If you don't want to consume an entire number from input, you can specify a maximum length for a conversion.</a:t>
             </a:r>
           </a:p>
           <a:p>
             <a:r>
-              <a:rPr lang="en-US" sz="2800" dirty="0" smtClean="0"/>
+              <a:rPr lang="en-US" sz="2800" dirty="0"/>
               <a:t>Example:</a:t>
             </a:r>
           </a:p>
           <a:p>
             <a:pPr lvl="1"/>
             <a:r>
-              <a:rPr lang="en-US" sz="2600" dirty="0" smtClean="0"/>
+              <a:rPr lang="en-US" sz="2600" dirty="0"/>
               <a:t>I want to only store the first two digits of the input 8492 (i.e. 84)</a:t>
             </a:r>
           </a:p>
           <a:p>
             <a:pPr lvl="1"/>
             <a:r>
-              <a:rPr lang="en-US" sz="2600" dirty="0" err="1" smtClean="0">
+              <a:rPr lang="en-US" sz="2600" dirty="0" err="1">
                 <a:latin typeface="Consolas" charset="0"/>
                 <a:ea typeface="Consolas" charset="0"/>
                 <a:cs typeface="Consolas" charset="0"/>
@@ -9169,7 +8707,7 @@
               <a:t>scanf</a:t>
             </a:r>
             <a:r>
-              <a:rPr lang="en-US" sz="2600" dirty="0" smtClean="0">
+              <a:rPr lang="en-US" sz="2600" dirty="0">
                 <a:latin typeface="Consolas" charset="0"/>
                 <a:ea typeface="Consolas" charset="0"/>
                 <a:cs typeface="Consolas" charset="0"/>
@@ -9177,7 +8715,7 @@
               <a:t>("%2d", &amp;</a:t>
             </a:r>
             <a:r>
-              <a:rPr lang="en-US" sz="2600" dirty="0" err="1" smtClean="0">
+              <a:rPr lang="en-US" sz="2600" dirty="0" err="1">
                 <a:latin typeface="Consolas" charset="0"/>
                 <a:ea typeface="Consolas" charset="0"/>
                 <a:cs typeface="Consolas" charset="0"/>
@@ -9185,7 +8723,7 @@
               <a:t>var</a:t>
             </a:r>
             <a:r>
-              <a:rPr lang="en-US" sz="2600" dirty="0" smtClean="0">
+              <a:rPr lang="en-US" sz="2600" dirty="0">
                 <a:latin typeface="Consolas" charset="0"/>
                 <a:ea typeface="Consolas" charset="0"/>
                 <a:cs typeface="Consolas" charset="0"/>
@@ -9196,24 +8734,24 @@
           <a:p>
             <a:pPr lvl="1"/>
             <a:r>
-              <a:rPr lang="en-US" sz="2600" dirty="0" smtClean="0"/>
+              <a:rPr lang="en-US" sz="2600" dirty="0"/>
               <a:t>The next </a:t>
             </a:r>
             <a:r>
-              <a:rPr lang="en-US" sz="2600" dirty="0" err="1" smtClean="0"/>
+              <a:rPr lang="en-US" sz="2600" dirty="0" err="1"/>
               <a:t>scanf</a:t>
             </a:r>
             <a:r>
-              <a:rPr lang="en-US" sz="2600" dirty="0" smtClean="0"/>
+              <a:rPr lang="en-US" sz="2600" dirty="0"/>
               <a:t> starts at the 9 (the unconsumed input).</a:t>
             </a:r>
-            <a:endParaRPr lang="en-US" dirty="0" smtClean="0"/>
+            <a:endParaRPr lang="en-US" dirty="0"/>
           </a:p>
           <a:p>
             <a:pPr>
               <a:buNone/>
             </a:pPr>
-            <a:endParaRPr lang="en-US" dirty="0" smtClean="0"/>
+            <a:endParaRPr lang="en-US" dirty="0"/>
           </a:p>
         </p:txBody>
       </p:sp>
@@ -9251,13 +8789,6 @@
   <p:clrMapOvr>
     <a:masterClrMapping/>
   </p:clrMapOvr>
-  <p:timing>
-    <p:tnLst>
-      <p:par>
-        <p:cTn id="1" dur="indefinite" restart="never" nodeType="tmRoot"/>
-      </p:par>
-    </p:tnLst>
-  </p:timing>
 </p:sld>
 </file>
 
@@ -9336,10 +8867,9 @@
           <a:lstStyle/>
           <a:p>
             <a:r>
-              <a:rPr lang="en-US" dirty="0" smtClean="0"/>
+              <a:rPr lang="en-US" dirty="0"/>
               <a:t>If the input is "480274", what does the following code output?</a:t>
             </a:r>
-            <a:endParaRPr lang="en-US" dirty="0"/>
           </a:p>
         </p:txBody>
       </p:sp>
@@ -9366,7 +8896,7 @@
           <a:lstStyle/>
           <a:p>
             <a:r>
-              <a:rPr lang="en-US" sz="3600" dirty="0" smtClean="0">
+              <a:rPr lang="en-US" sz="3600" dirty="0">
                 <a:solidFill>
                   <a:srgbClr val="0CFA02"/>
                 </a:solidFill>
@@ -9379,7 +8909,7 @@
           </a:p>
           <a:p>
             <a:r>
-              <a:rPr lang="en-US" sz="3600" dirty="0" smtClean="0">
+              <a:rPr lang="en-US" sz="3600" dirty="0">
                 <a:solidFill>
                   <a:srgbClr val="FEFB01"/>
                 </a:solidFill>
@@ -9392,7 +8922,7 @@
           </a:p>
           <a:p>
             <a:r>
-              <a:rPr lang="en-US" sz="3600" dirty="0" smtClean="0">
+              <a:rPr lang="en-US" sz="3600" dirty="0">
                 <a:solidFill>
                   <a:srgbClr val="F5A007"/>
                 </a:solidFill>
@@ -9405,7 +8935,7 @@
           </a:p>
           <a:p>
             <a:r>
-              <a:rPr lang="en-US" sz="3600" dirty="0" smtClean="0">
+              <a:rPr lang="en-US" sz="3600" dirty="0">
                 <a:solidFill>
                   <a:srgbClr val="F21AF1"/>
                 </a:solidFill>
@@ -9415,14 +8945,6 @@
               </a:rPr>
               <a:t>None of the above</a:t>
             </a:r>
-            <a:endParaRPr lang="en-US" sz="3600" dirty="0">
-              <a:solidFill>
-                <a:srgbClr val="F21AF1"/>
-              </a:solidFill>
-              <a:latin typeface="Consolas" charset="0"/>
-              <a:ea typeface="Consolas" charset="0"/>
-              <a:cs typeface="Consolas" charset="0"/>
-            </a:endParaRPr>
           </a:p>
         </p:txBody>
       </p:sp>
@@ -9449,7 +8971,7 @@
           <a:lstStyle/>
           <a:p>
             <a:r>
-              <a:rPr lang="en-US" sz="2800" dirty="0" err="1" smtClean="0">
+              <a:rPr lang="en-US" sz="2800" dirty="0" err="1">
                 <a:latin typeface="Consolas" charset="0"/>
                 <a:ea typeface="Consolas" charset="0"/>
                 <a:cs typeface="Consolas" charset="0"/>
@@ -9457,7 +8979,7 @@
               <a:t>int</a:t>
             </a:r>
             <a:r>
-              <a:rPr lang="en-US" sz="2800" dirty="0" smtClean="0">
+              <a:rPr lang="en-US" sz="2800" dirty="0">
                 <a:latin typeface="Consolas" charset="0"/>
                 <a:ea typeface="Consolas" charset="0"/>
                 <a:cs typeface="Consolas" charset="0"/>
@@ -9467,7 +8989,7 @@
           </a:p>
           <a:p>
             <a:r>
-              <a:rPr lang="en-US" sz="2800" dirty="0" err="1" smtClean="0">
+              <a:rPr lang="en-US" sz="2800" dirty="0" err="1">
                 <a:latin typeface="Consolas" charset="0"/>
                 <a:ea typeface="Consolas" charset="0"/>
                 <a:cs typeface="Consolas" charset="0"/>
@@ -9475,7 +8997,7 @@
               <a:t>scanf</a:t>
             </a:r>
             <a:r>
-              <a:rPr lang="en-US" sz="2800" dirty="0" smtClean="0">
+              <a:rPr lang="en-US" sz="2800" dirty="0">
                 <a:latin typeface="Consolas" charset="0"/>
                 <a:ea typeface="Consolas" charset="0"/>
                 <a:cs typeface="Consolas" charset="0"/>
@@ -9485,7 +9007,7 @@
           </a:p>
           <a:p>
             <a:r>
-              <a:rPr lang="en-US" sz="2800" dirty="0" err="1" smtClean="0">
+              <a:rPr lang="en-US" sz="2800" dirty="0" err="1">
                 <a:latin typeface="Consolas" charset="0"/>
                 <a:ea typeface="Consolas" charset="0"/>
                 <a:cs typeface="Consolas" charset="0"/>
@@ -9493,7 +9015,7 @@
               <a:t>scanf</a:t>
             </a:r>
             <a:r>
-              <a:rPr lang="en-US" sz="2800" dirty="0" smtClean="0">
+              <a:rPr lang="en-US" sz="2800" dirty="0">
                 <a:latin typeface="Consolas" charset="0"/>
                 <a:ea typeface="Consolas" charset="0"/>
                 <a:cs typeface="Consolas" charset="0"/>
@@ -9503,7 +9025,7 @@
           </a:p>
           <a:p>
             <a:r>
-              <a:rPr lang="en-US" sz="2800" dirty="0" err="1" smtClean="0">
+              <a:rPr lang="en-US" sz="2800" dirty="0" err="1">
                 <a:latin typeface="Consolas" charset="0"/>
                 <a:ea typeface="Consolas" charset="0"/>
                 <a:cs typeface="Consolas" charset="0"/>
@@ -9511,18 +9033,13 @@
               <a:t>printf</a:t>
             </a:r>
             <a:r>
-              <a:rPr lang="en-US" sz="2800" dirty="0" smtClean="0">
+              <a:rPr lang="en-US" sz="2800" dirty="0">
                 <a:latin typeface="Consolas" charset="0"/>
                 <a:ea typeface="Consolas" charset="0"/>
                 <a:cs typeface="Consolas" charset="0"/>
               </a:rPr>
               <a:t>("%d %d %d", c, b, a);</a:t>
             </a:r>
-            <a:endParaRPr lang="en-US" sz="2800" dirty="0">
-              <a:latin typeface="Consolas" charset="0"/>
-              <a:ea typeface="Consolas" charset="0"/>
-              <a:cs typeface="Consolas" charset="0"/>
-            </a:endParaRPr>
           </a:p>
         </p:txBody>
       </p:sp>
@@ -9560,13 +9077,6 @@
   <p:clrMapOvr>
     <a:masterClrMapping/>
   </p:clrMapOvr>
-  <p:timing>
-    <p:tnLst>
-      <p:par>
-        <p:cTn id="1" dur="indefinite" restart="never" nodeType="tmRoot"/>
-      </p:par>
-    </p:tnLst>
-  </p:timing>
 </p:sld>
 </file>
 
@@ -9603,10 +9113,9 @@
           <a:lstStyle/>
           <a:p>
             <a:r>
-              <a:rPr lang="en-US" dirty="0" smtClean="0"/>
+              <a:rPr lang="en-US" dirty="0"/>
               <a:t>Error Checking</a:t>
             </a:r>
-            <a:endParaRPr lang="en-US" dirty="0"/>
           </a:p>
         </p:txBody>
       </p:sp>
@@ -9628,55 +9137,55 @@
           <a:lstStyle/>
           <a:p>
             <a:r>
-              <a:rPr lang="en-US" sz="2400" dirty="0" smtClean="0"/>
+              <a:rPr lang="en-US" sz="2400" dirty="0"/>
               <a:t>C compilers </a:t>
             </a:r>
             <a:r>
-              <a:rPr lang="en-US" sz="2400" u="sng" dirty="0" smtClean="0"/>
+              <a:rPr lang="en-US" sz="2400" u="sng" dirty="0"/>
               <a:t>are not required</a:t>
             </a:r>
             <a:r>
-              <a:rPr lang="en-US" sz="2400" dirty="0" smtClean="0"/>
+              <a:rPr lang="en-US" sz="2400" dirty="0"/>
               <a:t> to check that the number of conversion specifications matches the number of output items</a:t>
             </a:r>
           </a:p>
           <a:p>
             <a:r>
-              <a:rPr lang="en-US" sz="2400" dirty="0" smtClean="0"/>
+              <a:rPr lang="en-US" sz="2400" dirty="0"/>
               <a:t>C compilers </a:t>
             </a:r>
             <a:r>
-              <a:rPr lang="en-US" sz="2400" u="sng" dirty="0" smtClean="0"/>
+              <a:rPr lang="en-US" sz="2400" u="sng" dirty="0"/>
               <a:t>are not required</a:t>
             </a:r>
             <a:r>
-              <a:rPr lang="en-US" sz="2400" dirty="0" smtClean="0"/>
+              <a:rPr lang="en-US" sz="2400" dirty="0"/>
               <a:t> to check that the type of conversion specification is appropriate</a:t>
             </a:r>
           </a:p>
           <a:p>
             <a:r>
-              <a:rPr lang="en-US" sz="2400" dirty="0" smtClean="0"/>
+              <a:rPr lang="en-US" sz="2400" dirty="0"/>
               <a:t>C compilers </a:t>
             </a:r>
             <a:r>
-              <a:rPr lang="en-US" sz="2400" u="sng" dirty="0" smtClean="0"/>
+              <a:rPr lang="en-US" sz="2400" u="sng" dirty="0"/>
               <a:t>are not required</a:t>
             </a:r>
             <a:r>
-              <a:rPr lang="en-US" sz="2400" dirty="0" smtClean="0"/>
+              <a:rPr lang="en-US" sz="2400" dirty="0"/>
               <a:t> to not check for the  (usually) required &amp; in </a:t>
             </a:r>
             <a:r>
-              <a:rPr lang="en-US" sz="2400" dirty="0" err="1" smtClean="0"/>
+              <a:rPr lang="en-US" sz="2400" dirty="0" err="1"/>
               <a:t>scanf</a:t>
             </a:r>
-            <a:endParaRPr lang="en-US" sz="2400" dirty="0" smtClean="0"/>
+            <a:endParaRPr lang="en-US" sz="2400" dirty="0"/>
           </a:p>
           <a:p>
             <a:pPr lvl="1"/>
             <a:r>
-              <a:rPr lang="en-US" sz="2000" dirty="0" smtClean="0"/>
+              <a:rPr lang="en-US" sz="2000" dirty="0"/>
               <a:t>program crash, value not read, warning</a:t>
             </a:r>
           </a:p>
@@ -9716,13 +9225,6 @@
   <p:clrMapOvr>
     <a:masterClrMapping/>
   </p:clrMapOvr>
-  <p:timing>
-    <p:tnLst>
-      <p:par>
-        <p:cTn id="1" dur="indefinite" restart="never" nodeType="tmRoot"/>
-      </p:par>
-    </p:tnLst>
-  </p:timing>
 </p:sld>
 </file>
 
@@ -9759,18 +9261,17 @@
           <a:lstStyle/>
           <a:p>
             <a:r>
-              <a:rPr lang="en-US" dirty="0" smtClean="0"/>
+              <a:rPr lang="en-US" dirty="0"/>
               <a:t>How </a:t>
             </a:r>
             <a:r>
-              <a:rPr lang="en-US" dirty="0" err="1" smtClean="0"/>
+              <a:rPr lang="en-US" dirty="0" err="1"/>
               <a:t>scanf</a:t>
             </a:r>
             <a:r>
-              <a:rPr lang="en-US" dirty="0" smtClean="0"/>
+              <a:rPr lang="en-US" dirty="0"/>
               <a:t> works</a:t>
             </a:r>
-            <a:endParaRPr lang="en-US" dirty="0"/>
           </a:p>
         </p:txBody>
       </p:sp>
@@ -9792,19 +9293,19 @@
           <a:lstStyle/>
           <a:p>
             <a:r>
-              <a:rPr lang="en-US" dirty="0" smtClean="0"/>
+              <a:rPr lang="en-US" dirty="0"/>
               <a:t>Reads input data from left</a:t>
             </a:r>
           </a:p>
           <a:p>
             <a:r>
-              <a:rPr lang="en-US" dirty="0" smtClean="0"/>
+              <a:rPr lang="en-US" dirty="0"/>
               <a:t>Skips blanks</a:t>
             </a:r>
           </a:p>
           <a:p>
             <a:r>
-              <a:rPr lang="en-US" dirty="0" smtClean="0"/>
+              <a:rPr lang="en-US" dirty="0"/>
               <a:t>Reads the item until it reads a character that cannot belong to the item according to the conversion specification</a:t>
             </a:r>
           </a:p>
@@ -9813,11 +9314,11 @@
               <a:buNone/>
             </a:pPr>
             <a:r>
-              <a:rPr lang="en-US" dirty="0" smtClean="0"/>
+              <a:rPr lang="en-US" dirty="0"/>
               <a:t>			</a:t>
             </a:r>
             <a:r>
-              <a:rPr lang="en-US" dirty="0" smtClean="0">
+              <a:rPr lang="en-US" dirty="0">
                 <a:solidFill>
                   <a:srgbClr val="0B2B91"/>
                 </a:solidFill>
@@ -9831,33 +9332,33 @@
           <a:p>
             <a:pPr lvl="1"/>
             <a:r>
-              <a:rPr lang="en-US" dirty="0" smtClean="0"/>
+              <a:rPr lang="en-US" dirty="0"/>
               <a:t>In this case, the %d matches the 10 (integers don't have decimal points).</a:t>
             </a:r>
           </a:p>
           <a:p>
             <a:r>
-              <a:rPr lang="en-US" dirty="0" smtClean="0"/>
+              <a:rPr lang="en-US" dirty="0"/>
               <a:t>If successful: continues processing the format string</a:t>
             </a:r>
           </a:p>
           <a:p>
             <a:r>
-              <a:rPr lang="en-US" dirty="0" smtClean="0"/>
+              <a:rPr lang="en-US" dirty="0"/>
               <a:t>If not: returns immediately</a:t>
             </a:r>
           </a:p>
           <a:p>
             <a:r>
-              <a:rPr lang="en-US" dirty="0" smtClean="0"/>
+              <a:rPr lang="en-US" dirty="0"/>
               <a:t>If more input, belongs to next </a:t>
             </a:r>
             <a:r>
-              <a:rPr lang="en-US" dirty="0" err="1" smtClean="0"/>
+              <a:rPr lang="en-US" dirty="0" err="1"/>
               <a:t>scanf</a:t>
             </a:r>
             <a:r>
-              <a:rPr lang="en-US" dirty="0" smtClean="0"/>
+              <a:rPr lang="en-US" dirty="0"/>
               <a:t> call</a:t>
             </a:r>
           </a:p>
@@ -10340,10 +9841,9 @@
           <a:lstStyle/>
           <a:p>
             <a:r>
-              <a:rPr lang="en-US" dirty="0" smtClean="0"/>
+              <a:rPr lang="en-US" dirty="0"/>
               <a:t>Ordinary Characters</a:t>
             </a:r>
-            <a:endParaRPr lang="en-US" dirty="0"/>
           </a:p>
         </p:txBody>
       </p:sp>
@@ -10365,47 +9865,47 @@
           <a:lstStyle/>
           <a:p>
             <a:r>
-              <a:rPr lang="en-US" sz="2000" dirty="0" smtClean="0"/>
+              <a:rPr lang="en-US" sz="2000" dirty="0"/>
               <a:t>Pattern matching</a:t>
             </a:r>
           </a:p>
           <a:p>
             <a:r>
-              <a:rPr lang="en-US" sz="2000" dirty="0" smtClean="0"/>
+              <a:rPr lang="en-US" sz="2000" dirty="0"/>
               <a:t>If white space in format string: </a:t>
             </a:r>
           </a:p>
           <a:p>
             <a:pPr lvl="1"/>
             <a:r>
-              <a:rPr lang="en-US" sz="1800" dirty="0" smtClean="0"/>
+              <a:rPr lang="en-US" sz="1800" dirty="0"/>
               <a:t>keeps reading, matching with whitespaces in input</a:t>
             </a:r>
           </a:p>
           <a:p>
             <a:pPr lvl="1"/>
             <a:r>
-              <a:rPr lang="en-US" sz="1800" dirty="0" smtClean="0"/>
+              <a:rPr lang="en-US" sz="1800" dirty="0"/>
               <a:t>One white space character in format string matches any number of white spaces in input</a:t>
             </a:r>
           </a:p>
           <a:p>
             <a:r>
-              <a:rPr lang="en-US" sz="2000" dirty="0" smtClean="0"/>
+              <a:rPr lang="en-US" sz="2000" dirty="0"/>
               <a:t>If other character: </a:t>
             </a:r>
           </a:p>
           <a:p>
             <a:pPr lvl="1"/>
             <a:r>
-              <a:rPr lang="en-US" sz="1800" dirty="0" smtClean="0"/>
+              <a:rPr lang="en-US" sz="1800" dirty="0"/>
               <a:t>If matching: discards input, continue processing</a:t>
             </a:r>
           </a:p>
           <a:p>
             <a:pPr lvl="1"/>
             <a:r>
-              <a:rPr lang="en-US" sz="1800" dirty="0" smtClean="0"/>
+              <a:rPr lang="en-US" sz="1800" dirty="0"/>
               <a:t>Otherwise: aborts</a:t>
             </a:r>
           </a:p>
@@ -10445,13 +9945,6 @@
   <p:clrMapOvr>
     <a:masterClrMapping/>
   </p:clrMapOvr>
-  <p:timing>
-    <p:tnLst>
-      <p:par>
-        <p:cTn id="1" dur="indefinite" restart="never" nodeType="tmRoot"/>
-      </p:par>
-    </p:tnLst>
-  </p:timing>
 </p:sld>
 </file>
 
@@ -10488,10 +9981,9 @@
           <a:lstStyle/>
           <a:p>
             <a:r>
-              <a:rPr lang="en-US" dirty="0" smtClean="0"/>
+              <a:rPr lang="en-US" dirty="0"/>
               <a:t>Example</a:t>
             </a:r>
-            <a:endParaRPr lang="en-US" dirty="0"/>
           </a:p>
         </p:txBody>
       </p:sp>
@@ -10513,11 +10005,73 @@
           <a:lstStyle/>
           <a:p>
             <a:r>
-              <a:rPr lang="en-US" sz="2400" dirty="0" smtClean="0"/>
+              <a:rPr lang="en-US" sz="2400" dirty="0"/>
               <a:t>Format String: </a:t>
             </a:r>
             <a:r>
-              <a:rPr lang="en-US" sz="2400" dirty="0" smtClean="0">
+              <a:rPr lang="en-US" sz="2400" dirty="0">
+                <a:latin typeface="Consolas" charset="0"/>
+                <a:ea typeface="Consolas" charset="0"/>
+                <a:cs typeface="Consolas" charset="0"/>
+              </a:rPr>
+              <a:t>%d/%d</a:t>
+            </a:r>
+          </a:p>
+          <a:p>
+            <a:r>
+              <a:rPr lang="en-US" sz="2400" dirty="0"/>
+              <a:t>Input: </a:t>
+            </a:r>
+            <a:r>
+              <a:rPr lang="en-US" sz="2400" dirty="0">
+                <a:latin typeface="Consolas" charset="0"/>
+                <a:ea typeface="Consolas" charset="0"/>
+                <a:cs typeface="Consolas" charset="0"/>
+              </a:rPr>
+              <a:t>~10/~35</a:t>
+            </a:r>
+          </a:p>
+          <a:p>
+            <a:pPr lvl="1"/>
+            <a:r>
+              <a:rPr lang="en-US" sz="2000" dirty="0"/>
+              <a:t>Skip white space, match %d with 10, match / with /, skip white space, match %d with 35</a:t>
+            </a:r>
+          </a:p>
+          <a:p>
+            <a:r>
+              <a:rPr lang="en-US" sz="2400" dirty="0"/>
+              <a:t>Input: </a:t>
+            </a:r>
+            <a:r>
+              <a:rPr lang="en-US" sz="2400" dirty="0">
+                <a:latin typeface="Consolas" charset="0"/>
+                <a:ea typeface="Consolas" charset="0"/>
+                <a:cs typeface="Consolas" charset="0"/>
+              </a:rPr>
+              <a:t>~10~/~35</a:t>
+            </a:r>
+          </a:p>
+          <a:p>
+            <a:pPr lvl="1"/>
+            <a:r>
+              <a:rPr lang="en-US" sz="2000" dirty="0"/>
+              <a:t>Skip white space, match %d with 10, fail to match ~ with /, abort</a:t>
+            </a:r>
+          </a:p>
+          <a:p>
+            <a:r>
+              <a:rPr lang="en-US" sz="2400" dirty="0"/>
+              <a:t>How to allow whitespaces around /? </a:t>
+            </a:r>
+          </a:p>
+          <a:p>
+            <a:r>
+              <a:rPr lang="en-US" sz="2400" dirty="0"/>
+              <a:t>Format string: </a:t>
+            </a:r>
+            <a:r>
+              <a:rPr lang="en-US" sz="2400" dirty="0">
                 <a:latin typeface="Consolas" charset="0"/>
                 <a:ea typeface="Consolas" charset="0"/>
                 <a:cs typeface="Consolas" charset="0"/>
@@ -10525,95 +10079,7 @@
               <a:t>%</a:t>
             </a:r>
             <a:r>
-              <a:rPr lang="en-US" sz="2400" dirty="0" smtClean="0">
-                <a:latin typeface="Consolas" charset="0"/>
-                <a:ea typeface="Consolas" charset="0"/>
-                <a:cs typeface="Consolas" charset="0"/>
-              </a:rPr>
-              <a:t>d/%d</a:t>
-            </a:r>
-            <a:endParaRPr lang="en-US" sz="2400" dirty="0" smtClean="0">
-              <a:latin typeface="Consolas" charset="0"/>
-              <a:ea typeface="Consolas" charset="0"/>
-              <a:cs typeface="Consolas" charset="0"/>
-            </a:endParaRPr>
-          </a:p>
-          <a:p>
-            <a:r>
-              <a:rPr lang="en-US" sz="2400" dirty="0" smtClean="0"/>
-              <a:t>Input: </a:t>
-            </a:r>
-            <a:r>
-              <a:rPr lang="en-US" sz="2400" dirty="0" smtClean="0">
-                <a:latin typeface="Consolas" charset="0"/>
-                <a:ea typeface="Consolas" charset="0"/>
-                <a:cs typeface="Consolas" charset="0"/>
-              </a:rPr>
-              <a:t>~</a:t>
-            </a:r>
-            <a:r>
-              <a:rPr lang="en-US" sz="2400" dirty="0" smtClean="0">
-                <a:latin typeface="Consolas" charset="0"/>
-                <a:ea typeface="Consolas" charset="0"/>
-                <a:cs typeface="Consolas" charset="0"/>
-              </a:rPr>
-              <a:t>10~35</a:t>
-            </a:r>
-            <a:endParaRPr lang="en-US" sz="2400" dirty="0" smtClean="0">
-              <a:latin typeface="Consolas" charset="0"/>
-              <a:ea typeface="Consolas" charset="0"/>
-              <a:cs typeface="Consolas" charset="0"/>
-            </a:endParaRPr>
-          </a:p>
-          <a:p>
-            <a:pPr lvl="1"/>
-            <a:r>
-              <a:rPr lang="en-US" sz="2000" dirty="0" smtClean="0"/>
-              <a:t>Skip white space, match %d with 10, match / with /, skip white space, match %d with 35</a:t>
-            </a:r>
-          </a:p>
-          <a:p>
-            <a:r>
-              <a:rPr lang="en-US" sz="2400" dirty="0" smtClean="0"/>
-              <a:t>Input: </a:t>
-            </a:r>
-            <a:r>
-              <a:rPr lang="en-US" sz="2400" dirty="0" smtClean="0">
-                <a:latin typeface="Consolas" charset="0"/>
-                <a:ea typeface="Consolas" charset="0"/>
-                <a:cs typeface="Consolas" charset="0"/>
-              </a:rPr>
-              <a:t>~10~/~35</a:t>
-            </a:r>
-          </a:p>
-          <a:p>
-            <a:pPr lvl="1"/>
-            <a:r>
-              <a:rPr lang="en-US" sz="2000" dirty="0" smtClean="0"/>
-              <a:t>Skip white space, match %d with 10, fail to match ~ with /, abort</a:t>
-            </a:r>
-          </a:p>
-          <a:p>
-            <a:r>
-              <a:rPr lang="en-US" sz="2400" dirty="0" smtClean="0"/>
-              <a:t>How to allow whitespaces around /? </a:t>
-            </a:r>
-          </a:p>
-          <a:p>
-            <a:r>
-              <a:rPr lang="en-US" sz="2400" dirty="0" smtClean="0"/>
-              <a:t>Format string: </a:t>
-            </a:r>
-            <a:r>
-              <a:rPr lang="en-US" sz="2400" dirty="0" smtClean="0">
-                <a:latin typeface="Consolas" charset="0"/>
-                <a:ea typeface="Consolas" charset="0"/>
-                <a:cs typeface="Consolas" charset="0"/>
-              </a:rPr>
-              <a:t>%</a:t>
-            </a:r>
-            <a:r>
-              <a:rPr lang="en-US" sz="2400" dirty="0" err="1" smtClean="0">
+              <a:rPr lang="en-US" sz="2400" dirty="0" err="1">
                 <a:latin typeface="Consolas" charset="0"/>
                 <a:ea typeface="Consolas" charset="0"/>
                 <a:cs typeface="Consolas" charset="0"/>
@@ -10621,11 +10087,11 @@
               <a:t>d%f</a:t>
             </a:r>
             <a:r>
-              <a:rPr lang="en-US" sz="2400" dirty="0" smtClean="0"/>
+              <a:rPr lang="en-US" sz="2400" dirty="0"/>
               <a:t>	Input: </a:t>
             </a:r>
             <a:r>
-              <a:rPr lang="en-US" sz="2400" dirty="0" smtClean="0">
+              <a:rPr lang="en-US" sz="2400" dirty="0">
                 <a:latin typeface="Consolas" charset="0"/>
                 <a:ea typeface="Consolas" charset="0"/>
                 <a:cs typeface="Consolas" charset="0"/>
@@ -10634,7 +10100,7 @@
             </a:r>
           </a:p>
           <a:p>
-            <a:endParaRPr lang="en-US" dirty="0" smtClean="0"/>
+            <a:endParaRPr lang="en-US" dirty="0"/>
           </a:p>
         </p:txBody>
       </p:sp>
@@ -10669,7 +10135,7 @@
           <a:lstStyle/>
           <a:p>
             <a:r>
-              <a:rPr lang="en-US" sz="2800" i="1" dirty="0" smtClean="0">
+              <a:rPr lang="en-US" sz="2800" i="1" dirty="0">
                 <a:solidFill>
                   <a:srgbClr val="00B050"/>
                 </a:solidFill>
@@ -10680,18 +10146,13 @@
               <a:t>~ </a:t>
             </a:r>
             <a:r>
-              <a:rPr lang="en-US" sz="2800" i="1" dirty="0" smtClean="0">
+              <a:rPr lang="en-US" sz="2800" i="1" dirty="0">
                 <a:solidFill>
                   <a:srgbClr val="00B050"/>
                 </a:solidFill>
               </a:rPr>
               <a:t>: one space</a:t>
             </a:r>
-            <a:endParaRPr lang="en-US" sz="2800" i="1" dirty="0">
-              <a:solidFill>
-                <a:srgbClr val="00B050"/>
-              </a:solidFill>
-            </a:endParaRPr>
           </a:p>
         </p:txBody>
       </p:sp>
@@ -10729,13 +10190,6 @@
   <p:clrMapOvr>
     <a:masterClrMapping/>
   </p:clrMapOvr>
-  <p:timing>
-    <p:tnLst>
-      <p:par>
-        <p:cTn id="1" dur="indefinite" restart="never" nodeType="tmRoot"/>
-      </p:par>
-    </p:tnLst>
-  </p:timing>
 </p:sld>
 </file>
 
@@ -10772,10 +10226,9 @@
           <a:lstStyle/>
           <a:p>
             <a:r>
-              <a:rPr lang="en-US" dirty="0" smtClean="0"/>
+              <a:rPr lang="en-US" dirty="0"/>
               <a:t>Summary</a:t>
             </a:r>
-            <a:endParaRPr lang="en-US" dirty="0"/>
           </a:p>
         </p:txBody>
       </p:sp>
@@ -10797,38 +10250,30 @@
           <a:lstStyle/>
           <a:p>
             <a:r>
-              <a:rPr lang="en-US" sz="2800" dirty="0" err="1" smtClean="0"/>
+              <a:rPr lang="en-US" sz="2800" dirty="0" err="1"/>
               <a:t>Printf</a:t>
             </a:r>
             <a:r>
-              <a:rPr lang="en-US" sz="2800" dirty="0" smtClean="0"/>
-              <a:t> </a:t>
-            </a:r>
-            <a:r>
               <a:rPr lang="en-US" sz="2800" dirty="0"/>
-              <a:t>G</a:t>
-            </a:r>
-            <a:r>
-              <a:rPr lang="en-US" sz="2800" dirty="0" smtClean="0"/>
-              <a:t>eneral Syntax</a:t>
-            </a:r>
-          </a:p>
-          <a:p>
-            <a:r>
-              <a:rPr lang="en-US" sz="2800" dirty="0" err="1" smtClean="0"/>
+              <a:t> General Syntax</a:t>
+            </a:r>
+          </a:p>
+          <a:p>
+            <a:r>
+              <a:rPr lang="en-US" sz="2800" dirty="0" err="1"/>
               <a:t>Scanf</a:t>
             </a:r>
             <a:r>
-              <a:rPr lang="en-US" sz="2800" dirty="0" smtClean="0"/>
+              <a:rPr lang="en-US" sz="2800" dirty="0"/>
               <a:t> General Syntax</a:t>
             </a:r>
           </a:p>
           <a:p>
             <a:r>
-              <a:rPr lang="en-US" sz="2800" b="1" dirty="0" smtClean="0"/>
+              <a:rPr lang="en-US" sz="2800" b="1" dirty="0"/>
               <a:t>Common Mistakes</a:t>
             </a:r>
-            <a:endParaRPr lang="en-US" b="1" dirty="0" smtClean="0"/>
+            <a:endParaRPr lang="en-US" b="1" dirty="0"/>
           </a:p>
         </p:txBody>
       </p:sp>
@@ -10918,13 +10363,6 @@
   <p:clrMapOvr>
     <a:masterClrMapping/>
   </p:clrMapOvr>
-  <p:timing>
-    <p:tnLst>
-      <p:par>
-        <p:cTn id="1" dur="indefinite" restart="never" nodeType="tmRoot"/>
-      </p:par>
-    </p:tnLst>
-  </p:timing>
 </p:sld>
 </file>
 
@@ -10961,10 +10399,9 @@
           <a:lstStyle/>
           <a:p>
             <a:r>
-              <a:rPr lang="en-US" dirty="0" smtClean="0"/>
+              <a:rPr lang="en-US" dirty="0"/>
               <a:t>Common Mistakes</a:t>
             </a:r>
-            <a:endParaRPr lang="en-US" dirty="0"/>
           </a:p>
         </p:txBody>
       </p:sp>
@@ -10986,55 +10423,55 @@
           <a:lstStyle/>
           <a:p>
             <a:r>
-              <a:rPr lang="en-US" sz="2800" dirty="0" smtClean="0"/>
+              <a:rPr lang="en-US" sz="2800" dirty="0"/>
               <a:t>Using &amp; in </a:t>
             </a:r>
             <a:r>
-              <a:rPr lang="en-US" sz="2800" dirty="0" err="1" smtClean="0"/>
+              <a:rPr lang="en-US" sz="2800" dirty="0" err="1"/>
               <a:t>printf</a:t>
             </a:r>
-            <a:endParaRPr lang="en-US" sz="2800" dirty="0" smtClean="0"/>
-          </a:p>
-          <a:p>
-            <a:r>
-              <a:rPr lang="en-US" sz="2800" dirty="0" smtClean="0"/>
+            <a:endParaRPr lang="en-US" sz="2800" dirty="0"/>
+          </a:p>
+          <a:p>
+            <a:r>
+              <a:rPr lang="en-US" sz="2800" dirty="0"/>
               <a:t>Forgetting &amp; in </a:t>
             </a:r>
             <a:r>
-              <a:rPr lang="en-US" sz="2800" dirty="0" err="1" smtClean="0"/>
+              <a:rPr lang="en-US" sz="2800" dirty="0" err="1"/>
               <a:t>scanf</a:t>
             </a:r>
-            <a:endParaRPr lang="en-US" sz="2800" dirty="0" smtClean="0"/>
-          </a:p>
-          <a:p>
-            <a:r>
-              <a:rPr lang="en-US" sz="2800" dirty="0" smtClean="0"/>
+            <a:endParaRPr lang="en-US" sz="2800" dirty="0"/>
+          </a:p>
+          <a:p>
+            <a:r>
+              <a:rPr lang="en-US" sz="2800" dirty="0"/>
               <a:t>Using format string in </a:t>
             </a:r>
             <a:r>
-              <a:rPr lang="en-US" sz="2800" dirty="0" err="1" smtClean="0"/>
+              <a:rPr lang="en-US" sz="2800" dirty="0" err="1"/>
               <a:t>scanf</a:t>
             </a:r>
             <a:r>
-              <a:rPr lang="en-US" sz="2800" dirty="0" smtClean="0"/>
+              <a:rPr lang="en-US" sz="2800" dirty="0"/>
               <a:t> similar to </a:t>
             </a:r>
             <a:r>
-              <a:rPr lang="en-US" sz="2800" dirty="0" err="1" smtClean="0"/>
+              <a:rPr lang="en-US" sz="2800" dirty="0" err="1"/>
               <a:t>printf</a:t>
             </a:r>
-            <a:endParaRPr lang="en-US" sz="2800" dirty="0" smtClean="0"/>
-          </a:p>
-          <a:p>
-            <a:r>
-              <a:rPr lang="en-US" sz="2800" dirty="0" smtClean="0"/>
+            <a:endParaRPr lang="en-US" sz="2800" dirty="0"/>
+          </a:p>
+          <a:p>
+            <a:r>
+              <a:rPr lang="en-US" sz="2800" dirty="0"/>
               <a:t>Adding \n to </a:t>
             </a:r>
             <a:r>
-              <a:rPr lang="en-US" sz="2800" dirty="0" err="1" smtClean="0"/>
+              <a:rPr lang="en-US" sz="2800" dirty="0" err="1"/>
               <a:t>scanf</a:t>
             </a:r>
-            <a:endParaRPr lang="en-US" sz="2800" dirty="0" smtClean="0"/>
+            <a:endParaRPr lang="en-US" sz="2800" dirty="0"/>
           </a:p>
         </p:txBody>
       </p:sp>
@@ -11072,13 +10509,6 @@
   <p:clrMapOvr>
     <a:masterClrMapping/>
   </p:clrMapOvr>
-  <p:timing>
-    <p:tnLst>
-      <p:par>
-        <p:cTn id="1" dur="indefinite" restart="never" nodeType="tmRoot"/>
-      </p:par>
-    </p:tnLst>
-  </p:timing>
 </p:sld>
 </file>
 
@@ -11115,10 +10545,9 @@
           <a:lstStyle/>
           <a:p>
             <a:r>
-              <a:rPr lang="en-US" dirty="0" smtClean="0"/>
+              <a:rPr lang="en-US" dirty="0"/>
               <a:t>Summary</a:t>
             </a:r>
-            <a:endParaRPr lang="en-US" dirty="0"/>
           </a:p>
         </p:txBody>
       </p:sp>
@@ -11252,13 +10681,6 @@
   <p:clrMapOvr>
     <a:masterClrMapping/>
   </p:clrMapOvr>
-  <p:timing>
-    <p:tnLst>
-      <p:par>
-        <p:cTn id="1" dur="indefinite" restart="never" nodeType="tmRoot"/>
-      </p:par>
-    </p:tnLst>
-  </p:timing>
 </p:sld>
 </file>
 
@@ -11337,10 +10759,9 @@
           <a:lstStyle/>
           <a:p>
             <a:r>
-              <a:rPr lang="en-US" dirty="0" smtClean="0"/>
+              <a:rPr lang="en-US" dirty="0"/>
               <a:t>What do you think the following code outputs?</a:t>
             </a:r>
-            <a:endParaRPr lang="en-US" dirty="0"/>
           </a:p>
         </p:txBody>
       </p:sp>
@@ -11367,7 +10788,7 @@
           <a:lstStyle/>
           <a:p>
             <a:r>
-              <a:rPr lang="en-US" sz="3600" dirty="0" smtClean="0">
+              <a:rPr lang="en-US" sz="3600" dirty="0">
                 <a:solidFill>
                   <a:srgbClr val="0CFA02"/>
                 </a:solidFill>
@@ -11380,7 +10801,7 @@
           </a:p>
           <a:p>
             <a:r>
-              <a:rPr lang="en-US" sz="3600" dirty="0" smtClean="0">
+              <a:rPr lang="en-US" sz="3600" dirty="0">
                 <a:solidFill>
                   <a:srgbClr val="FEFB01"/>
                 </a:solidFill>
@@ -11393,7 +10814,7 @@
           </a:p>
           <a:p>
             <a:r>
-              <a:rPr lang="en-US" sz="3600" dirty="0" smtClean="0">
+              <a:rPr lang="en-US" sz="3600" dirty="0">
                 <a:solidFill>
                   <a:srgbClr val="F5A007"/>
                 </a:solidFill>
@@ -11406,7 +10827,7 @@
           </a:p>
           <a:p>
             <a:r>
-              <a:rPr lang="en-US" sz="3600" dirty="0" smtClean="0">
+              <a:rPr lang="en-US" sz="3600" dirty="0">
                 <a:solidFill>
                   <a:srgbClr val="F21AF1"/>
                 </a:solidFill>
@@ -11416,14 +10837,6 @@
               </a:rPr>
               <a:t>Your grade in 220 is 4.0</a:t>
             </a:r>
-            <a:endParaRPr lang="en-US" sz="3600" dirty="0">
-              <a:solidFill>
-                <a:srgbClr val="F21AF1"/>
-              </a:solidFill>
-              <a:latin typeface="Consolas" charset="0"/>
-              <a:ea typeface="Consolas" charset="0"/>
-              <a:cs typeface="Consolas" charset="0"/>
-            </a:endParaRPr>
           </a:p>
         </p:txBody>
       </p:sp>
@@ -11450,7 +10863,7 @@
           <a:lstStyle/>
           <a:p>
             <a:r>
-              <a:rPr lang="en-US" sz="2800" dirty="0" err="1" smtClean="0">
+              <a:rPr lang="en-US" sz="2800" dirty="0" err="1">
                 <a:latin typeface="Consolas" charset="0"/>
                 <a:ea typeface="Consolas" charset="0"/>
                 <a:cs typeface="Consolas" charset="0"/>
@@ -11458,7 +10871,7 @@
               <a:t>int</a:t>
             </a:r>
             <a:r>
-              <a:rPr lang="en-US" sz="2800" dirty="0" smtClean="0">
+              <a:rPr lang="en-US" sz="2800" dirty="0">
                 <a:latin typeface="Consolas" charset="0"/>
                 <a:ea typeface="Consolas" charset="0"/>
                 <a:cs typeface="Consolas" charset="0"/>
@@ -11468,7 +10881,7 @@
           </a:p>
           <a:p>
             <a:r>
-              <a:rPr lang="en-US" sz="2800" dirty="0" smtClean="0">
+              <a:rPr lang="en-US" sz="2800" dirty="0">
                 <a:latin typeface="Consolas" charset="0"/>
                 <a:ea typeface="Consolas" charset="0"/>
                 <a:cs typeface="Consolas" charset="0"/>
@@ -11478,7 +10891,7 @@
           </a:p>
           <a:p>
             <a:r>
-              <a:rPr lang="en-US" sz="2800" dirty="0" err="1" smtClean="0">
+              <a:rPr lang="en-US" sz="2800" dirty="0" err="1">
                 <a:latin typeface="Consolas" charset="0"/>
                 <a:ea typeface="Consolas" charset="0"/>
                 <a:cs typeface="Consolas" charset="0"/>
@@ -11486,7 +10899,7 @@
               <a:t>printf</a:t>
             </a:r>
             <a:r>
-              <a:rPr lang="en-US" sz="2800" dirty="0" smtClean="0">
+              <a:rPr lang="en-US" sz="2800" dirty="0">
                 <a:latin typeface="Consolas" charset="0"/>
                 <a:ea typeface="Consolas" charset="0"/>
                 <a:cs typeface="Consolas" charset="0"/>
@@ -11501,21 +10914,8 @@
                 <a:ea typeface="Consolas" charset="0"/>
                 <a:cs typeface="Consolas" charset="0"/>
               </a:rPr>
-              <a:t>	</a:t>
-            </a:r>
-            <a:r>
-              <a:rPr lang="en-US" sz="2800" dirty="0" smtClean="0">
-                <a:latin typeface="Consolas" charset="0"/>
-                <a:ea typeface="Consolas" charset="0"/>
-                <a:cs typeface="Consolas" charset="0"/>
-              </a:rPr>
-              <a:t>a, b); </a:t>
-            </a:r>
-            <a:endParaRPr lang="en-US" sz="2800" dirty="0">
-              <a:latin typeface="Consolas" charset="0"/>
-              <a:ea typeface="Consolas" charset="0"/>
-              <a:cs typeface="Consolas" charset="0"/>
-            </a:endParaRPr>
+              <a:t>	a, b); </a:t>
+            </a:r>
           </a:p>
         </p:txBody>
       </p:sp>
@@ -11553,13 +10953,6 @@
   <p:clrMapOvr>
     <a:masterClrMapping/>
   </p:clrMapOvr>
-  <p:timing>
-    <p:tnLst>
-      <p:par>
-        <p:cTn id="1" dur="indefinite" restart="never" nodeType="tmRoot"/>
-      </p:par>
-    </p:tnLst>
-  </p:timing>
 </p:sld>
 </file>
 
@@ -11596,10 +10989,9 @@
           <a:lstStyle/>
           <a:p>
             <a:r>
-              <a:rPr lang="en-US" dirty="0" smtClean="0"/>
+              <a:rPr lang="en-US" dirty="0"/>
               <a:t>Printing output</a:t>
             </a:r>
-            <a:endParaRPr lang="en-US" dirty="0"/>
           </a:p>
         </p:txBody>
       </p:sp>
@@ -11626,28 +11018,28 @@
           <a:lstStyle/>
           <a:p>
             <a:r>
-              <a:rPr lang="en-US" sz="2000" dirty="0" err="1" smtClean="0"/>
+              <a:rPr lang="en-US" sz="2000" dirty="0" err="1"/>
               <a:t>printf</a:t>
             </a:r>
             <a:r>
-              <a:rPr lang="en-US" sz="2000" dirty="0" smtClean="0"/>
+              <a:rPr lang="en-US" sz="2000" dirty="0"/>
               <a:t>: used to print output to screen</a:t>
             </a:r>
           </a:p>
           <a:p>
             <a:r>
-              <a:rPr lang="en-US" sz="2000" dirty="0" smtClean="0"/>
+              <a:rPr lang="en-US" sz="2000" dirty="0"/>
               <a:t>Defined in </a:t>
             </a:r>
             <a:r>
-              <a:rPr lang="en-US" sz="2000" dirty="0" err="1" smtClean="0"/>
+              <a:rPr lang="en-US" sz="2000" dirty="0" err="1"/>
               <a:t>stdio.h</a:t>
             </a:r>
-            <a:endParaRPr lang="en-US" sz="2000" dirty="0" smtClean="0"/>
-          </a:p>
-          <a:p>
-            <a:r>
-              <a:rPr lang="en-US" sz="2000" dirty="0" smtClean="0"/>
+            <a:endParaRPr lang="en-US" sz="2000" dirty="0"/>
+          </a:p>
+          <a:p>
+            <a:r>
+              <a:rPr lang="en-US" sz="2000" dirty="0"/>
               <a:t>Usage:</a:t>
             </a:r>
           </a:p>
@@ -11656,7 +11048,7 @@
               <a:buNone/>
             </a:pPr>
             <a:r>
-              <a:rPr lang="en-US" sz="2000" dirty="0" smtClean="0">
+              <a:rPr lang="en-US" sz="2000" dirty="0">
                 <a:latin typeface="Consolas" charset="0"/>
                 <a:ea typeface="Consolas" charset="0"/>
                 <a:cs typeface="Consolas" charset="0"/>
@@ -11664,7 +11056,7 @@
               <a:t>	</a:t>
             </a:r>
             <a:r>
-              <a:rPr lang="en-US" sz="2000" dirty="0" err="1" smtClean="0">
+              <a:rPr lang="en-US" sz="2000" dirty="0" err="1">
                 <a:solidFill>
                   <a:srgbClr val="000099"/>
                 </a:solidFill>
@@ -11675,7 +11067,7 @@
               <a:t>printf</a:t>
             </a:r>
             <a:r>
-              <a:rPr lang="en-US" sz="2000" dirty="0" smtClean="0">
+              <a:rPr lang="en-US" sz="2000" dirty="0">
                 <a:solidFill>
                   <a:srgbClr val="000099"/>
                 </a:solidFill>
@@ -11686,7 +11078,7 @@
               <a:t>(</a:t>
             </a:r>
             <a:r>
-              <a:rPr lang="en-US" sz="2000" dirty="0" err="1" smtClean="0">
+              <a:rPr lang="en-US" sz="2000" dirty="0" err="1">
                 <a:solidFill>
                   <a:srgbClr val="000099"/>
                 </a:solidFill>
@@ -11697,7 +11089,7 @@
               <a:t>format_string</a:t>
             </a:r>
             <a:r>
-              <a:rPr lang="en-US" sz="2000" dirty="0" smtClean="0">
+              <a:rPr lang="en-US" sz="2000" dirty="0">
                 <a:solidFill>
                   <a:srgbClr val="000099"/>
                 </a:solidFill>
@@ -11712,11 +11104,11 @@
             <a:pPr>
               <a:buNone/>
             </a:pPr>
-            <a:endParaRPr lang="en-US" sz="2000" dirty="0" smtClean="0"/>
-          </a:p>
-          <a:p>
-            <a:r>
-              <a:rPr lang="en-US" sz="2000" dirty="0" smtClean="0"/>
+            <a:endParaRPr lang="en-US" sz="2000" dirty="0"/>
+          </a:p>
+          <a:p>
+            <a:r>
+              <a:rPr lang="en-US" sz="2000" dirty="0"/>
               <a:t>No limit on the number of expressions</a:t>
             </a:r>
           </a:p>
@@ -11756,13 +11148,6 @@
   <p:clrMapOvr>
     <a:masterClrMapping/>
   </p:clrMapOvr>
-  <p:timing>
-    <p:tnLst>
-      <p:par>
-        <p:cTn id="1" dur="indefinite" restart="never" nodeType="tmRoot"/>
-      </p:par>
-    </p:tnLst>
-  </p:timing>
 </p:sld>
 </file>
 
@@ -11799,10 +11184,9 @@
           <a:lstStyle/>
           <a:p>
             <a:r>
-              <a:rPr lang="en-US" dirty="0" smtClean="0"/>
+              <a:rPr lang="en-US" dirty="0"/>
               <a:t>Expressions</a:t>
             </a:r>
-            <a:endParaRPr lang="en-US" dirty="0"/>
           </a:p>
         </p:txBody>
       </p:sp>
@@ -11832,7 +11216,7 @@
               <a:buNone/>
             </a:pPr>
             <a:r>
-              <a:rPr lang="en-US" sz="2000" dirty="0" err="1" smtClean="0">
+              <a:rPr lang="en-US" sz="2000" dirty="0" err="1">
                 <a:latin typeface="Consolas" charset="0"/>
                 <a:ea typeface="Consolas" charset="0"/>
                 <a:cs typeface="Consolas" charset="0"/>
@@ -11840,7 +11224,7 @@
               <a:t>printf</a:t>
             </a:r>
             <a:r>
-              <a:rPr lang="en-US" sz="2000" dirty="0" smtClean="0">
+              <a:rPr lang="en-US" sz="2000" dirty="0">
                 <a:latin typeface="Consolas" charset="0"/>
                 <a:ea typeface="Consolas" charset="0"/>
                 <a:cs typeface="Consolas" charset="0"/>
@@ -11848,7 +11232,7 @@
               <a:t>(</a:t>
             </a:r>
             <a:r>
-              <a:rPr lang="en-US" sz="2000" dirty="0" err="1" smtClean="0">
+              <a:rPr lang="en-US" sz="2000" dirty="0" err="1">
                 <a:latin typeface="Consolas" charset="0"/>
                 <a:ea typeface="Consolas" charset="0"/>
                 <a:cs typeface="Consolas" charset="0"/>
@@ -11856,7 +11240,7 @@
               <a:t>format_string</a:t>
             </a:r>
             <a:r>
-              <a:rPr lang="en-US" sz="2000" dirty="0" smtClean="0">
+              <a:rPr lang="en-US" sz="2000" dirty="0">
                 <a:latin typeface="Consolas" charset="0"/>
                 <a:ea typeface="Consolas" charset="0"/>
                 <a:cs typeface="Consolas" charset="0"/>
@@ -11864,7 +11248,7 @@
               <a:t>, </a:t>
             </a:r>
             <a:r>
-              <a:rPr lang="en-US" sz="2000" dirty="0" smtClean="0">
+              <a:rPr lang="en-US" sz="2000" dirty="0">
                 <a:solidFill>
                   <a:srgbClr val="0B2B91"/>
                 </a:solidFill>
@@ -11875,23 +11259,23 @@
               <a:t>expr1, expr2, expr3</a:t>
             </a:r>
             <a:r>
-              <a:rPr lang="en-US" sz="2000" dirty="0" smtClean="0">
+              <a:rPr lang="en-US" sz="2000" dirty="0">
                 <a:latin typeface="Consolas" charset="0"/>
                 <a:ea typeface="Consolas" charset="0"/>
                 <a:cs typeface="Consolas" charset="0"/>
               </a:rPr>
               <a:t>, …); </a:t>
             </a:r>
-            <a:endParaRPr lang="en-US" sz="2000" dirty="0" smtClean="0"/>
-          </a:p>
-          <a:p>
-            <a:r>
-              <a:rPr lang="en-US" sz="2000" dirty="0" smtClean="0"/>
+            <a:endParaRPr lang="en-US" sz="2000" dirty="0"/>
+          </a:p>
+          <a:p>
+            <a:r>
+              <a:rPr lang="en-US" sz="2000" dirty="0"/>
               <a:t>expr1, expr2, …: constants, variables, complicated expressions</a:t>
             </a:r>
           </a:p>
           <a:p>
-            <a:endParaRPr lang="en-US" sz="2000" dirty="0" smtClean="0"/>
+            <a:endParaRPr lang="en-US" sz="2000" dirty="0"/>
           </a:p>
           <a:p>
             <a:pPr marL="0" indent="0">
@@ -11901,7 +11285,7 @@
               <a:buNone/>
             </a:pPr>
             <a:r>
-              <a:rPr lang="en-US" dirty="0" err="1" smtClean="0">
+              <a:rPr lang="en-US" dirty="0" err="1">
                 <a:latin typeface="Consolas" charset="0"/>
                 <a:ea typeface="Consolas" charset="0"/>
                 <a:cs typeface="Consolas" charset="0"/>
@@ -11909,7 +11293,7 @@
               <a:t>printf</a:t>
             </a:r>
             <a:r>
-              <a:rPr lang="en-US" dirty="0" smtClean="0">
+              <a:rPr lang="en-US" dirty="0">
                 <a:latin typeface="Consolas" charset="0"/>
                 <a:ea typeface="Consolas" charset="0"/>
                 <a:cs typeface="Consolas" charset="0"/>
@@ -11917,7 +11301,7 @@
               <a:t>(“The value of </a:t>
             </a:r>
             <a:r>
-              <a:rPr lang="en-US" dirty="0" smtClean="0">
+              <a:rPr lang="en-US" dirty="0">
                 <a:solidFill>
                   <a:srgbClr val="00B050"/>
                 </a:solidFill>
@@ -11928,7 +11312,7 @@
               <a:t>%d</a:t>
             </a:r>
             <a:r>
-              <a:rPr lang="en-US" dirty="0" smtClean="0">
+              <a:rPr lang="en-US" dirty="0">
                 <a:latin typeface="Consolas" charset="0"/>
                 <a:ea typeface="Consolas" charset="0"/>
                 <a:cs typeface="Consolas" charset="0"/>
@@ -11936,7 +11320,7 @@
               <a:t> multiplied by </a:t>
             </a:r>
             <a:r>
-              <a:rPr lang="en-US" dirty="0" smtClean="0">
+              <a:rPr lang="en-US" dirty="0">
                 <a:solidFill>
                   <a:srgbClr val="00B050"/>
                 </a:solidFill>
@@ -11947,7 +11331,7 @@
               <a:t>%f</a:t>
             </a:r>
             <a:r>
-              <a:rPr lang="en-US" dirty="0" smtClean="0">
+              <a:rPr lang="en-US" dirty="0">
                 <a:latin typeface="Consolas" charset="0"/>
                 <a:ea typeface="Consolas" charset="0"/>
                 <a:cs typeface="Consolas" charset="0"/>
@@ -11955,7 +11339,7 @@
               <a:t> is </a:t>
             </a:r>
             <a:r>
-              <a:rPr lang="en-US" dirty="0" smtClean="0">
+              <a:rPr lang="en-US" dirty="0">
                 <a:solidFill>
                   <a:srgbClr val="00B050"/>
                 </a:solidFill>
@@ -11966,7 +11350,7 @@
               <a:t>%f</a:t>
             </a:r>
             <a:r>
-              <a:rPr lang="en-US" dirty="0" smtClean="0">
+              <a:rPr lang="en-US" dirty="0">
                 <a:latin typeface="Consolas" charset="0"/>
                 <a:ea typeface="Consolas" charset="0"/>
                 <a:cs typeface="Consolas" charset="0"/>
@@ -11993,7 +11377,7 @@
               <a:t>	</a:t>
             </a:r>
             <a:r>
-              <a:rPr lang="en-US" dirty="0" smtClean="0">
+              <a:rPr lang="en-US" dirty="0">
                 <a:solidFill>
                   <a:srgbClr val="00B050"/>
                 </a:solidFill>
@@ -12004,7 +11388,7 @@
               <a:t>2</a:t>
             </a:r>
             <a:r>
-              <a:rPr lang="en-US" dirty="0" smtClean="0">
+              <a:rPr lang="en-US" dirty="0">
                 <a:latin typeface="Consolas" charset="0"/>
                 <a:ea typeface="Consolas" charset="0"/>
                 <a:cs typeface="Consolas" charset="0"/>
@@ -12012,7 +11396,7 @@
               <a:t>, </a:t>
             </a:r>
             <a:r>
-              <a:rPr lang="en-US" dirty="0" smtClean="0">
+              <a:rPr lang="en-US" dirty="0">
                 <a:solidFill>
                   <a:srgbClr val="00B050"/>
                 </a:solidFill>
@@ -12023,7 +11407,7 @@
               <a:t>PI, (2*PI) </a:t>
             </a:r>
             <a:r>
-              <a:rPr lang="en-US" dirty="0" smtClean="0">
+              <a:rPr lang="en-US" dirty="0">
                 <a:latin typeface="Consolas" charset="0"/>
                 <a:ea typeface="Consolas" charset="0"/>
                 <a:cs typeface="Consolas" charset="0"/>
@@ -12035,13 +11419,13 @@
             <a:pPr>
               <a:buNone/>
             </a:pPr>
-            <a:endParaRPr lang="en-US" dirty="0" smtClean="0"/>
+            <a:endParaRPr lang="en-US" dirty="0"/>
           </a:p>
           <a:p>
             <a:pPr>
               <a:buNone/>
             </a:pPr>
-            <a:endParaRPr lang="en-US" dirty="0" smtClean="0"/>
+            <a:endParaRPr lang="en-US" dirty="0"/>
           </a:p>
         </p:txBody>
       </p:sp>
@@ -12079,13 +11463,6 @@
   <p:clrMapOvr>
     <a:masterClrMapping/>
   </p:clrMapOvr>
-  <p:timing>
-    <p:tnLst>
-      <p:par>
-        <p:cTn id="1" dur="indefinite" restart="never" nodeType="tmRoot"/>
-      </p:par>
-    </p:tnLst>
-  </p:timing>
 </p:sld>
 </file>
 
@@ -12122,10 +11499,9 @@
           <a:lstStyle/>
           <a:p>
             <a:r>
-              <a:rPr lang="en-US" dirty="0" smtClean="0"/>
+              <a:rPr lang="en-US" dirty="0"/>
               <a:t>Format String</a:t>
             </a:r>
-            <a:endParaRPr lang="en-US" dirty="0"/>
           </a:p>
         </p:txBody>
       </p:sp>
@@ -12155,7 +11531,7 @@
               <a:buNone/>
             </a:pPr>
             <a:r>
-              <a:rPr lang="en-US" sz="3200" dirty="0" err="1" smtClean="0">
+              <a:rPr lang="en-US" sz="3200" dirty="0" err="1">
                 <a:latin typeface="Consolas" charset="0"/>
                 <a:ea typeface="Consolas" charset="0"/>
                 <a:cs typeface="Consolas" charset="0"/>
@@ -12163,7 +11539,7 @@
               <a:t>printf</a:t>
             </a:r>
             <a:r>
-              <a:rPr lang="en-US" sz="3200" dirty="0" smtClean="0">
+              <a:rPr lang="en-US" sz="3200" dirty="0">
                 <a:latin typeface="Consolas" charset="0"/>
                 <a:ea typeface="Consolas" charset="0"/>
                 <a:cs typeface="Consolas" charset="0"/>
@@ -12171,7 +11547,7 @@
               <a:t>(</a:t>
             </a:r>
             <a:r>
-              <a:rPr lang="en-US" sz="3200" dirty="0" err="1" smtClean="0">
+              <a:rPr lang="en-US" sz="3200" dirty="0" err="1">
                 <a:solidFill>
                   <a:srgbClr val="000099"/>
                 </a:solidFill>
@@ -12182,7 +11558,7 @@
               <a:t>format_string</a:t>
             </a:r>
             <a:r>
-              <a:rPr lang="en-US" sz="3200" dirty="0" smtClean="0">
+              <a:rPr lang="en-US" sz="3200" dirty="0">
                 <a:latin typeface="Consolas" charset="0"/>
                 <a:ea typeface="Consolas" charset="0"/>
                 <a:cs typeface="Consolas" charset="0"/>
@@ -12194,31 +11570,31 @@
             <a:pPr>
               <a:buNone/>
             </a:pPr>
-            <a:endParaRPr lang="en-US" sz="2000" dirty="0" smtClean="0"/>
-          </a:p>
-          <a:p>
-            <a:r>
-              <a:rPr lang="en-US" sz="2000" dirty="0" smtClean="0"/>
+            <a:endParaRPr lang="en-US" sz="2000" dirty="0"/>
+          </a:p>
+          <a:p>
+            <a:r>
+              <a:rPr lang="en-US" sz="2000" dirty="0"/>
               <a:t>Contains: ordinary characters and conversion characters:</a:t>
             </a:r>
           </a:p>
           <a:p>
             <a:r>
-              <a:rPr lang="en-US" sz="2000" dirty="0" smtClean="0"/>
+              <a:rPr lang="en-US" sz="2000" dirty="0"/>
               <a:t>Conversion characters: </a:t>
             </a:r>
           </a:p>
           <a:p>
             <a:pPr lvl="1"/>
             <a:r>
-              <a:rPr lang="en-US" sz="1800" dirty="0" smtClean="0"/>
+              <a:rPr lang="en-US" sz="1800" dirty="0"/>
               <a:t>placeholder for a value to be filled</a:t>
             </a:r>
           </a:p>
           <a:p>
             <a:pPr lvl="1"/>
             <a:r>
-              <a:rPr lang="en-US" sz="1800" dirty="0" smtClean="0"/>
+              <a:rPr lang="en-US" sz="1800" dirty="0"/>
               <a:t>specifies how to convert the value into printed form</a:t>
             </a:r>
           </a:p>
@@ -12226,14 +11602,14 @@
             <a:pPr lvl="1">
               <a:buNone/>
             </a:pPr>
-            <a:endParaRPr lang="en-US" sz="1800" dirty="0" smtClean="0"/>
+            <a:endParaRPr lang="en-US" sz="1800" dirty="0"/>
           </a:p>
           <a:p>
             <a:pPr>
               <a:buNone/>
             </a:pPr>
             <a:r>
-              <a:rPr lang="en-US" sz="1600" dirty="0" err="1" smtClean="0">
+              <a:rPr lang="en-US" sz="1600" dirty="0" err="1">
                 <a:latin typeface="Consolas" charset="0"/>
                 <a:ea typeface="Consolas" charset="0"/>
                 <a:cs typeface="Consolas" charset="0"/>
@@ -12241,7 +11617,7 @@
               <a:t>printf</a:t>
             </a:r>
             <a:r>
-              <a:rPr lang="en-US" sz="1600" dirty="0" smtClean="0">
+              <a:rPr lang="en-US" sz="1600" dirty="0">
                 <a:latin typeface="Consolas" charset="0"/>
                 <a:ea typeface="Consolas" charset="0"/>
                 <a:cs typeface="Consolas" charset="0"/>
@@ -12249,7 +11625,7 @@
               <a:t>(“</a:t>
             </a:r>
             <a:r>
-              <a:rPr lang="en-US" sz="1600" dirty="0" smtClean="0">
+              <a:rPr lang="en-US" sz="1600" dirty="0">
                 <a:solidFill>
                   <a:srgbClr val="000099"/>
                 </a:solidFill>
@@ -12260,7 +11636,7 @@
               <a:t>The value of %d multiplied by %f is %f\n</a:t>
             </a:r>
             <a:r>
-              <a:rPr lang="en-US" sz="1600" dirty="0" smtClean="0">
+              <a:rPr lang="en-US" sz="1600" dirty="0">
                 <a:latin typeface="Consolas" charset="0"/>
                 <a:ea typeface="Consolas" charset="0"/>
                 <a:cs typeface="Consolas" charset="0"/>
@@ -12272,13 +11648,13 @@
             <a:pPr>
               <a:buNone/>
             </a:pPr>
-            <a:endParaRPr lang="en-US" sz="2000" dirty="0" smtClean="0"/>
+            <a:endParaRPr lang="en-US" sz="2000" dirty="0"/>
           </a:p>
           <a:p>
             <a:pPr>
               <a:buNone/>
             </a:pPr>
-            <a:endParaRPr lang="en-US" sz="2000" dirty="0" smtClean="0"/>
+            <a:endParaRPr lang="en-US" sz="2000" dirty="0"/>
           </a:p>
         </p:txBody>
       </p:sp>
@@ -12316,13 +11692,6 @@
   <p:clrMapOvr>
     <a:masterClrMapping/>
   </p:clrMapOvr>
-  <p:timing>
-    <p:tnLst>
-      <p:par>
-        <p:cTn id="1" dur="indefinite" restart="never" nodeType="tmRoot"/>
-      </p:par>
-    </p:tnLst>
-  </p:timing>
 </p:sld>
 </file>
 
@@ -12359,10 +11728,9 @@
           <a:lstStyle/>
           <a:p>
             <a:r>
-              <a:rPr lang="en-US" dirty="0" smtClean="0"/>
+              <a:rPr lang="en-US" dirty="0"/>
               <a:t>Conversion Specification</a:t>
             </a:r>
-            <a:endParaRPr lang="en-US" dirty="0"/>
           </a:p>
         </p:txBody>
       </p:sp>
@@ -12392,7 +11760,7 @@
               <a:buNone/>
             </a:pPr>
             <a:r>
-              <a:rPr lang="en-US" dirty="0" smtClean="0"/>
+              <a:rPr lang="en-US" dirty="0"/>
               <a:t>General format: </a:t>
             </a:r>
           </a:p>
@@ -12400,22 +11768,22 @@
             <a:pPr>
               <a:buNone/>
             </a:pPr>
-            <a:endParaRPr lang="en-US" dirty="0" smtClean="0"/>
+            <a:endParaRPr lang="en-US" dirty="0"/>
           </a:p>
           <a:p>
             <a:pPr>
               <a:buNone/>
             </a:pPr>
-            <a:endParaRPr lang="en-US" dirty="0" smtClean="0"/>
+            <a:endParaRPr lang="en-US" dirty="0"/>
           </a:p>
           <a:p>
             <a:pPr>
               <a:buNone/>
             </a:pPr>
-            <a:endParaRPr lang="en-US" dirty="0" smtClean="0"/>
-          </a:p>
-          <a:p>
-            <a:endParaRPr lang="en-US" dirty="0" smtClean="0"/>
+            <a:endParaRPr lang="en-US" dirty="0"/>
+          </a:p>
+          <a:p>
+            <a:endParaRPr lang="en-US" dirty="0"/>
           </a:p>
         </p:txBody>
       </p:sp>
@@ -12425,9 +11793,7 @@
           <p:cNvGraphicFramePr>
             <a:graphicFrameLocks noGrp="1"/>
           </p:cNvGraphicFramePr>
-          <p:nvPr>
-            <p:extLst/>
-          </p:nvPr>
+          <p:nvPr/>
         </p:nvGraphicFramePr>
         <p:xfrm>
           <a:off x="2514600" y="2590800"/>
@@ -12440,11 +11806,41 @@
                 <a:tableStyleId>{5C22544A-7EE6-4342-B048-85BDC9FD1C3A}</a:tableStyleId>
               </a:tblPr>
               <a:tblGrid>
-                <a:gridCol w="548639"/>
-                <a:gridCol w="1448039"/>
-                <a:gridCol w="598390"/>
-                <a:gridCol w="629107"/>
-                <a:gridCol w="707745"/>
+                <a:gridCol w="548639">
+                  <a:extLst>
+                    <a:ext uri="{9D8B030D-6E8A-4147-A177-3AD203B41FA5}">
+                      <a16:colId xmlns:a16="http://schemas.microsoft.com/office/drawing/2014/main" val="20000"/>
+                    </a:ext>
+                  </a:extLst>
+                </a:gridCol>
+                <a:gridCol w="1448039">
+                  <a:extLst>
+                    <a:ext uri="{9D8B030D-6E8A-4147-A177-3AD203B41FA5}">
+                      <a16:colId xmlns:a16="http://schemas.microsoft.com/office/drawing/2014/main" val="20001"/>
+                    </a:ext>
+                  </a:extLst>
+                </a:gridCol>
+                <a:gridCol w="598390">
+                  <a:extLst>
+                    <a:ext uri="{9D8B030D-6E8A-4147-A177-3AD203B41FA5}">
+                      <a16:colId xmlns:a16="http://schemas.microsoft.com/office/drawing/2014/main" val="20002"/>
+                    </a:ext>
+                  </a:extLst>
+                </a:gridCol>
+                <a:gridCol w="629107">
+                  <a:extLst>
+                    <a:ext uri="{9D8B030D-6E8A-4147-A177-3AD203B41FA5}">
+                      <a16:colId xmlns:a16="http://schemas.microsoft.com/office/drawing/2014/main" val="20003"/>
+                    </a:ext>
+                  </a:extLst>
+                </a:gridCol>
+                <a:gridCol w="707745">
+                  <a:extLst>
+                    <a:ext uri="{9D8B030D-6E8A-4147-A177-3AD203B41FA5}">
+                      <a16:colId xmlns:a16="http://schemas.microsoft.com/office/drawing/2014/main" val="20004"/>
+                    </a:ext>
+                  </a:extLst>
+                </a:gridCol>
               </a:tblGrid>
               <a:tr h="0">
                 <a:tc>
@@ -12454,18 +11850,13 @@
                     <a:p>
                       <a:pPr algn="ctr"/>
                       <a:r>
-                        <a:rPr lang="en-US" sz="2400" dirty="0" smtClean="0">
+                        <a:rPr lang="en-US" sz="2400" dirty="0">
                           <a:solidFill>
                             <a:srgbClr val="0B2B91"/>
                           </a:solidFill>
                         </a:rPr>
                         <a:t>%</a:t>
                       </a:r>
-                      <a:endParaRPr lang="en-US" sz="2400" dirty="0">
-                        <a:solidFill>
-                          <a:srgbClr val="0B2B91"/>
-                        </a:solidFill>
-                      </a:endParaRPr>
                     </a:p>
                   </a:txBody>
                   <a:tcPr>
@@ -12481,18 +11872,13 @@
                     <a:p>
                       <a:pPr algn="ctr"/>
                       <a:r>
-                        <a:rPr lang="en-US" sz="2400" dirty="0" smtClean="0">
+                        <a:rPr lang="en-US" sz="2400" dirty="0">
                           <a:solidFill>
                             <a:srgbClr val="0B2B91"/>
                           </a:solidFill>
                         </a:rPr>
                         <a:t>- +  0</a:t>
                       </a:r>
-                      <a:endParaRPr lang="en-US" sz="2400" dirty="0">
-                        <a:solidFill>
-                          <a:srgbClr val="0B2B91"/>
-                        </a:solidFill>
-                      </a:endParaRPr>
                     </a:p>
                   </a:txBody>
                   <a:tcPr>
@@ -12508,18 +11894,13 @@
                     <a:p>
                       <a:pPr algn="ctr"/>
                       <a:r>
-                        <a:rPr lang="en-US" sz="2400" dirty="0" smtClean="0">
+                        <a:rPr lang="en-US" sz="2400" dirty="0">
                           <a:solidFill>
                             <a:srgbClr val="0B2B91"/>
                           </a:solidFill>
                         </a:rPr>
                         <a:t>m</a:t>
                       </a:r>
-                      <a:endParaRPr lang="en-US" sz="2400" dirty="0">
-                        <a:solidFill>
-                          <a:srgbClr val="0B2B91"/>
-                        </a:solidFill>
-                      </a:endParaRPr>
                     </a:p>
                   </a:txBody>
                   <a:tcPr>
@@ -12535,18 +11916,13 @@
                     <a:p>
                       <a:pPr algn="ctr"/>
                       <a:r>
-                        <a:rPr lang="en-US" sz="2400" dirty="0" smtClean="0">
+                        <a:rPr lang="en-US" sz="2400" dirty="0">
                           <a:solidFill>
                             <a:srgbClr val="0B2B91"/>
                           </a:solidFill>
                         </a:rPr>
                         <a:t>.p</a:t>
                       </a:r>
-                      <a:endParaRPr lang="en-US" sz="2400" dirty="0">
-                        <a:solidFill>
-                          <a:srgbClr val="0B2B91"/>
-                        </a:solidFill>
-                      </a:endParaRPr>
                     </a:p>
                   </a:txBody>
                   <a:tcPr>
@@ -12562,18 +11938,13 @@
                     <a:p>
                       <a:pPr algn="ctr"/>
                       <a:r>
-                        <a:rPr lang="en-US" sz="2400" dirty="0" smtClean="0">
+                        <a:rPr lang="en-US" sz="2400" dirty="0">
                           <a:solidFill>
                             <a:srgbClr val="0B2B91"/>
                           </a:solidFill>
                         </a:rPr>
                         <a:t>X</a:t>
                       </a:r>
-                      <a:endParaRPr lang="en-US" sz="2400" dirty="0">
-                        <a:solidFill>
-                          <a:srgbClr val="0B2B91"/>
-                        </a:solidFill>
-                      </a:endParaRPr>
                     </a:p>
                   </a:txBody>
                   <a:tcPr>
@@ -12582,6 +11953,11 @@
                     </a:solidFill>
                   </a:tcPr>
                 </a:tc>
+                <a:extLst>
+                  <a:ext uri="{0D108BD9-81ED-4DB2-BD59-A6C34878D82A}">
+                    <a16:rowId xmlns:a16="http://schemas.microsoft.com/office/drawing/2014/main" val="10000"/>
+                  </a:ext>
+                </a:extLst>
               </a:tr>
             </a:tbl>
           </a:graphicData>
@@ -12616,10 +11992,9 @@
           <a:lstStyle/>
           <a:p>
             <a:r>
-              <a:rPr lang="en-US" sz="2400" dirty="0" smtClean="0"/>
+              <a:rPr lang="en-US" sz="2400" dirty="0"/>
               <a:t>Start of the specifier</a:t>
             </a:r>
-            <a:endParaRPr lang="en-US" sz="2400" dirty="0"/>
           </a:p>
         </p:txBody>
       </p:sp>
@@ -12652,7 +12027,7 @@
           <a:lstStyle/>
           <a:p>
             <a:r>
-              <a:rPr lang="en-US" sz="2400" dirty="0" smtClean="0"/>
+              <a:rPr lang="en-US" sz="2400" dirty="0"/>
               <a:t>Flags</a:t>
             </a:r>
             <a:endParaRPr lang="en-US" sz="3200" dirty="0"/>
@@ -12688,10 +12063,9 @@
           <a:lstStyle/>
           <a:p>
             <a:r>
-              <a:rPr lang="en-US" sz="2400" dirty="0" smtClean="0"/>
+              <a:rPr lang="en-US" sz="2400" dirty="0"/>
               <a:t>Minimum width of the field</a:t>
             </a:r>
-            <a:endParaRPr lang="en-US" sz="2400" dirty="0"/>
           </a:p>
         </p:txBody>
       </p:sp>
@@ -12724,7 +12098,7 @@
           <a:lstStyle/>
           <a:p>
             <a:r>
-              <a:rPr lang="en-US" sz="2400" dirty="0" smtClean="0"/>
+              <a:rPr lang="en-US" sz="2400" dirty="0"/>
               <a:t>Precision</a:t>
             </a:r>
             <a:endParaRPr lang="en-US" sz="3200" dirty="0"/>
@@ -12760,10 +12134,9 @@
           <a:lstStyle/>
           <a:p>
             <a:r>
-              <a:rPr lang="en-US" sz="2400" dirty="0" smtClean="0"/>
+              <a:rPr lang="en-US" sz="2400" dirty="0"/>
               <a:t>Conversion type</a:t>
             </a:r>
-            <a:endParaRPr lang="en-US" sz="2400" dirty="0"/>
           </a:p>
         </p:txBody>
       </p:sp>
@@ -12981,7 +12354,7 @@
           <a:lstStyle/>
           <a:p>
             <a:r>
-              <a:rPr lang="en-US" sz="2800" dirty="0" err="1" smtClean="0">
+              <a:rPr lang="en-US" sz="2800" dirty="0" err="1">
                 <a:solidFill>
                   <a:srgbClr val="000099"/>
                 </a:solidFill>
@@ -12990,41 +12363,6 @@
                 <a:cs typeface="Consolas" charset="0"/>
               </a:rPr>
               <a:t>printf</a:t>
-            </a:r>
-            <a:r>
-              <a:rPr lang="en-US" sz="2800" dirty="0" smtClean="0">
-                <a:solidFill>
-                  <a:srgbClr val="000099"/>
-                </a:solidFill>
-                <a:latin typeface="Consolas" charset="0"/>
-                <a:ea typeface="Consolas" charset="0"/>
-                <a:cs typeface="Consolas" charset="0"/>
-              </a:rPr>
-              <a:t>(“Your score is: %-4d”, x);</a:t>
-            </a:r>
-          </a:p>
-          <a:p>
-            <a:r>
-              <a:rPr lang="en-US" sz="2800" dirty="0" err="1" smtClean="0">
-                <a:solidFill>
-                  <a:srgbClr val="000099"/>
-                </a:solidFill>
-                <a:latin typeface="Consolas" charset="0"/>
-                <a:ea typeface="Consolas" charset="0"/>
-                <a:cs typeface="Consolas" charset="0"/>
-              </a:rPr>
-              <a:t>printf</a:t>
-            </a:r>
-            <a:r>
-              <a:rPr lang="en-US" sz="2800" dirty="0" smtClean="0">
-                <a:solidFill>
-                  <a:srgbClr val="000099"/>
-                </a:solidFill>
-                <a:latin typeface="Consolas" charset="0"/>
-                <a:ea typeface="Consolas" charset="0"/>
-                <a:cs typeface="Consolas" charset="0"/>
-              </a:rPr>
-              <a:t>(“%-6.3d</a:t>
             </a:r>
             <a:r>
               <a:rPr lang="en-US" sz="2800" dirty="0">
@@ -13035,10 +12373,12 @@
                 <a:ea typeface="Consolas" charset="0"/>
                 <a:cs typeface="Consolas" charset="0"/>
               </a:rPr>
-              <a:t>”, x</a:t>
-            </a:r>
-            <a:r>
-              <a:rPr lang="en-US" sz="2800" dirty="0" smtClean="0">
+              <a:t>(“Your score is: %-4d”, x);</a:t>
+            </a:r>
+          </a:p>
+          <a:p>
+            <a:r>
+              <a:rPr lang="en-US" sz="2800" dirty="0" err="1">
                 <a:solidFill>
                   <a:srgbClr val="000099"/>
                 </a:solidFill>
@@ -13046,16 +12386,19 @@
                 <a:ea typeface="Consolas" charset="0"/>
                 <a:cs typeface="Consolas" charset="0"/>
               </a:rPr>
-              <a:t>);</a:t>
-            </a:r>
-            <a:endParaRPr lang="en-US" sz="2800" dirty="0">
-              <a:solidFill>
-                <a:srgbClr val="000099"/>
-              </a:solidFill>
-              <a:latin typeface="Consolas" charset="0"/>
-              <a:ea typeface="Consolas" charset="0"/>
-              <a:cs typeface="Consolas" charset="0"/>
-            </a:endParaRPr>
+              <a:t>printf</a:t>
+            </a:r>
+            <a:r>
+              <a:rPr lang="en-US" sz="2800" dirty="0">
+                <a:solidFill>
+                  <a:srgbClr val="000099"/>
+                </a:solidFill>
+                <a:latin typeface="Consolas" charset="0"/>
+                <a:ea typeface="Consolas" charset="0"/>
+                <a:cs typeface="Consolas" charset="0"/>
+              </a:rPr>
+              <a:t>(“%-6.3d”, x);</a:t>
+            </a:r>
           </a:p>
         </p:txBody>
       </p:sp>
@@ -13093,13 +12436,6 @@
   <p:clrMapOvr>
     <a:masterClrMapping/>
   </p:clrMapOvr>
-  <p:timing>
-    <p:tnLst>
-      <p:par>
-        <p:cTn id="1" dur="indefinite" restart="never" nodeType="tmRoot"/>
-      </p:par>
-    </p:tnLst>
-  </p:timing>
 </p:sld>
 </file>
 
@@ -13136,10 +12472,9 @@
           <a:lstStyle/>
           <a:p>
             <a:r>
-              <a:rPr lang="en-US" dirty="0" smtClean="0"/>
+              <a:rPr lang="en-US" dirty="0"/>
               <a:t>Conversion Specification</a:t>
             </a:r>
-            <a:endParaRPr lang="en-US" dirty="0"/>
           </a:p>
         </p:txBody>
       </p:sp>
@@ -13168,22 +12503,22 @@
             <a:pPr>
               <a:buNone/>
             </a:pPr>
-            <a:endParaRPr lang="en-US" dirty="0" smtClean="0"/>
+            <a:endParaRPr lang="en-US" dirty="0"/>
           </a:p>
           <a:p>
             <a:pPr>
               <a:buNone/>
             </a:pPr>
-            <a:endParaRPr lang="en-US" dirty="0" smtClean="0"/>
-          </a:p>
-          <a:p>
-            <a:endParaRPr lang="en-US" dirty="0" smtClean="0"/>
-          </a:p>
-          <a:p>
             <a:endParaRPr lang="en-US" dirty="0"/>
           </a:p>
           <a:p>
-            <a:endParaRPr lang="en-US" dirty="0" smtClean="0"/>
+            <a:endParaRPr lang="en-US" dirty="0"/>
+          </a:p>
+          <a:p>
+            <a:endParaRPr lang="en-US" dirty="0"/>
+          </a:p>
+          <a:p>
+            <a:endParaRPr lang="en-US" dirty="0"/>
           </a:p>
           <a:p>
             <a:r>
@@ -13258,14 +12593,13 @@
               <a:rPr lang="en-US" sz="3800" dirty="0"/>
               <a:t>: floating point notation </a:t>
             </a:r>
-            <a:endParaRPr lang="en-US" sz="3800" dirty="0" smtClean="0"/>
           </a:p>
           <a:p>
             <a:pPr marL="457200" lvl="1" indent="0">
               <a:buNone/>
             </a:pPr>
             <a:r>
-              <a:rPr lang="en-US" sz="3800" dirty="0" err="1" smtClean="0">
+              <a:rPr lang="en-US" sz="3800" dirty="0" err="1">
                 <a:solidFill>
                   <a:srgbClr val="000099"/>
                 </a:solidFill>
@@ -13319,9 +12653,7 @@
           <p:cNvGraphicFramePr>
             <a:graphicFrameLocks noGrp="1"/>
           </p:cNvGraphicFramePr>
-          <p:nvPr>
-            <p:extLst/>
-          </p:nvPr>
+          <p:nvPr/>
         </p:nvGraphicFramePr>
         <p:xfrm>
           <a:off x="2667000" y="1639669"/>
@@ -13334,11 +12666,41 @@
                 <a:tableStyleId>{5C22544A-7EE6-4342-B048-85BDC9FD1C3A}</a:tableStyleId>
               </a:tblPr>
               <a:tblGrid>
-                <a:gridCol w="446567"/>
-                <a:gridCol w="937389"/>
-                <a:gridCol w="551169"/>
-                <a:gridCol w="573296"/>
-                <a:gridCol w="691978"/>
+                <a:gridCol w="446567">
+                  <a:extLst>
+                    <a:ext uri="{9D8B030D-6E8A-4147-A177-3AD203B41FA5}">
+                      <a16:colId xmlns:a16="http://schemas.microsoft.com/office/drawing/2014/main" val="20000"/>
+                    </a:ext>
+                  </a:extLst>
+                </a:gridCol>
+                <a:gridCol w="937389">
+                  <a:extLst>
+                    <a:ext uri="{9D8B030D-6E8A-4147-A177-3AD203B41FA5}">
+                      <a16:colId xmlns:a16="http://schemas.microsoft.com/office/drawing/2014/main" val="20001"/>
+                    </a:ext>
+                  </a:extLst>
+                </a:gridCol>
+                <a:gridCol w="551169">
+                  <a:extLst>
+                    <a:ext uri="{9D8B030D-6E8A-4147-A177-3AD203B41FA5}">
+                      <a16:colId xmlns:a16="http://schemas.microsoft.com/office/drawing/2014/main" val="20002"/>
+                    </a:ext>
+                  </a:extLst>
+                </a:gridCol>
+                <a:gridCol w="573296">
+                  <a:extLst>
+                    <a:ext uri="{9D8B030D-6E8A-4147-A177-3AD203B41FA5}">
+                      <a16:colId xmlns:a16="http://schemas.microsoft.com/office/drawing/2014/main" val="20003"/>
+                    </a:ext>
+                  </a:extLst>
+                </a:gridCol>
+                <a:gridCol w="691978">
+                  <a:extLst>
+                    <a:ext uri="{9D8B030D-6E8A-4147-A177-3AD203B41FA5}">
+                      <a16:colId xmlns:a16="http://schemas.microsoft.com/office/drawing/2014/main" val="20004"/>
+                    </a:ext>
+                  </a:extLst>
+                </a:gridCol>
               </a:tblGrid>
               <a:tr h="0">
                 <a:tc>
@@ -13348,18 +12710,13 @@
                     <a:p>
                       <a:pPr algn="ctr"/>
                       <a:r>
-                        <a:rPr lang="en-US" dirty="0" smtClean="0">
+                        <a:rPr lang="en-US" dirty="0">
                           <a:solidFill>
                             <a:srgbClr val="0B2B91"/>
                           </a:solidFill>
                         </a:rPr>
                         <a:t>%</a:t>
                       </a:r>
-                      <a:endParaRPr lang="en-US" dirty="0">
-                        <a:solidFill>
-                          <a:srgbClr val="0B2B91"/>
-                        </a:solidFill>
-                      </a:endParaRPr>
                     </a:p>
                   </a:txBody>
                   <a:tcPr>
@@ -13375,18 +12732,13 @@
                     <a:p>
                       <a:pPr algn="ctr"/>
                       <a:r>
-                        <a:rPr lang="en-US" dirty="0" smtClean="0">
+                        <a:rPr lang="en-US" dirty="0">
                           <a:solidFill>
                             <a:srgbClr val="0B2B91"/>
                           </a:solidFill>
                         </a:rPr>
                         <a:t>- +  0</a:t>
                       </a:r>
-                      <a:endParaRPr lang="en-US" dirty="0">
-                        <a:solidFill>
-                          <a:srgbClr val="0B2B91"/>
-                        </a:solidFill>
-                      </a:endParaRPr>
                     </a:p>
                   </a:txBody>
                   <a:tcPr>
@@ -13402,18 +12754,13 @@
                     <a:p>
                       <a:pPr algn="ctr"/>
                       <a:r>
-                        <a:rPr lang="en-US" dirty="0" smtClean="0">
+                        <a:rPr lang="en-US" dirty="0">
                           <a:solidFill>
                             <a:srgbClr val="0B2B91"/>
                           </a:solidFill>
                         </a:rPr>
                         <a:t>m</a:t>
                       </a:r>
-                      <a:endParaRPr lang="en-US" dirty="0">
-                        <a:solidFill>
-                          <a:srgbClr val="0B2B91"/>
-                        </a:solidFill>
-                      </a:endParaRPr>
                     </a:p>
                   </a:txBody>
                   <a:tcPr>
@@ -13429,18 +12776,13 @@
                     <a:p>
                       <a:pPr algn="ctr"/>
                       <a:r>
-                        <a:rPr lang="en-US" dirty="0" smtClean="0">
+                        <a:rPr lang="en-US" dirty="0">
                           <a:solidFill>
                             <a:srgbClr val="0B2B91"/>
                           </a:solidFill>
                         </a:rPr>
                         <a:t>.p</a:t>
                       </a:r>
-                      <a:endParaRPr lang="en-US" dirty="0">
-                        <a:solidFill>
-                          <a:srgbClr val="0B2B91"/>
-                        </a:solidFill>
-                      </a:endParaRPr>
                     </a:p>
                   </a:txBody>
                   <a:tcPr>
@@ -13456,18 +12798,13 @@
                     <a:p>
                       <a:pPr algn="ctr"/>
                       <a:r>
-                        <a:rPr lang="en-US" dirty="0" smtClean="0">
+                        <a:rPr lang="en-US" dirty="0">
                           <a:solidFill>
                             <a:srgbClr val="0B2B91"/>
                           </a:solidFill>
                         </a:rPr>
                         <a:t>X</a:t>
                       </a:r>
-                      <a:endParaRPr lang="en-US" dirty="0">
-                        <a:solidFill>
-                          <a:srgbClr val="0B2B91"/>
-                        </a:solidFill>
-                      </a:endParaRPr>
                     </a:p>
                   </a:txBody>
                   <a:tcPr>
@@ -13476,6 +12813,11 @@
                     </a:solidFill>
                   </a:tcPr>
                 </a:tc>
+                <a:extLst>
+                  <a:ext uri="{0D108BD9-81ED-4DB2-BD59-A6C34878D82A}">
+                    <a16:rowId xmlns:a16="http://schemas.microsoft.com/office/drawing/2014/main" val="10000"/>
+                  </a:ext>
+                </a:extLst>
               </a:tr>
             </a:tbl>
           </a:graphicData>
@@ -13510,10 +12852,9 @@
           <a:lstStyle/>
           <a:p>
             <a:r>
-              <a:rPr lang="en-US" dirty="0" smtClean="0"/>
+              <a:rPr lang="en-US" dirty="0"/>
               <a:t>Start of the specifier</a:t>
             </a:r>
-            <a:endParaRPr lang="en-US" dirty="0"/>
           </a:p>
         </p:txBody>
       </p:sp>
@@ -13546,7 +12887,7 @@
           <a:lstStyle/>
           <a:p>
             <a:r>
-              <a:rPr lang="en-US" dirty="0" smtClean="0"/>
+              <a:rPr lang="en-US" dirty="0"/>
               <a:t>Flags</a:t>
             </a:r>
             <a:endParaRPr lang="en-US" sz="2400" dirty="0"/>
@@ -13582,10 +12923,9 @@
           <a:lstStyle/>
           <a:p>
             <a:r>
-              <a:rPr lang="en-US" dirty="0" smtClean="0"/>
+              <a:rPr lang="en-US" dirty="0"/>
               <a:t>Minimum width of the field</a:t>
             </a:r>
-            <a:endParaRPr lang="en-US" dirty="0"/>
           </a:p>
         </p:txBody>
       </p:sp>
@@ -13618,7 +12958,7 @@
           <a:lstStyle/>
           <a:p>
             <a:r>
-              <a:rPr lang="en-US" dirty="0" smtClean="0"/>
+              <a:rPr lang="en-US" dirty="0"/>
               <a:t>Precision</a:t>
             </a:r>
             <a:endParaRPr lang="en-US" sz="2400" dirty="0"/>
@@ -13654,18 +12994,13 @@
           <a:lstStyle/>
           <a:p>
             <a:r>
-              <a:rPr lang="en-US" dirty="0" smtClean="0">
+              <a:rPr lang="en-US" dirty="0">
                 <a:solidFill>
                   <a:srgbClr val="FF0000"/>
                 </a:solidFill>
               </a:rPr>
               <a:t>Conversion type</a:t>
             </a:r>
-            <a:endParaRPr lang="en-US" dirty="0">
-              <a:solidFill>
-                <a:srgbClr val="FF0000"/>
-              </a:solidFill>
-            </a:endParaRPr>
           </a:p>
         </p:txBody>
       </p:sp>
@@ -13893,13 +13228,6 @@
   <p:clrMapOvr>
     <a:masterClrMapping/>
   </p:clrMapOvr>
-  <p:timing>
-    <p:tnLst>
-      <p:par>
-        <p:cTn id="1" dur="indefinite" restart="never" nodeType="tmRoot"/>
-      </p:par>
-    </p:tnLst>
-  </p:timing>
 </p:sld>
 </file>
 
